--- a/paper/shiraishi202003/卒論図.pptx
+++ b/paper/shiraishi202003/卒論図.pptx
@@ -10,30 +10,31 @@
     <p:sldId id="268" r:id="rId4"/>
     <p:sldId id="269" r:id="rId5"/>
     <p:sldId id="271" r:id="rId6"/>
-    <p:sldId id="270" r:id="rId7"/>
-    <p:sldId id="280" r:id="rId8"/>
-    <p:sldId id="281" r:id="rId9"/>
-    <p:sldId id="272" r:id="rId10"/>
-    <p:sldId id="273" r:id="rId11"/>
-    <p:sldId id="261" r:id="rId12"/>
-    <p:sldId id="260" r:id="rId13"/>
-    <p:sldId id="274" r:id="rId14"/>
-    <p:sldId id="275" r:id="rId15"/>
-    <p:sldId id="264" r:id="rId16"/>
-    <p:sldId id="265" r:id="rId17"/>
-    <p:sldId id="266" r:id="rId18"/>
-    <p:sldId id="267" r:id="rId19"/>
-    <p:sldId id="279" r:id="rId20"/>
-    <p:sldId id="276" r:id="rId21"/>
-    <p:sldId id="278" r:id="rId22"/>
-    <p:sldId id="277" r:id="rId23"/>
-    <p:sldId id="282" r:id="rId24"/>
-    <p:sldId id="283" r:id="rId25"/>
-    <p:sldId id="284" r:id="rId26"/>
-    <p:sldId id="285" r:id="rId27"/>
-    <p:sldId id="286" r:id="rId28"/>
-    <p:sldId id="287" r:id="rId29"/>
-    <p:sldId id="288" r:id="rId30"/>
+    <p:sldId id="289" r:id="rId7"/>
+    <p:sldId id="270" r:id="rId8"/>
+    <p:sldId id="280" r:id="rId9"/>
+    <p:sldId id="281" r:id="rId10"/>
+    <p:sldId id="272" r:id="rId11"/>
+    <p:sldId id="273" r:id="rId12"/>
+    <p:sldId id="261" r:id="rId13"/>
+    <p:sldId id="260" r:id="rId14"/>
+    <p:sldId id="274" r:id="rId15"/>
+    <p:sldId id="275" r:id="rId16"/>
+    <p:sldId id="264" r:id="rId17"/>
+    <p:sldId id="265" r:id="rId18"/>
+    <p:sldId id="266" r:id="rId19"/>
+    <p:sldId id="267" r:id="rId20"/>
+    <p:sldId id="279" r:id="rId21"/>
+    <p:sldId id="276" r:id="rId22"/>
+    <p:sldId id="278" r:id="rId23"/>
+    <p:sldId id="277" r:id="rId24"/>
+    <p:sldId id="282" r:id="rId25"/>
+    <p:sldId id="283" r:id="rId26"/>
+    <p:sldId id="284" r:id="rId27"/>
+    <p:sldId id="285" r:id="rId28"/>
+    <p:sldId id="286" r:id="rId29"/>
+    <p:sldId id="287" r:id="rId30"/>
+    <p:sldId id="288" r:id="rId31"/>
   </p:sldIdLst>
   <p:sldSz cx="12192000" cy="6858000"/>
   <p:notesSz cx="6858000" cy="9144000"/>
@@ -287,7 +288,7 @@
           <a:p>
             <a:fld id="{6238B787-0066-4BD5-98C1-84E768EA70B9}" type="datetimeFigureOut">
               <a:rPr kumimoji="1" lang="ja-JP" altLang="en-US" smtClean="0"/>
-              <a:t>2021/2/19</a:t>
+              <a:t>2021/7/23</a:t>
             </a:fld>
             <a:endParaRPr kumimoji="1" lang="ja-JP" altLang="en-US"/>
           </a:p>
@@ -517,7 +518,7 @@
           <a:p>
             <a:fld id="{6238B787-0066-4BD5-98C1-84E768EA70B9}" type="datetimeFigureOut">
               <a:rPr kumimoji="1" lang="ja-JP" altLang="en-US" smtClean="0"/>
-              <a:t>2021/2/19</a:t>
+              <a:t>2021/7/23</a:t>
             </a:fld>
             <a:endParaRPr kumimoji="1" lang="ja-JP" altLang="en-US"/>
           </a:p>
@@ -757,7 +758,7 @@
           <a:p>
             <a:fld id="{6238B787-0066-4BD5-98C1-84E768EA70B9}" type="datetimeFigureOut">
               <a:rPr kumimoji="1" lang="ja-JP" altLang="en-US" smtClean="0"/>
-              <a:t>2021/2/19</a:t>
+              <a:t>2021/7/23</a:t>
             </a:fld>
             <a:endParaRPr kumimoji="1" lang="ja-JP" altLang="en-US"/>
           </a:p>
@@ -987,7 +988,7 @@
           <a:p>
             <a:fld id="{6238B787-0066-4BD5-98C1-84E768EA70B9}" type="datetimeFigureOut">
               <a:rPr kumimoji="1" lang="ja-JP" altLang="en-US" smtClean="0"/>
-              <a:t>2021/2/19</a:t>
+              <a:t>2021/7/23</a:t>
             </a:fld>
             <a:endParaRPr kumimoji="1" lang="ja-JP" altLang="en-US"/>
           </a:p>
@@ -1262,7 +1263,7 @@
           <a:p>
             <a:fld id="{6238B787-0066-4BD5-98C1-84E768EA70B9}" type="datetimeFigureOut">
               <a:rPr kumimoji="1" lang="ja-JP" altLang="en-US" smtClean="0"/>
-              <a:t>2021/2/19</a:t>
+              <a:t>2021/7/23</a:t>
             </a:fld>
             <a:endParaRPr kumimoji="1" lang="ja-JP" altLang="en-US"/>
           </a:p>
@@ -1591,7 +1592,7 @@
           <a:p>
             <a:fld id="{6238B787-0066-4BD5-98C1-84E768EA70B9}" type="datetimeFigureOut">
               <a:rPr kumimoji="1" lang="ja-JP" altLang="en-US" smtClean="0"/>
-              <a:t>2021/2/19</a:t>
+              <a:t>2021/7/23</a:t>
             </a:fld>
             <a:endParaRPr kumimoji="1" lang="ja-JP" altLang="en-US"/>
           </a:p>
@@ -2067,7 +2068,7 @@
           <a:p>
             <a:fld id="{6238B787-0066-4BD5-98C1-84E768EA70B9}" type="datetimeFigureOut">
               <a:rPr kumimoji="1" lang="ja-JP" altLang="en-US" smtClean="0"/>
-              <a:t>2021/2/19</a:t>
+              <a:t>2021/7/23</a:t>
             </a:fld>
             <a:endParaRPr kumimoji="1" lang="ja-JP" altLang="en-US"/>
           </a:p>
@@ -2208,7 +2209,7 @@
           <a:p>
             <a:fld id="{6238B787-0066-4BD5-98C1-84E768EA70B9}" type="datetimeFigureOut">
               <a:rPr kumimoji="1" lang="ja-JP" altLang="en-US" smtClean="0"/>
-              <a:t>2021/2/19</a:t>
+              <a:t>2021/7/23</a:t>
             </a:fld>
             <a:endParaRPr kumimoji="1" lang="ja-JP" altLang="en-US"/>
           </a:p>
@@ -2321,7 +2322,7 @@
           <a:p>
             <a:fld id="{6238B787-0066-4BD5-98C1-84E768EA70B9}" type="datetimeFigureOut">
               <a:rPr kumimoji="1" lang="ja-JP" altLang="en-US" smtClean="0"/>
-              <a:t>2021/2/19</a:t>
+              <a:t>2021/7/23</a:t>
             </a:fld>
             <a:endParaRPr kumimoji="1" lang="ja-JP" altLang="en-US"/>
           </a:p>
@@ -2664,7 +2665,7 @@
           <a:p>
             <a:fld id="{6238B787-0066-4BD5-98C1-84E768EA70B9}" type="datetimeFigureOut">
               <a:rPr kumimoji="1" lang="ja-JP" altLang="en-US" smtClean="0"/>
-              <a:t>2021/2/19</a:t>
+              <a:t>2021/7/23</a:t>
             </a:fld>
             <a:endParaRPr kumimoji="1" lang="ja-JP" altLang="en-US"/>
           </a:p>
@@ -2952,7 +2953,7 @@
           <a:p>
             <a:fld id="{6238B787-0066-4BD5-98C1-84E768EA70B9}" type="datetimeFigureOut">
               <a:rPr kumimoji="1" lang="ja-JP" altLang="en-US" smtClean="0"/>
-              <a:t>2021/2/19</a:t>
+              <a:t>2021/7/23</a:t>
             </a:fld>
             <a:endParaRPr kumimoji="1" lang="ja-JP" altLang="en-US"/>
           </a:p>
@@ -3225,7 +3226,7 @@
           <a:p>
             <a:fld id="{6238B787-0066-4BD5-98C1-84E768EA70B9}" type="datetimeFigureOut">
               <a:rPr kumimoji="1" lang="ja-JP" altLang="en-US" smtClean="0"/>
-              <a:t>2021/2/19</a:t>
+              <a:t>2021/7/23</a:t>
             </a:fld>
             <a:endParaRPr kumimoji="1" lang="ja-JP" altLang="en-US"/>
           </a:p>
@@ -5248,6 +5249,924 @@
           <a:chExt cx="0" cy="0"/>
         </a:xfrm>
       </p:grpSpPr>
+      <p:grpSp>
+        <p:nvGrpSpPr>
+          <p:cNvPr id="35" name="グループ化 34">
+            <a:extLst>
+              <a:ext uri="{FF2B5EF4-FFF2-40B4-BE49-F238E27FC236}">
+                <a16:creationId xmlns:a16="http://schemas.microsoft.com/office/drawing/2014/main" id="{ED18A947-55D1-4FDF-A7BF-4530B58D79A3}"/>
+              </a:ext>
+            </a:extLst>
+          </p:cNvPr>
+          <p:cNvGrpSpPr/>
+          <p:nvPr/>
+        </p:nvGrpSpPr>
+        <p:grpSpPr>
+          <a:xfrm>
+            <a:off x="913805" y="2703273"/>
+            <a:ext cx="9095312" cy="914400"/>
+            <a:chOff x="926338" y="3058115"/>
+            <a:chExt cx="9095312" cy="914400"/>
+          </a:xfrm>
+        </p:grpSpPr>
+        <p:sp>
+          <p:nvSpPr>
+            <p:cNvPr id="14" name="正方形/長方形 13">
+              <a:extLst>
+                <a:ext uri="{FF2B5EF4-FFF2-40B4-BE49-F238E27FC236}">
+                  <a16:creationId xmlns:a16="http://schemas.microsoft.com/office/drawing/2014/main" id="{7ADE3A2F-393F-43C6-A275-1D1F589F5BEF}"/>
+                </a:ext>
+              </a:extLst>
+            </p:cNvPr>
+            <p:cNvSpPr/>
+            <p:nvPr/>
+          </p:nvSpPr>
+          <p:spPr>
+            <a:xfrm>
+              <a:off x="926338" y="3058115"/>
+              <a:ext cx="914400" cy="914400"/>
+            </a:xfrm>
+            <a:prstGeom prst="rect">
+              <a:avLst/>
+            </a:prstGeom>
+          </p:spPr>
+          <p:style>
+            <a:lnRef idx="2">
+              <a:schemeClr val="dk1"/>
+            </a:lnRef>
+            <a:fillRef idx="1">
+              <a:schemeClr val="lt1"/>
+            </a:fillRef>
+            <a:effectRef idx="0">
+              <a:schemeClr val="dk1"/>
+            </a:effectRef>
+            <a:fontRef idx="minor">
+              <a:schemeClr val="dk1"/>
+            </a:fontRef>
+          </p:style>
+          <p:txBody>
+            <a:bodyPr rtlCol="0" anchor="ctr"/>
+            <a:lstStyle/>
+            <a:p>
+              <a:pPr algn="ctr"/>
+              <a:r>
+                <a:rPr lang="ja-JP" altLang="en-US" dirty="0"/>
+                <a:t>音声</a:t>
+              </a:r>
+              <a:endParaRPr lang="en-US" altLang="ja-JP" dirty="0"/>
+            </a:p>
+            <a:p>
+              <a:pPr algn="ctr"/>
+              <a:r>
+                <a:rPr kumimoji="1" lang="en-US" altLang="ja-JP" dirty="0"/>
+                <a:t>S</a:t>
+              </a:r>
+              <a:endParaRPr kumimoji="1" lang="ja-JP" altLang="en-US" dirty="0"/>
+            </a:p>
+          </p:txBody>
+        </p:sp>
+        <p:sp>
+          <p:nvSpPr>
+            <p:cNvPr id="15" name="正方形/長方形 14">
+              <a:extLst>
+                <a:ext uri="{FF2B5EF4-FFF2-40B4-BE49-F238E27FC236}">
+                  <a16:creationId xmlns:a16="http://schemas.microsoft.com/office/drawing/2014/main" id="{950D0653-940F-43E9-87CA-0C0C8ABA26E9}"/>
+                </a:ext>
+              </a:extLst>
+            </p:cNvPr>
+            <p:cNvSpPr/>
+            <p:nvPr/>
+          </p:nvSpPr>
+          <p:spPr>
+            <a:xfrm>
+              <a:off x="2440239" y="3058115"/>
+              <a:ext cx="1758108" cy="914400"/>
+            </a:xfrm>
+            <a:prstGeom prst="rect">
+              <a:avLst/>
+            </a:prstGeom>
+          </p:spPr>
+          <p:style>
+            <a:lnRef idx="2">
+              <a:schemeClr val="dk1"/>
+            </a:lnRef>
+            <a:fillRef idx="1">
+              <a:schemeClr val="lt1"/>
+            </a:fillRef>
+            <a:effectRef idx="0">
+              <a:schemeClr val="dk1"/>
+            </a:effectRef>
+            <a:fontRef idx="minor">
+              <a:schemeClr val="dk1"/>
+            </a:fontRef>
+          </p:style>
+          <p:txBody>
+            <a:bodyPr rtlCol="0" anchor="ctr"/>
+            <a:lstStyle/>
+            <a:p>
+              <a:pPr algn="ctr"/>
+              <a:r>
+                <a:rPr lang="ja-JP" altLang="en-US" dirty="0"/>
+                <a:t>室内伝達関数</a:t>
+              </a:r>
+              <a:endParaRPr lang="en-US" altLang="ja-JP" dirty="0"/>
+            </a:p>
+            <a:p>
+              <a:pPr algn="ctr"/>
+              <a:r>
+                <a:rPr kumimoji="1" lang="en-US" altLang="ja-JP" dirty="0"/>
+                <a:t>P</a:t>
+              </a:r>
+              <a:endParaRPr kumimoji="1" lang="ja-JP" altLang="en-US" dirty="0"/>
+            </a:p>
+          </p:txBody>
+        </p:sp>
+        <p:cxnSp>
+          <p:nvCxnSpPr>
+            <p:cNvPr id="20" name="直線矢印コネクタ 19">
+              <a:extLst>
+                <a:ext uri="{FF2B5EF4-FFF2-40B4-BE49-F238E27FC236}">
+                  <a16:creationId xmlns:a16="http://schemas.microsoft.com/office/drawing/2014/main" id="{6E29C626-C678-42F7-844E-199D07420B61}"/>
+                </a:ext>
+              </a:extLst>
+            </p:cNvPr>
+            <p:cNvCxnSpPr/>
+            <p:nvPr/>
+          </p:nvCxnSpPr>
+          <p:spPr>
+            <a:xfrm>
+              <a:off x="1903167" y="3557546"/>
+              <a:ext cx="484742" cy="0"/>
+            </a:xfrm>
+            <a:prstGeom prst="straightConnector1">
+              <a:avLst/>
+            </a:prstGeom>
+            <a:ln>
+              <a:tailEnd type="triangle"/>
+            </a:ln>
+          </p:spPr>
+          <p:style>
+            <a:lnRef idx="1">
+              <a:schemeClr val="dk1"/>
+            </a:lnRef>
+            <a:fillRef idx="0">
+              <a:schemeClr val="dk1"/>
+            </a:fillRef>
+            <a:effectRef idx="0">
+              <a:schemeClr val="dk1"/>
+            </a:effectRef>
+            <a:fontRef idx="minor">
+              <a:schemeClr val="tx1"/>
+            </a:fontRef>
+          </p:style>
+        </p:cxnSp>
+        <p:cxnSp>
+          <p:nvCxnSpPr>
+            <p:cNvPr id="21" name="直線矢印コネクタ 20">
+              <a:extLst>
+                <a:ext uri="{FF2B5EF4-FFF2-40B4-BE49-F238E27FC236}">
+                  <a16:creationId xmlns:a16="http://schemas.microsoft.com/office/drawing/2014/main" id="{21EDEF18-2639-490F-A8A7-7FF3BA5AE108}"/>
+                </a:ext>
+              </a:extLst>
+            </p:cNvPr>
+            <p:cNvCxnSpPr/>
+            <p:nvPr/>
+          </p:nvCxnSpPr>
+          <p:spPr>
+            <a:xfrm>
+              <a:off x="4268120" y="3544693"/>
+              <a:ext cx="484742" cy="0"/>
+            </a:xfrm>
+            <a:prstGeom prst="straightConnector1">
+              <a:avLst/>
+            </a:prstGeom>
+            <a:ln>
+              <a:tailEnd type="triangle"/>
+            </a:ln>
+          </p:spPr>
+          <p:style>
+            <a:lnRef idx="1">
+              <a:schemeClr val="dk1"/>
+            </a:lnRef>
+            <a:fillRef idx="0">
+              <a:schemeClr val="dk1"/>
+            </a:fillRef>
+            <a:effectRef idx="0">
+              <a:schemeClr val="dk1"/>
+            </a:effectRef>
+            <a:fontRef idx="minor">
+              <a:schemeClr val="tx1"/>
+            </a:fontRef>
+          </p:style>
+        </p:cxnSp>
+        <p:cxnSp>
+          <p:nvCxnSpPr>
+            <p:cNvPr id="22" name="直線矢印コネクタ 21">
+              <a:extLst>
+                <a:ext uri="{FF2B5EF4-FFF2-40B4-BE49-F238E27FC236}">
+                  <a16:creationId xmlns:a16="http://schemas.microsoft.com/office/drawing/2014/main" id="{3FA3ECC1-6232-46DA-B0FD-AAD9F436531A}"/>
+                </a:ext>
+              </a:extLst>
+            </p:cNvPr>
+            <p:cNvCxnSpPr>
+              <a:cxnSpLocks/>
+            </p:cNvCxnSpPr>
+            <p:nvPr/>
+          </p:nvCxnSpPr>
+          <p:spPr>
+            <a:xfrm>
+              <a:off x="6187629" y="3532483"/>
+              <a:ext cx="484742" cy="0"/>
+            </a:xfrm>
+            <a:prstGeom prst="straightConnector1">
+              <a:avLst/>
+            </a:prstGeom>
+            <a:ln>
+              <a:tailEnd type="triangle"/>
+            </a:ln>
+          </p:spPr>
+          <p:style>
+            <a:lnRef idx="1">
+              <a:schemeClr val="dk1"/>
+            </a:lnRef>
+            <a:fillRef idx="0">
+              <a:schemeClr val="dk1"/>
+            </a:fillRef>
+            <a:effectRef idx="0">
+              <a:schemeClr val="dk1"/>
+            </a:effectRef>
+            <a:fontRef idx="minor">
+              <a:schemeClr val="tx1"/>
+            </a:fontRef>
+          </p:style>
+        </p:cxnSp>
+        <p:sp>
+          <p:nvSpPr>
+            <p:cNvPr id="30" name="楕円 29">
+              <a:extLst>
+                <a:ext uri="{FF2B5EF4-FFF2-40B4-BE49-F238E27FC236}">
+                  <a16:creationId xmlns:a16="http://schemas.microsoft.com/office/drawing/2014/main" id="{E31BBDE0-47AB-4BD8-AD9D-DBBA1B11C6A4}"/>
+                </a:ext>
+              </a:extLst>
+            </p:cNvPr>
+            <p:cNvSpPr/>
+            <p:nvPr/>
+          </p:nvSpPr>
+          <p:spPr>
+            <a:xfrm>
+              <a:off x="3090693" y="3448296"/>
+              <a:ext cx="479236" cy="352540"/>
+            </a:xfrm>
+            <a:prstGeom prst="ellipse">
+              <a:avLst/>
+            </a:prstGeom>
+            <a:noFill/>
+            <a:ln>
+              <a:solidFill>
+                <a:srgbClr val="FF0000"/>
+              </a:solidFill>
+            </a:ln>
+          </p:spPr>
+          <p:style>
+            <a:lnRef idx="2">
+              <a:schemeClr val="accent1">
+                <a:shade val="50000"/>
+              </a:schemeClr>
+            </a:lnRef>
+            <a:fillRef idx="1">
+              <a:schemeClr val="accent1"/>
+            </a:fillRef>
+            <a:effectRef idx="0">
+              <a:schemeClr val="accent1"/>
+            </a:effectRef>
+            <a:fontRef idx="minor">
+              <a:schemeClr val="lt1"/>
+            </a:fontRef>
+          </p:style>
+          <p:txBody>
+            <a:bodyPr rtlCol="0" anchor="ctr"/>
+            <a:lstStyle/>
+            <a:p>
+              <a:pPr algn="ctr"/>
+              <a:endParaRPr kumimoji="1" lang="ja-JP" altLang="en-US"/>
+            </a:p>
+          </p:txBody>
+        </p:sp>
+        <p:sp>
+          <p:nvSpPr>
+            <p:cNvPr id="3" name="正方形/長方形 2">
+              <a:extLst>
+                <a:ext uri="{FF2B5EF4-FFF2-40B4-BE49-F238E27FC236}">
+                  <a16:creationId xmlns:a16="http://schemas.microsoft.com/office/drawing/2014/main" id="{7766D7A3-D3E1-4A77-9FA0-B1C14334CF48}"/>
+                </a:ext>
+              </a:extLst>
+            </p:cNvPr>
+            <p:cNvSpPr/>
+            <p:nvPr/>
+          </p:nvSpPr>
+          <p:spPr>
+            <a:xfrm>
+              <a:off x="4848801" y="3360027"/>
+              <a:ext cx="1338828" cy="369332"/>
+            </a:xfrm>
+            <a:prstGeom prst="rect">
+              <a:avLst/>
+            </a:prstGeom>
+          </p:spPr>
+          <p:txBody>
+            <a:bodyPr wrap="none">
+              <a:spAutoFit/>
+            </a:bodyPr>
+            <a:lstStyle/>
+            <a:p>
+              <a:pPr algn="ctr"/>
+              <a:r>
+                <a:rPr lang="ja-JP" altLang="en-US" dirty="0"/>
+                <a:t>再録音装置</a:t>
+              </a:r>
+            </a:p>
+          </p:txBody>
+        </p:sp>
+        <p:grpSp>
+          <p:nvGrpSpPr>
+            <p:cNvPr id="13" name="グループ化 12">
+              <a:extLst>
+                <a:ext uri="{FF2B5EF4-FFF2-40B4-BE49-F238E27FC236}">
+                  <a16:creationId xmlns:a16="http://schemas.microsoft.com/office/drawing/2014/main" id="{8727C9D0-04F4-47EA-938A-1A2F49815EBF}"/>
+                </a:ext>
+              </a:extLst>
+            </p:cNvPr>
+            <p:cNvGrpSpPr/>
+            <p:nvPr/>
+          </p:nvGrpSpPr>
+          <p:grpSpPr>
+            <a:xfrm>
+              <a:off x="6920531" y="3058115"/>
+              <a:ext cx="3101119" cy="914400"/>
+              <a:chOff x="2440239" y="4725333"/>
+              <a:chExt cx="3101119" cy="914400"/>
+            </a:xfrm>
+          </p:grpSpPr>
+          <p:sp>
+            <p:nvSpPr>
+              <p:cNvPr id="16" name="正方形/長方形 15">
+                <a:extLst>
+                  <a:ext uri="{FF2B5EF4-FFF2-40B4-BE49-F238E27FC236}">
+                    <a16:creationId xmlns:a16="http://schemas.microsoft.com/office/drawing/2014/main" id="{AAD69DFA-0AEA-4E31-A0EA-E62AF1A17570}"/>
+                  </a:ext>
+                </a:extLst>
+              </p:cNvPr>
+              <p:cNvSpPr/>
+              <p:nvPr/>
+            </p:nvSpPr>
+            <p:spPr>
+              <a:xfrm>
+                <a:off x="2440239" y="4725333"/>
+                <a:ext cx="1780145" cy="914400"/>
+              </a:xfrm>
+              <a:prstGeom prst="rect">
+                <a:avLst/>
+              </a:prstGeom>
+            </p:spPr>
+            <p:style>
+              <a:lnRef idx="2">
+                <a:schemeClr val="dk1"/>
+              </a:lnRef>
+              <a:fillRef idx="1">
+                <a:schemeClr val="lt1"/>
+              </a:fillRef>
+              <a:effectRef idx="0">
+                <a:schemeClr val="dk1"/>
+              </a:effectRef>
+              <a:fontRef idx="minor">
+                <a:schemeClr val="dk1"/>
+              </a:fontRef>
+            </p:style>
+            <p:txBody>
+              <a:bodyPr rtlCol="0" anchor="ctr"/>
+              <a:lstStyle/>
+              <a:p>
+                <a:pPr algn="ctr"/>
+                <a:r>
+                  <a:rPr kumimoji="1" lang="ja-JP" altLang="en-US" dirty="0"/>
+                  <a:t>室内伝達関数</a:t>
+                </a:r>
+                <a:endParaRPr kumimoji="1" lang="en-US" altLang="ja-JP" dirty="0"/>
+              </a:p>
+              <a:p>
+                <a:pPr algn="ctr"/>
+                <a:r>
+                  <a:rPr lang="en-US" altLang="ja-JP" dirty="0"/>
+                  <a:t>H</a:t>
+                </a:r>
+                <a:endParaRPr kumimoji="1" lang="ja-JP" altLang="en-US" dirty="0"/>
+              </a:p>
+            </p:txBody>
+          </p:sp>
+          <p:cxnSp>
+            <p:nvCxnSpPr>
+              <p:cNvPr id="23" name="直線矢印コネクタ 22">
+                <a:extLst>
+                  <a:ext uri="{FF2B5EF4-FFF2-40B4-BE49-F238E27FC236}">
+                    <a16:creationId xmlns:a16="http://schemas.microsoft.com/office/drawing/2014/main" id="{D6EA79EA-0FDD-42CF-9A8E-E41E373061F8}"/>
+                  </a:ext>
+                </a:extLst>
+              </p:cNvPr>
+              <p:cNvCxnSpPr/>
+              <p:nvPr/>
+            </p:nvCxnSpPr>
+            <p:spPr>
+              <a:xfrm>
+                <a:off x="4376786" y="5182533"/>
+                <a:ext cx="484742" cy="0"/>
+              </a:xfrm>
+              <a:prstGeom prst="straightConnector1">
+                <a:avLst/>
+              </a:prstGeom>
+              <a:ln>
+                <a:tailEnd type="triangle"/>
+              </a:ln>
+            </p:spPr>
+            <p:style>
+              <a:lnRef idx="1">
+                <a:schemeClr val="dk1"/>
+              </a:lnRef>
+              <a:fillRef idx="0">
+                <a:schemeClr val="dk1"/>
+              </a:fillRef>
+              <a:effectRef idx="0">
+                <a:schemeClr val="dk1"/>
+              </a:effectRef>
+              <a:fontRef idx="minor">
+                <a:schemeClr val="tx1"/>
+              </a:fontRef>
+            </p:style>
+          </p:cxnSp>
+          <p:sp>
+            <p:nvSpPr>
+              <p:cNvPr id="29" name="楕円 28">
+                <a:extLst>
+                  <a:ext uri="{FF2B5EF4-FFF2-40B4-BE49-F238E27FC236}">
+                    <a16:creationId xmlns:a16="http://schemas.microsoft.com/office/drawing/2014/main" id="{97FFB598-1F57-4D18-A8E8-BA41432BA97A}"/>
+                  </a:ext>
+                </a:extLst>
+              </p:cNvPr>
+              <p:cNvSpPr/>
+              <p:nvPr/>
+            </p:nvSpPr>
+            <p:spPr>
+              <a:xfrm>
+                <a:off x="3090693" y="5167842"/>
+                <a:ext cx="479236" cy="352540"/>
+              </a:xfrm>
+              <a:prstGeom prst="ellipse">
+                <a:avLst/>
+              </a:prstGeom>
+              <a:noFill/>
+              <a:ln>
+                <a:solidFill>
+                  <a:srgbClr val="FF0000"/>
+                </a:solidFill>
+              </a:ln>
+            </p:spPr>
+            <p:style>
+              <a:lnRef idx="2">
+                <a:schemeClr val="accent1">
+                  <a:shade val="50000"/>
+                </a:schemeClr>
+              </a:lnRef>
+              <a:fillRef idx="1">
+                <a:schemeClr val="accent1"/>
+              </a:fillRef>
+              <a:effectRef idx="0">
+                <a:schemeClr val="accent1"/>
+              </a:effectRef>
+              <a:fontRef idx="minor">
+                <a:schemeClr val="lt1"/>
+              </a:fontRef>
+            </p:style>
+            <p:txBody>
+              <a:bodyPr rtlCol="0" anchor="ctr"/>
+              <a:lstStyle/>
+              <a:p>
+                <a:pPr algn="ctr"/>
+                <a:endParaRPr kumimoji="1" lang="ja-JP" altLang="en-US"/>
+              </a:p>
+            </p:txBody>
+          </p:sp>
+          <p:sp>
+            <p:nvSpPr>
+              <p:cNvPr id="32" name="正方形/長方形 31">
+                <a:extLst>
+                  <a:ext uri="{FF2B5EF4-FFF2-40B4-BE49-F238E27FC236}">
+                    <a16:creationId xmlns:a16="http://schemas.microsoft.com/office/drawing/2014/main" id="{33FF66EB-8333-428E-9B41-32970254A19B}"/>
+                  </a:ext>
+                </a:extLst>
+              </p:cNvPr>
+              <p:cNvSpPr/>
+              <p:nvPr/>
+            </p:nvSpPr>
+            <p:spPr>
+              <a:xfrm>
+                <a:off x="4914263" y="4997867"/>
+                <a:ext cx="627095" cy="369332"/>
+              </a:xfrm>
+              <a:prstGeom prst="rect">
+                <a:avLst/>
+              </a:prstGeom>
+            </p:spPr>
+            <p:txBody>
+              <a:bodyPr wrap="none">
+                <a:spAutoFit/>
+              </a:bodyPr>
+              <a:lstStyle/>
+              <a:p>
+                <a:pPr algn="ctr"/>
+                <a:r>
+                  <a:rPr lang="en-US" altLang="ja-JP" dirty="0"/>
+                  <a:t>ASV</a:t>
+                </a:r>
+                <a:endParaRPr lang="ja-JP" altLang="en-US" dirty="0"/>
+              </a:p>
+            </p:txBody>
+          </p:sp>
+        </p:grpSp>
+      </p:grpSp>
+      <p:grpSp>
+        <p:nvGrpSpPr>
+          <p:cNvPr id="40" name="グループ化 39">
+            <a:extLst>
+              <a:ext uri="{FF2B5EF4-FFF2-40B4-BE49-F238E27FC236}">
+                <a16:creationId xmlns:a16="http://schemas.microsoft.com/office/drawing/2014/main" id="{448704DC-E957-450C-818C-D67FF419A44D}"/>
+              </a:ext>
+            </a:extLst>
+          </p:cNvPr>
+          <p:cNvGrpSpPr/>
+          <p:nvPr/>
+        </p:nvGrpSpPr>
+        <p:grpSpPr>
+          <a:xfrm>
+            <a:off x="926338" y="1085261"/>
+            <a:ext cx="9095311" cy="914400"/>
+            <a:chOff x="926338" y="1399160"/>
+            <a:chExt cx="9095311" cy="914400"/>
+          </a:xfrm>
+        </p:grpSpPr>
+        <p:sp>
+          <p:nvSpPr>
+            <p:cNvPr id="4" name="正方形/長方形 3">
+              <a:extLst>
+                <a:ext uri="{FF2B5EF4-FFF2-40B4-BE49-F238E27FC236}">
+                  <a16:creationId xmlns:a16="http://schemas.microsoft.com/office/drawing/2014/main" id="{FD07CC5E-78EE-4A80-B8BD-427F44B4C7BA}"/>
+                </a:ext>
+              </a:extLst>
+            </p:cNvPr>
+            <p:cNvSpPr/>
+            <p:nvPr/>
+          </p:nvSpPr>
+          <p:spPr>
+            <a:xfrm>
+              <a:off x="926338" y="1399160"/>
+              <a:ext cx="914400" cy="914400"/>
+            </a:xfrm>
+            <a:prstGeom prst="rect">
+              <a:avLst/>
+            </a:prstGeom>
+          </p:spPr>
+          <p:style>
+            <a:lnRef idx="2">
+              <a:schemeClr val="dk1"/>
+            </a:lnRef>
+            <a:fillRef idx="1">
+              <a:schemeClr val="lt1"/>
+            </a:fillRef>
+            <a:effectRef idx="0">
+              <a:schemeClr val="dk1"/>
+            </a:effectRef>
+            <a:fontRef idx="minor">
+              <a:schemeClr val="dk1"/>
+            </a:fontRef>
+          </p:style>
+          <p:txBody>
+            <a:bodyPr rtlCol="0" anchor="ctr"/>
+            <a:lstStyle/>
+            <a:p>
+              <a:pPr algn="ctr"/>
+              <a:r>
+                <a:rPr lang="ja-JP" altLang="en-US" dirty="0"/>
+                <a:t>音声</a:t>
+              </a:r>
+              <a:endParaRPr lang="en-US" altLang="ja-JP" dirty="0"/>
+            </a:p>
+            <a:p>
+              <a:pPr algn="ctr"/>
+              <a:r>
+                <a:rPr kumimoji="1" lang="en-US" altLang="ja-JP" dirty="0"/>
+                <a:t>S</a:t>
+              </a:r>
+              <a:endParaRPr kumimoji="1" lang="ja-JP" altLang="en-US" dirty="0"/>
+            </a:p>
+          </p:txBody>
+        </p:sp>
+        <p:cxnSp>
+          <p:nvCxnSpPr>
+            <p:cNvPr id="9" name="直線矢印コネクタ 8">
+              <a:extLst>
+                <a:ext uri="{FF2B5EF4-FFF2-40B4-BE49-F238E27FC236}">
+                  <a16:creationId xmlns:a16="http://schemas.microsoft.com/office/drawing/2014/main" id="{66CC4D2D-118E-4262-B25D-6CADE5741D5D}"/>
+                </a:ext>
+              </a:extLst>
+            </p:cNvPr>
+            <p:cNvCxnSpPr>
+              <a:cxnSpLocks/>
+            </p:cNvCxnSpPr>
+            <p:nvPr/>
+          </p:nvCxnSpPr>
+          <p:spPr>
+            <a:xfrm>
+              <a:off x="1945949" y="1904980"/>
+              <a:ext cx="4818180" cy="0"/>
+            </a:xfrm>
+            <a:prstGeom prst="straightConnector1">
+              <a:avLst/>
+            </a:prstGeom>
+            <a:ln>
+              <a:tailEnd type="triangle"/>
+            </a:ln>
+          </p:spPr>
+          <p:style>
+            <a:lnRef idx="1">
+              <a:schemeClr val="dk1"/>
+            </a:lnRef>
+            <a:fillRef idx="0">
+              <a:schemeClr val="dk1"/>
+            </a:fillRef>
+            <a:effectRef idx="0">
+              <a:schemeClr val="dk1"/>
+            </a:effectRef>
+            <a:fontRef idx="minor">
+              <a:schemeClr val="tx1"/>
+            </a:fontRef>
+          </p:style>
+        </p:cxnSp>
+        <p:grpSp>
+          <p:nvGrpSpPr>
+            <p:cNvPr id="12" name="グループ化 11">
+              <a:extLst>
+                <a:ext uri="{FF2B5EF4-FFF2-40B4-BE49-F238E27FC236}">
+                  <a16:creationId xmlns:a16="http://schemas.microsoft.com/office/drawing/2014/main" id="{7C88B353-6E6F-4337-BD57-1D585B573958}"/>
+                </a:ext>
+              </a:extLst>
+            </p:cNvPr>
+            <p:cNvGrpSpPr/>
+            <p:nvPr/>
+          </p:nvGrpSpPr>
+          <p:grpSpPr>
+            <a:xfrm>
+              <a:off x="6920531" y="1399160"/>
+              <a:ext cx="3101118" cy="914400"/>
+              <a:chOff x="5623621" y="1013550"/>
+              <a:chExt cx="3101118" cy="914400"/>
+            </a:xfrm>
+          </p:grpSpPr>
+          <p:grpSp>
+            <p:nvGrpSpPr>
+              <p:cNvPr id="8" name="グループ化 7">
+                <a:extLst>
+                  <a:ext uri="{FF2B5EF4-FFF2-40B4-BE49-F238E27FC236}">
+                    <a16:creationId xmlns:a16="http://schemas.microsoft.com/office/drawing/2014/main" id="{D3DC6C7B-923C-416A-87E8-67D41B102D49}"/>
+                  </a:ext>
+                </a:extLst>
+              </p:cNvPr>
+              <p:cNvGrpSpPr/>
+              <p:nvPr/>
+            </p:nvGrpSpPr>
+            <p:grpSpPr>
+              <a:xfrm>
+                <a:off x="5623621" y="1013550"/>
+                <a:ext cx="3101118" cy="914400"/>
+                <a:chOff x="2825830" y="1013550"/>
+                <a:chExt cx="3101118" cy="914400"/>
+              </a:xfrm>
+            </p:grpSpPr>
+            <p:sp>
+              <p:nvSpPr>
+                <p:cNvPr id="5" name="正方形/長方形 4">
+                  <a:extLst>
+                    <a:ext uri="{FF2B5EF4-FFF2-40B4-BE49-F238E27FC236}">
+                      <a16:creationId xmlns:a16="http://schemas.microsoft.com/office/drawing/2014/main" id="{B6F13C1F-3B9D-4BCA-9CD8-9B5A468D0959}"/>
+                    </a:ext>
+                  </a:extLst>
+                </p:cNvPr>
+                <p:cNvSpPr/>
+                <p:nvPr/>
+              </p:nvSpPr>
+              <p:spPr>
+                <a:xfrm>
+                  <a:off x="2825830" y="1013550"/>
+                  <a:ext cx="1780145" cy="914400"/>
+                </a:xfrm>
+                <a:prstGeom prst="rect">
+                  <a:avLst/>
+                </a:prstGeom>
+              </p:spPr>
+              <p:style>
+                <a:lnRef idx="2">
+                  <a:schemeClr val="dk1"/>
+                </a:lnRef>
+                <a:fillRef idx="1">
+                  <a:schemeClr val="lt1"/>
+                </a:fillRef>
+                <a:effectRef idx="0">
+                  <a:schemeClr val="dk1"/>
+                </a:effectRef>
+                <a:fontRef idx="minor">
+                  <a:schemeClr val="dk1"/>
+                </a:fontRef>
+              </p:style>
+              <p:txBody>
+                <a:bodyPr rtlCol="0" anchor="ctr"/>
+                <a:lstStyle/>
+                <a:p>
+                  <a:pPr algn="ctr"/>
+                  <a:r>
+                    <a:rPr lang="ja-JP" altLang="en-US" dirty="0"/>
+                    <a:t>室内伝達関数</a:t>
+                  </a:r>
+                  <a:endParaRPr kumimoji="1" lang="en-US" altLang="ja-JP" dirty="0"/>
+                </a:p>
+                <a:p>
+                  <a:pPr algn="ctr"/>
+                  <a:r>
+                    <a:rPr kumimoji="1" lang="en-US" altLang="ja-JP" dirty="0"/>
+                    <a:t>H</a:t>
+                  </a:r>
+                  <a:endParaRPr kumimoji="1" lang="ja-JP" altLang="en-US" dirty="0"/>
+                </a:p>
+              </p:txBody>
+            </p:sp>
+            <p:cxnSp>
+              <p:nvCxnSpPr>
+                <p:cNvPr id="10" name="直線矢印コネクタ 9">
+                  <a:extLst>
+                    <a:ext uri="{FF2B5EF4-FFF2-40B4-BE49-F238E27FC236}">
+                      <a16:creationId xmlns:a16="http://schemas.microsoft.com/office/drawing/2014/main" id="{65C1D09C-2617-4E03-9926-312636CBE1A2}"/>
+                    </a:ext>
+                  </a:extLst>
+                </p:cNvPr>
+                <p:cNvCxnSpPr>
+                  <a:cxnSpLocks/>
+                </p:cNvCxnSpPr>
+                <p:nvPr/>
+              </p:nvCxnSpPr>
+              <p:spPr>
+                <a:xfrm>
+                  <a:off x="4762377" y="1470750"/>
+                  <a:ext cx="484742" cy="0"/>
+                </a:xfrm>
+                <a:prstGeom prst="straightConnector1">
+                  <a:avLst/>
+                </a:prstGeom>
+                <a:ln>
+                  <a:tailEnd type="triangle"/>
+                </a:ln>
+              </p:spPr>
+              <p:style>
+                <a:lnRef idx="1">
+                  <a:schemeClr val="dk1"/>
+                </a:lnRef>
+                <a:fillRef idx="0">
+                  <a:schemeClr val="dk1"/>
+                </a:fillRef>
+                <a:effectRef idx="0">
+                  <a:schemeClr val="dk1"/>
+                </a:effectRef>
+                <a:fontRef idx="minor">
+                  <a:schemeClr val="tx1"/>
+                </a:fontRef>
+              </p:style>
+            </p:cxnSp>
+            <p:sp>
+              <p:nvSpPr>
+                <p:cNvPr id="2" name="正方形/長方形 1">
+                  <a:extLst>
+                    <a:ext uri="{FF2B5EF4-FFF2-40B4-BE49-F238E27FC236}">
+                      <a16:creationId xmlns:a16="http://schemas.microsoft.com/office/drawing/2014/main" id="{94B161BF-99CF-41E9-A7E4-92243A50B7BB}"/>
+                    </a:ext>
+                  </a:extLst>
+                </p:cNvPr>
+                <p:cNvSpPr/>
+                <p:nvPr/>
+              </p:nvSpPr>
+              <p:spPr>
+                <a:xfrm>
+                  <a:off x="5299853" y="1286084"/>
+                  <a:ext cx="627095" cy="369332"/>
+                </a:xfrm>
+                <a:prstGeom prst="rect">
+                  <a:avLst/>
+                </a:prstGeom>
+              </p:spPr>
+              <p:txBody>
+                <a:bodyPr wrap="none">
+                  <a:spAutoFit/>
+                </a:bodyPr>
+                <a:lstStyle/>
+                <a:p>
+                  <a:pPr algn="ctr"/>
+                  <a:r>
+                    <a:rPr lang="en-US" altLang="ja-JP" dirty="0"/>
+                    <a:t>ASV</a:t>
+                  </a:r>
+                  <a:endParaRPr lang="ja-JP" altLang="en-US" dirty="0"/>
+                </a:p>
+              </p:txBody>
+            </p:sp>
+          </p:grpSp>
+          <p:sp>
+            <p:nvSpPr>
+              <p:cNvPr id="27" name="楕円 26">
+                <a:extLst>
+                  <a:ext uri="{FF2B5EF4-FFF2-40B4-BE49-F238E27FC236}">
+                    <a16:creationId xmlns:a16="http://schemas.microsoft.com/office/drawing/2014/main" id="{FB544C29-6602-4C5D-A2F5-305C85CBC55A}"/>
+                  </a:ext>
+                </a:extLst>
+              </p:cNvPr>
+              <p:cNvSpPr/>
+              <p:nvPr/>
+            </p:nvSpPr>
+            <p:spPr>
+              <a:xfrm>
+                <a:off x="6274075" y="1432191"/>
+                <a:ext cx="479236" cy="352540"/>
+              </a:xfrm>
+              <a:prstGeom prst="ellipse">
+                <a:avLst/>
+              </a:prstGeom>
+              <a:noFill/>
+              <a:ln>
+                <a:solidFill>
+                  <a:srgbClr val="FF0000"/>
+                </a:solidFill>
+              </a:ln>
+            </p:spPr>
+            <p:style>
+              <a:lnRef idx="2">
+                <a:schemeClr val="accent1">
+                  <a:shade val="50000"/>
+                </a:schemeClr>
+              </a:lnRef>
+              <a:fillRef idx="1">
+                <a:schemeClr val="accent1"/>
+              </a:fillRef>
+              <a:effectRef idx="0">
+                <a:schemeClr val="accent1"/>
+              </a:effectRef>
+              <a:fontRef idx="minor">
+                <a:schemeClr val="lt1"/>
+              </a:fontRef>
+            </p:style>
+            <p:txBody>
+              <a:bodyPr rtlCol="0" anchor="ctr"/>
+              <a:lstStyle/>
+              <a:p>
+                <a:pPr algn="ctr"/>
+                <a:endParaRPr kumimoji="1" lang="ja-JP" altLang="en-US"/>
+              </a:p>
+            </p:txBody>
+          </p:sp>
+        </p:grpSp>
+      </p:grpSp>
+    </p:spTree>
+    <p:extLst>
+      <p:ext uri="{BB962C8B-B14F-4D97-AF65-F5344CB8AC3E}">
+        <p14:creationId xmlns:p14="http://schemas.microsoft.com/office/powerpoint/2010/main" val="1810248974"/>
+      </p:ext>
+    </p:extLst>
+  </p:cSld>
+  <p:clrMapOvr>
+    <a:masterClrMapping/>
+  </p:clrMapOvr>
+</p:sld>
+</file>
+
+<file path=ppt/slides/slide11.xml><?xml version="1.0" encoding="utf-8"?>
+<p:sld xmlns:a="http://schemas.openxmlformats.org/drawingml/2006/main" xmlns:r="http://schemas.openxmlformats.org/officeDocument/2006/relationships" xmlns:p="http://schemas.openxmlformats.org/presentationml/2006/main">
+  <p:cSld>
+    <p:spTree>
+      <p:nvGrpSpPr>
+        <p:cNvPr id="1" name=""/>
+        <p:cNvGrpSpPr/>
+        <p:nvPr/>
+      </p:nvGrpSpPr>
+      <p:grpSpPr>
+        <a:xfrm>
+          <a:off x="0" y="0"/>
+          <a:ext cx="0" cy="0"/>
+          <a:chOff x="0" y="0"/>
+          <a:chExt cx="0" cy="0"/>
+        </a:xfrm>
+      </p:grpSpPr>
       <p:pic>
         <p:nvPicPr>
           <p:cNvPr id="4" name="図 3">
@@ -5321,7 +6240,7 @@
 </p:sld>
 </file>
 
-<file path=ppt/slides/slide11.xml><?xml version="1.0" encoding="utf-8"?>
+<file path=ppt/slides/slide12.xml><?xml version="1.0" encoding="utf-8"?>
 <p:sld xmlns:a="http://schemas.openxmlformats.org/drawingml/2006/main" xmlns:r="http://schemas.openxmlformats.org/officeDocument/2006/relationships" xmlns:p="http://schemas.openxmlformats.org/presentationml/2006/main">
   <p:cSld>
     <p:spTree>
@@ -6253,7 +7172,7 @@
 </p:sld>
 </file>
 
-<file path=ppt/slides/slide12.xml><?xml version="1.0" encoding="utf-8"?>
+<file path=ppt/slides/slide13.xml><?xml version="1.0" encoding="utf-8"?>
 <p:sld xmlns:a="http://schemas.openxmlformats.org/drawingml/2006/main" xmlns:r="http://schemas.openxmlformats.org/officeDocument/2006/relationships" xmlns:p="http://schemas.openxmlformats.org/presentationml/2006/main">
   <p:cSld>
     <p:spTree>
@@ -6313,7 +7232,7 @@
 </p:sld>
 </file>
 
-<file path=ppt/slides/slide13.xml><?xml version="1.0" encoding="utf-8"?>
+<file path=ppt/slides/slide14.xml><?xml version="1.0" encoding="utf-8"?>
 <p:sld xmlns:a="http://schemas.openxmlformats.org/drawingml/2006/main" xmlns:r="http://schemas.openxmlformats.org/officeDocument/2006/relationships" xmlns:p="http://schemas.openxmlformats.org/presentationml/2006/main">
   <p:cSld>
     <p:spTree>
@@ -6471,7 +7390,7 @@
 </p:sld>
 </file>
 
-<file path=ppt/slides/slide14.xml><?xml version="1.0" encoding="utf-8"?>
+<file path=ppt/slides/slide15.xml><?xml version="1.0" encoding="utf-8"?>
 <p:sld xmlns:a="http://schemas.openxmlformats.org/drawingml/2006/main" xmlns:r="http://schemas.openxmlformats.org/officeDocument/2006/relationships" xmlns:p="http://schemas.openxmlformats.org/presentationml/2006/main">
   <p:cSld>
     <p:spTree>
@@ -6531,7 +7450,7 @@
 </p:sld>
 </file>
 
-<file path=ppt/slides/slide15.xml><?xml version="1.0" encoding="utf-8"?>
+<file path=ppt/slides/slide16.xml><?xml version="1.0" encoding="utf-8"?>
 <p:sld xmlns:a="http://schemas.openxmlformats.org/drawingml/2006/main" xmlns:r="http://schemas.openxmlformats.org/officeDocument/2006/relationships" xmlns:p="http://schemas.openxmlformats.org/presentationml/2006/main">
   <p:cSld>
     <p:spTree>
@@ -6689,7 +7608,7 @@
 </p:sld>
 </file>
 
-<file path=ppt/slides/slide16.xml><?xml version="1.0" encoding="utf-8"?>
+<file path=ppt/slides/slide17.xml><?xml version="1.0" encoding="utf-8"?>
 <p:sld xmlns:a="http://schemas.openxmlformats.org/drawingml/2006/main" xmlns:r="http://schemas.openxmlformats.org/officeDocument/2006/relationships" xmlns:p="http://schemas.openxmlformats.org/presentationml/2006/main">
   <p:cSld>
     <p:spTree>
@@ -6749,7 +7668,7 @@
 </p:sld>
 </file>
 
-<file path=ppt/slides/slide17.xml><?xml version="1.0" encoding="utf-8"?>
+<file path=ppt/slides/slide18.xml><?xml version="1.0" encoding="utf-8"?>
 <p:sld xmlns:a="http://schemas.openxmlformats.org/drawingml/2006/main" xmlns:r="http://schemas.openxmlformats.org/officeDocument/2006/relationships" xmlns:p="http://schemas.openxmlformats.org/presentationml/2006/main">
   <p:cSld>
     <p:spTree>
@@ -6907,7 +7826,7 @@
 </p:sld>
 </file>
 
-<file path=ppt/slides/slide18.xml><?xml version="1.0" encoding="utf-8"?>
+<file path=ppt/slides/slide19.xml><?xml version="1.0" encoding="utf-8"?>
 <p:sld xmlns:a="http://schemas.openxmlformats.org/drawingml/2006/main" xmlns:r="http://schemas.openxmlformats.org/officeDocument/2006/relationships" xmlns:p="http://schemas.openxmlformats.org/presentationml/2006/main">
   <p:cSld>
     <p:spTree>
@@ -6967,7 +7886,67 @@
 </p:sld>
 </file>
 
-<file path=ppt/slides/slide19.xml><?xml version="1.0" encoding="utf-8"?>
+<file path=ppt/slides/slide2.xml><?xml version="1.0" encoding="utf-8"?>
+<p:sld xmlns:a="http://schemas.openxmlformats.org/drawingml/2006/main" xmlns:r="http://schemas.openxmlformats.org/officeDocument/2006/relationships" xmlns:p="http://schemas.openxmlformats.org/presentationml/2006/main">
+  <p:cSld>
+    <p:spTree>
+      <p:nvGrpSpPr>
+        <p:cNvPr id="1" name=""/>
+        <p:cNvGrpSpPr/>
+        <p:nvPr/>
+      </p:nvGrpSpPr>
+      <p:grpSpPr>
+        <a:xfrm>
+          <a:off x="0" y="0"/>
+          <a:ext cx="0" cy="0"/>
+          <a:chOff x="0" y="0"/>
+          <a:chExt cx="0" cy="0"/>
+        </a:xfrm>
+      </p:grpSpPr>
+      <p:pic>
+        <p:nvPicPr>
+          <p:cNvPr id="6" name="図 5">
+            <a:extLst>
+              <a:ext uri="{FF2B5EF4-FFF2-40B4-BE49-F238E27FC236}">
+                <a16:creationId xmlns:a16="http://schemas.microsoft.com/office/drawing/2014/main" id="{FCEA081C-65A7-49E6-BA75-974D91CAA405}"/>
+              </a:ext>
+            </a:extLst>
+          </p:cNvPr>
+          <p:cNvPicPr>
+            <a:picLocks noChangeAspect="1"/>
+          </p:cNvPicPr>
+          <p:nvPr/>
+        </p:nvPicPr>
+        <p:blipFill>
+          <a:blip r:embed="rId2"/>
+          <a:stretch>
+            <a:fillRect/>
+          </a:stretch>
+        </p:blipFill>
+        <p:spPr>
+          <a:xfrm>
+            <a:off x="1607127" y="232313"/>
+            <a:ext cx="8755017" cy="6393374"/>
+          </a:xfrm>
+          <a:prstGeom prst="rect">
+            <a:avLst/>
+          </a:prstGeom>
+        </p:spPr>
+      </p:pic>
+    </p:spTree>
+    <p:extLst>
+      <p:ext uri="{BB962C8B-B14F-4D97-AF65-F5344CB8AC3E}">
+        <p14:creationId xmlns:p14="http://schemas.microsoft.com/office/powerpoint/2010/main" val="1062923013"/>
+      </p:ext>
+    </p:extLst>
+  </p:cSld>
+  <p:clrMapOvr>
+    <a:masterClrMapping/>
+  </p:clrMapOvr>
+</p:sld>
+</file>
+
+<file path=ppt/slides/slide20.xml><?xml version="1.0" encoding="utf-8"?>
 <p:sld xmlns:a="http://schemas.openxmlformats.org/drawingml/2006/main" xmlns:r="http://schemas.openxmlformats.org/officeDocument/2006/relationships" xmlns:p="http://schemas.openxmlformats.org/presentationml/2006/main">
   <p:cSld>
     <p:spTree>
@@ -7087,67 +8066,7 @@
 </p:sld>
 </file>
 
-<file path=ppt/slides/slide2.xml><?xml version="1.0" encoding="utf-8"?>
-<p:sld xmlns:a="http://schemas.openxmlformats.org/drawingml/2006/main" xmlns:r="http://schemas.openxmlformats.org/officeDocument/2006/relationships" xmlns:p="http://schemas.openxmlformats.org/presentationml/2006/main">
-  <p:cSld>
-    <p:spTree>
-      <p:nvGrpSpPr>
-        <p:cNvPr id="1" name=""/>
-        <p:cNvGrpSpPr/>
-        <p:nvPr/>
-      </p:nvGrpSpPr>
-      <p:grpSpPr>
-        <a:xfrm>
-          <a:off x="0" y="0"/>
-          <a:ext cx="0" cy="0"/>
-          <a:chOff x="0" y="0"/>
-          <a:chExt cx="0" cy="0"/>
-        </a:xfrm>
-      </p:grpSpPr>
-      <p:pic>
-        <p:nvPicPr>
-          <p:cNvPr id="6" name="図 5">
-            <a:extLst>
-              <a:ext uri="{FF2B5EF4-FFF2-40B4-BE49-F238E27FC236}">
-                <a16:creationId xmlns:a16="http://schemas.microsoft.com/office/drawing/2014/main" id="{FCEA081C-65A7-49E6-BA75-974D91CAA405}"/>
-              </a:ext>
-            </a:extLst>
-          </p:cNvPr>
-          <p:cNvPicPr>
-            <a:picLocks noChangeAspect="1"/>
-          </p:cNvPicPr>
-          <p:nvPr/>
-        </p:nvPicPr>
-        <p:blipFill>
-          <a:blip r:embed="rId2"/>
-          <a:stretch>
-            <a:fillRect/>
-          </a:stretch>
-        </p:blipFill>
-        <p:spPr>
-          <a:xfrm>
-            <a:off x="1607127" y="232313"/>
-            <a:ext cx="8755017" cy="6393374"/>
-          </a:xfrm>
-          <a:prstGeom prst="rect">
-            <a:avLst/>
-          </a:prstGeom>
-        </p:spPr>
-      </p:pic>
-    </p:spTree>
-    <p:extLst>
-      <p:ext uri="{BB962C8B-B14F-4D97-AF65-F5344CB8AC3E}">
-        <p14:creationId xmlns:p14="http://schemas.microsoft.com/office/powerpoint/2010/main" val="1062923013"/>
-      </p:ext>
-    </p:extLst>
-  </p:cSld>
-  <p:clrMapOvr>
-    <a:masterClrMapping/>
-  </p:clrMapOvr>
-</p:sld>
-</file>
-
-<file path=ppt/slides/slide20.xml><?xml version="1.0" encoding="utf-8"?>
+<file path=ppt/slides/slide21.xml><?xml version="1.0" encoding="utf-8"?>
 <p:sld xmlns:a="http://schemas.openxmlformats.org/drawingml/2006/main" xmlns:r="http://schemas.openxmlformats.org/officeDocument/2006/relationships" xmlns:p="http://schemas.openxmlformats.org/presentationml/2006/main">
   <p:cSld>
     <p:spTree>
@@ -7237,7 +8156,7 @@
 </p:sld>
 </file>
 
-<file path=ppt/slides/slide21.xml><?xml version="1.0" encoding="utf-8"?>
+<file path=ppt/slides/slide22.xml><?xml version="1.0" encoding="utf-8"?>
 <p:sld xmlns:a="http://schemas.openxmlformats.org/drawingml/2006/main" xmlns:r="http://schemas.openxmlformats.org/officeDocument/2006/relationships" xmlns:p="http://schemas.openxmlformats.org/presentationml/2006/main">
   <p:cSld>
     <p:spTree>
@@ -8850,7 +9769,7 @@
 </p:sld>
 </file>
 
-<file path=ppt/slides/slide22.xml><?xml version="1.0" encoding="utf-8"?>
+<file path=ppt/slides/slide23.xml><?xml version="1.0" encoding="utf-8"?>
 <p:sld xmlns:a="http://schemas.openxmlformats.org/drawingml/2006/main" xmlns:r="http://schemas.openxmlformats.org/officeDocument/2006/relationships" xmlns:p="http://schemas.openxmlformats.org/presentationml/2006/main">
   <p:cSld>
     <p:spTree>
@@ -8910,7 +9829,7 @@
 </p:sld>
 </file>
 
-<file path=ppt/slides/slide23.xml><?xml version="1.0" encoding="utf-8"?>
+<file path=ppt/slides/slide24.xml><?xml version="1.0" encoding="utf-8"?>
 <p:sld xmlns:a="http://schemas.openxmlformats.org/drawingml/2006/main" xmlns:r="http://schemas.openxmlformats.org/officeDocument/2006/relationships" xmlns:p="http://schemas.openxmlformats.org/presentationml/2006/main">
   <p:cSld>
     <p:spTree>
@@ -8976,7 +9895,7 @@
 </p:sld>
 </file>
 
-<file path=ppt/slides/slide24.xml><?xml version="1.0" encoding="utf-8"?>
+<file path=ppt/slides/slide25.xml><?xml version="1.0" encoding="utf-8"?>
 <p:sld xmlns:a="http://schemas.openxmlformats.org/drawingml/2006/main" xmlns:r="http://schemas.openxmlformats.org/officeDocument/2006/relationships" xmlns:p="http://schemas.openxmlformats.org/presentationml/2006/main">
   <p:cSld>
     <p:spTree>
@@ -9042,7 +9961,7 @@
 </p:sld>
 </file>
 
-<file path=ppt/slides/slide25.xml><?xml version="1.0" encoding="utf-8"?>
+<file path=ppt/slides/slide26.xml><?xml version="1.0" encoding="utf-8"?>
 <p:sld xmlns:a="http://schemas.openxmlformats.org/drawingml/2006/main" xmlns:r="http://schemas.openxmlformats.org/officeDocument/2006/relationships" xmlns:p="http://schemas.openxmlformats.org/presentationml/2006/main">
   <p:cSld>
     <p:spTree>
@@ -9108,7 +10027,7 @@
 </p:sld>
 </file>
 
-<file path=ppt/slides/slide26.xml><?xml version="1.0" encoding="utf-8"?>
+<file path=ppt/slides/slide27.xml><?xml version="1.0" encoding="utf-8"?>
 <p:sld xmlns:a="http://schemas.openxmlformats.org/drawingml/2006/main" xmlns:r="http://schemas.openxmlformats.org/officeDocument/2006/relationships" xmlns:p="http://schemas.openxmlformats.org/presentationml/2006/main">
   <p:cSld>
     <p:spTree>
@@ -9127,10 +10046,10 @@
       </p:grpSpPr>
       <p:grpSp>
         <p:nvGrpSpPr>
-          <p:cNvPr id="4" name="グループ化 3">
+          <p:cNvPr id="16" name="グループ化 15">
             <a:extLst>
               <a:ext uri="{FF2B5EF4-FFF2-40B4-BE49-F238E27FC236}">
-                <a16:creationId xmlns:a16="http://schemas.microsoft.com/office/drawing/2014/main" id="{D0856ABA-C870-439A-AE5C-11D5B5F64FDC}"/>
+                <a16:creationId xmlns:a16="http://schemas.microsoft.com/office/drawing/2014/main" id="{609B7EE8-408F-4253-8557-1FD43DFD40D7}"/>
               </a:ext>
             </a:extLst>
           </p:cNvPr>
@@ -9140,17 +10059,52 @@
         <p:grpSpPr>
           <a:xfrm>
             <a:off x="0" y="1429534"/>
-            <a:ext cx="10768139" cy="3532766"/>
-            <a:chOff x="-2772816" y="2204864"/>
-            <a:chExt cx="10768139" cy="3532766"/>
+            <a:ext cx="3148819" cy="3229550"/>
+            <a:chOff x="326614" y="1906756"/>
+            <a:chExt cx="3148819" cy="3229550"/>
           </a:xfrm>
         </p:grpSpPr>
+        <p:sp>
+          <p:nvSpPr>
+            <p:cNvPr id="25" name="テキスト ボックス 24">
+              <a:extLst>
+                <a:ext uri="{FF2B5EF4-FFF2-40B4-BE49-F238E27FC236}">
+                  <a16:creationId xmlns:a16="http://schemas.microsoft.com/office/drawing/2014/main" id="{366C18A2-124B-4A7F-B171-97E3F266A134}"/>
+                </a:ext>
+              </a:extLst>
+            </p:cNvPr>
+            <p:cNvSpPr txBox="1"/>
+            <p:nvPr/>
+          </p:nvSpPr>
+          <p:spPr>
+            <a:xfrm>
+              <a:off x="985191" y="4458576"/>
+              <a:ext cx="536633" cy="493064"/>
+            </a:xfrm>
+            <a:prstGeom prst="rect">
+              <a:avLst/>
+            </a:prstGeom>
+            <a:noFill/>
+          </p:spPr>
+          <p:txBody>
+            <a:bodyPr wrap="square" rtlCol="0">
+              <a:spAutoFit/>
+            </a:bodyPr>
+            <a:lstStyle/>
+            <a:p>
+              <a:r>
+                <a:rPr lang="en-US" altLang="ja-JP" b="1" dirty="0"/>
+                <a:t>A</a:t>
+              </a:r>
+            </a:p>
+          </p:txBody>
+        </p:sp>
         <p:grpSp>
           <p:nvGrpSpPr>
-            <p:cNvPr id="5" name="グループ化 4">
+            <p:cNvPr id="26" name="グループ化 25">
               <a:extLst>
                 <a:ext uri="{FF2B5EF4-FFF2-40B4-BE49-F238E27FC236}">
-                  <a16:creationId xmlns:a16="http://schemas.microsoft.com/office/drawing/2014/main" id="{DDC5C202-ADA8-4BF6-8575-078B903B9DA5}"/>
+                  <a16:creationId xmlns:a16="http://schemas.microsoft.com/office/drawing/2014/main" id="{57A10129-5B07-48E4-99D7-6EDA31C99274}"/>
                 </a:ext>
               </a:extLst>
             </p:cNvPr>
@@ -9159,687 +10113,18 @@
           </p:nvGrpSpPr>
           <p:grpSpPr>
             <a:xfrm>
-              <a:off x="-2772816" y="2204864"/>
-              <a:ext cx="7432470" cy="3229550"/>
-              <a:chOff x="-1404664" y="2125772"/>
-              <a:chExt cx="7432470" cy="3229550"/>
-            </a:xfrm>
-          </p:grpSpPr>
-          <p:grpSp>
-            <p:nvGrpSpPr>
-              <p:cNvPr id="12" name="グループ化 11">
-                <a:extLst>
-                  <a:ext uri="{FF2B5EF4-FFF2-40B4-BE49-F238E27FC236}">
-                    <a16:creationId xmlns:a16="http://schemas.microsoft.com/office/drawing/2014/main" id="{5F0383FE-EE23-4DFC-A584-69D3B07C8BAE}"/>
-                  </a:ext>
-                </a:extLst>
-              </p:cNvPr>
-              <p:cNvGrpSpPr/>
-              <p:nvPr/>
-            </p:nvGrpSpPr>
-            <p:grpSpPr>
-              <a:xfrm>
-                <a:off x="-1404664" y="2125772"/>
-                <a:ext cx="6424358" cy="3229550"/>
-                <a:chOff x="90274" y="2131793"/>
-                <a:chExt cx="6424358" cy="3229550"/>
-              </a:xfrm>
-            </p:grpSpPr>
-            <p:grpSp>
-              <p:nvGrpSpPr>
-                <p:cNvPr id="16" name="グループ化 15">
-                  <a:extLst>
-                    <a:ext uri="{FF2B5EF4-FFF2-40B4-BE49-F238E27FC236}">
-                      <a16:creationId xmlns:a16="http://schemas.microsoft.com/office/drawing/2014/main" id="{609B7EE8-408F-4253-8557-1FD43DFD40D7}"/>
-                    </a:ext>
-                  </a:extLst>
-                </p:cNvPr>
-                <p:cNvGrpSpPr/>
-                <p:nvPr/>
-              </p:nvGrpSpPr>
-              <p:grpSpPr>
-                <a:xfrm>
-                  <a:off x="90274" y="2131793"/>
-                  <a:ext cx="3148819" cy="3229550"/>
-                  <a:chOff x="326614" y="1906756"/>
-                  <a:chExt cx="3148819" cy="3229550"/>
-                </a:xfrm>
-              </p:grpSpPr>
-              <p:sp>
-                <p:nvSpPr>
-                  <p:cNvPr id="25" name="テキスト ボックス 24">
-                    <a:extLst>
-                      <a:ext uri="{FF2B5EF4-FFF2-40B4-BE49-F238E27FC236}">
-                        <a16:creationId xmlns:a16="http://schemas.microsoft.com/office/drawing/2014/main" id="{366C18A2-124B-4A7F-B171-97E3F266A134}"/>
-                      </a:ext>
-                    </a:extLst>
-                  </p:cNvPr>
-                  <p:cNvSpPr txBox="1"/>
-                  <p:nvPr/>
-                </p:nvSpPr>
-                <p:spPr>
-                  <a:xfrm>
-                    <a:off x="985191" y="4458576"/>
-                    <a:ext cx="536633" cy="493064"/>
-                  </a:xfrm>
-                  <a:prstGeom prst="rect">
-                    <a:avLst/>
-                  </a:prstGeom>
-                  <a:noFill/>
-                </p:spPr>
-                <p:txBody>
-                  <a:bodyPr wrap="square" rtlCol="0">
-                    <a:spAutoFit/>
-                  </a:bodyPr>
-                  <a:lstStyle/>
-                  <a:p>
-                    <a:r>
-                      <a:rPr lang="en-US" altLang="ja-JP" b="1" dirty="0"/>
-                      <a:t>A</a:t>
-                    </a:r>
-                  </a:p>
-                </p:txBody>
-              </p:sp>
-              <p:grpSp>
-                <p:nvGrpSpPr>
-                  <p:cNvPr id="26" name="グループ化 25">
-                    <a:extLst>
-                      <a:ext uri="{FF2B5EF4-FFF2-40B4-BE49-F238E27FC236}">
-                        <a16:creationId xmlns:a16="http://schemas.microsoft.com/office/drawing/2014/main" id="{57A10129-5B07-48E4-99D7-6EDA31C99274}"/>
-                      </a:ext>
-                    </a:extLst>
-                  </p:cNvPr>
-                  <p:cNvGrpSpPr/>
-                  <p:nvPr/>
-                </p:nvGrpSpPr>
-                <p:grpSpPr>
-                  <a:xfrm>
-                    <a:off x="326614" y="1906756"/>
-                    <a:ext cx="3148819" cy="3229550"/>
-                    <a:chOff x="180426" y="2518935"/>
-                    <a:chExt cx="3148819" cy="3229550"/>
-                  </a:xfrm>
-                </p:grpSpPr>
-                <p:sp>
-                  <p:nvSpPr>
-                    <p:cNvPr id="27" name="吹き出し: 円形 26">
-                      <a:extLst>
-                        <a:ext uri="{FF2B5EF4-FFF2-40B4-BE49-F238E27FC236}">
-                          <a16:creationId xmlns:a16="http://schemas.microsoft.com/office/drawing/2014/main" id="{7597547D-7B27-4803-BF50-306062D4FAD8}"/>
-                        </a:ext>
-                      </a:extLst>
-                    </p:cNvPr>
-                    <p:cNvSpPr/>
-                    <p:nvPr/>
-                  </p:nvSpPr>
-                  <p:spPr>
-                    <a:xfrm>
-                      <a:off x="1066658" y="2518935"/>
-                      <a:ext cx="2262587" cy="802652"/>
-                    </a:xfrm>
-                    <a:prstGeom prst="wedgeEllipseCallout">
-                      <a:avLst>
-                        <a:gd name="adj1" fmla="val -38190"/>
-                        <a:gd name="adj2" fmla="val 58815"/>
-                      </a:avLst>
-                    </a:prstGeom>
-                    <a:noFill/>
-                    <a:ln w="19050">
-                      <a:solidFill>
-                        <a:schemeClr val="tx1"/>
-                      </a:solidFill>
-                      <a:prstDash val="solid"/>
-                    </a:ln>
-                  </p:spPr>
-                  <p:style>
-                    <a:lnRef idx="2">
-                      <a:schemeClr val="accent1">
-                        <a:shade val="50000"/>
-                      </a:schemeClr>
-                    </a:lnRef>
-                    <a:fillRef idx="1">
-                      <a:schemeClr val="accent1"/>
-                    </a:fillRef>
-                    <a:effectRef idx="0">
-                      <a:schemeClr val="accent1"/>
-                    </a:effectRef>
-                    <a:fontRef idx="minor">
-                      <a:schemeClr val="lt1"/>
-                    </a:fontRef>
-                  </p:style>
-                  <p:txBody>
-                    <a:bodyPr rtlCol="0" anchor="ctr"/>
-                    <a:lstStyle/>
-                    <a:p>
-                      <a:pPr algn="ctr"/>
-                      <a:r>
-                        <a:rPr kumimoji="1" lang="ja-JP" altLang="en-US" dirty="0">
-                          <a:solidFill>
-                            <a:schemeClr val="tx1"/>
-                          </a:solidFill>
-                        </a:rPr>
-                        <a:t>ロック解除</a:t>
-                      </a:r>
-                    </a:p>
-                  </p:txBody>
-                </p:sp>
-                <p:grpSp>
-                  <p:nvGrpSpPr>
-                    <p:cNvPr id="28" name="グループ化 27">
-                      <a:extLst>
-                        <a:ext uri="{FF2B5EF4-FFF2-40B4-BE49-F238E27FC236}">
-                          <a16:creationId xmlns:a16="http://schemas.microsoft.com/office/drawing/2014/main" id="{F80FB770-7048-4CA6-AA22-8957B521EDFE}"/>
-                        </a:ext>
-                      </a:extLst>
-                    </p:cNvPr>
-                    <p:cNvGrpSpPr/>
-                    <p:nvPr/>
-                  </p:nvGrpSpPr>
-                  <p:grpSpPr>
-                    <a:xfrm>
-                      <a:off x="1536125" y="3913408"/>
-                      <a:ext cx="1629840" cy="1835077"/>
-                      <a:chOff x="3172531" y="3625109"/>
-                      <a:chExt cx="1586246" cy="1621531"/>
-                    </a:xfrm>
-                  </p:grpSpPr>
-                  <p:pic>
-                    <p:nvPicPr>
-                      <p:cNvPr id="30" name="グラフィックス 29" descr="スマート フォン">
-                        <a:extLst>
-                          <a:ext uri="{FF2B5EF4-FFF2-40B4-BE49-F238E27FC236}">
-                            <a16:creationId xmlns:a16="http://schemas.microsoft.com/office/drawing/2014/main" id="{10AC1C84-1F66-42AA-878B-A6ECADF8BED7}"/>
-                          </a:ext>
-                        </a:extLst>
-                      </p:cNvPr>
-                      <p:cNvPicPr>
-                        <a:picLocks noChangeAspect="1"/>
-                      </p:cNvPicPr>
-                      <p:nvPr/>
-                    </p:nvPicPr>
-                    <p:blipFill>
-                      <a:blip r:embed="rId2">
-                        <a:extLst>
-                          <a:ext uri="{28A0092B-C50C-407E-A947-70E740481C1C}">
-                            <a14:useLocalDpi xmlns:a14="http://schemas.microsoft.com/office/drawing/2010/main" val="0"/>
-                          </a:ext>
-                          <a:ext uri="{96DAC541-7B7A-43D3-8B79-37D633B846F1}">
-                            <asvg:svgBlip xmlns:asvg="http://schemas.microsoft.com/office/drawing/2016/SVG/main" r:embed="rId3"/>
-                          </a:ext>
-                        </a:extLst>
-                      </a:blip>
-                      <a:stretch>
-                        <a:fillRect/>
-                      </a:stretch>
-                    </p:blipFill>
-                    <p:spPr>
-                      <a:xfrm>
-                        <a:off x="3172531" y="3625109"/>
-                        <a:ext cx="1586246" cy="1399428"/>
-                      </a:xfrm>
-                      <a:prstGeom prst="rect">
-                        <a:avLst/>
-                      </a:prstGeom>
-                    </p:spPr>
-                  </p:pic>
-                  <p:sp>
-                    <p:nvSpPr>
-                      <p:cNvPr id="31" name="テキスト ボックス 30">
-                        <a:extLst>
-                          <a:ext uri="{FF2B5EF4-FFF2-40B4-BE49-F238E27FC236}">
-                            <a16:creationId xmlns:a16="http://schemas.microsoft.com/office/drawing/2014/main" id="{B863D120-0920-4C3F-B170-D6ACF8C6A266}"/>
-                          </a:ext>
-                        </a:extLst>
-                      </p:cNvPr>
-                      <p:cNvSpPr txBox="1"/>
-                      <p:nvPr/>
-                    </p:nvSpPr>
-                    <p:spPr>
-                      <a:xfrm>
-                        <a:off x="3656745" y="5003593"/>
-                        <a:ext cx="756944" cy="243047"/>
-                      </a:xfrm>
-                      <a:prstGeom prst="rect">
-                        <a:avLst/>
-                      </a:prstGeom>
-                      <a:noFill/>
-                    </p:spPr>
-                    <p:txBody>
-                      <a:bodyPr wrap="square" rtlCol="0">
-                        <a:spAutoFit/>
-                      </a:bodyPr>
-                      <a:lstStyle/>
-                      <a:p>
-                        <a:r>
-                          <a:rPr kumimoji="1" lang="ja-JP" altLang="en-US" b="1" dirty="0"/>
-                          <a:t>携帯</a:t>
-                        </a:r>
-                      </a:p>
-                    </p:txBody>
-                  </p:sp>
-                </p:grpSp>
-                <p:pic>
-                  <p:nvPicPr>
-                    <p:cNvPr id="29" name="グラフィックス 28" descr="ユーザー">
-                      <a:extLst>
-                        <a:ext uri="{FF2B5EF4-FFF2-40B4-BE49-F238E27FC236}">
-                          <a16:creationId xmlns:a16="http://schemas.microsoft.com/office/drawing/2014/main" id="{7ADA5CD2-BEF4-4C4F-8C34-CF2755508E8E}"/>
-                        </a:ext>
-                      </a:extLst>
-                    </p:cNvPr>
-                    <p:cNvPicPr>
-                      <a:picLocks noChangeAspect="1"/>
-                    </p:cNvPicPr>
-                    <p:nvPr/>
-                  </p:nvPicPr>
-                  <p:blipFill>
-                    <a:blip r:embed="rId4">
-                      <a:extLst>
-                        <a:ext uri="{28A0092B-C50C-407E-A947-70E740481C1C}">
-                          <a14:useLocalDpi xmlns:a14="http://schemas.microsoft.com/office/drawing/2010/main" val="0"/>
-                        </a:ext>
-                        <a:ext uri="{96DAC541-7B7A-43D3-8B79-37D633B846F1}">
-                          <asvg:svgBlip xmlns:asvg="http://schemas.microsoft.com/office/drawing/2016/SVG/main" r:embed="rId5"/>
-                        </a:ext>
-                      </a:extLst>
-                    </a:blip>
-                    <a:stretch>
-                      <a:fillRect/>
-                    </a:stretch>
-                  </p:blipFill>
-                  <p:spPr>
-                    <a:xfrm>
-                      <a:off x="180426" y="3184319"/>
-                      <a:ext cx="1702742" cy="2089234"/>
-                    </a:xfrm>
-                    <a:prstGeom prst="rect">
-                      <a:avLst/>
-                    </a:prstGeom>
-                  </p:spPr>
-                </p:pic>
-              </p:grpSp>
-            </p:grpSp>
-            <p:sp>
-              <p:nvSpPr>
-                <p:cNvPr id="17" name="テキスト ボックス 16">
-                  <a:extLst>
-                    <a:ext uri="{FF2B5EF4-FFF2-40B4-BE49-F238E27FC236}">
-                      <a16:creationId xmlns:a16="http://schemas.microsoft.com/office/drawing/2014/main" id="{28F93547-53D7-4D45-845B-A3EF541E3D5F}"/>
-                    </a:ext>
-                  </a:extLst>
-                </p:cNvPr>
-                <p:cNvSpPr txBox="1"/>
-                <p:nvPr/>
-              </p:nvSpPr>
-              <p:spPr>
-                <a:xfrm>
-                  <a:off x="3076743" y="3766411"/>
-                  <a:ext cx="728535" cy="414394"/>
-                </a:xfrm>
-                <a:prstGeom prst="rect">
-                  <a:avLst/>
-                </a:prstGeom>
-                <a:noFill/>
-              </p:spPr>
-              <p:txBody>
-                <a:bodyPr wrap="square" rtlCol="0">
-                  <a:spAutoFit/>
-                </a:bodyPr>
-                <a:lstStyle/>
-                <a:p>
-                  <a:r>
-                    <a:rPr kumimoji="1" lang="ja-JP" altLang="en-US" b="1" dirty="0"/>
-                    <a:t>録音</a:t>
-                  </a:r>
-                </a:p>
-              </p:txBody>
-            </p:sp>
-            <p:grpSp>
-              <p:nvGrpSpPr>
-                <p:cNvPr id="18" name="グループ化 17">
-                  <a:extLst>
-                    <a:ext uri="{FF2B5EF4-FFF2-40B4-BE49-F238E27FC236}">
-                      <a16:creationId xmlns:a16="http://schemas.microsoft.com/office/drawing/2014/main" id="{E4EE054E-9571-48EE-AC05-44E79892DCB8}"/>
-                    </a:ext>
-                  </a:extLst>
-                </p:cNvPr>
-                <p:cNvGrpSpPr/>
-                <p:nvPr/>
-              </p:nvGrpSpPr>
-              <p:grpSpPr>
-                <a:xfrm>
-                  <a:off x="3969595" y="2619867"/>
-                  <a:ext cx="2545037" cy="2651087"/>
-                  <a:chOff x="5857118" y="2205874"/>
-                  <a:chExt cx="2545037" cy="2651087"/>
-                </a:xfrm>
-              </p:grpSpPr>
-              <p:sp>
-                <p:nvSpPr>
-                  <p:cNvPr id="20" name="テキスト ボックス 19">
-                    <a:extLst>
-                      <a:ext uri="{FF2B5EF4-FFF2-40B4-BE49-F238E27FC236}">
-                        <a16:creationId xmlns:a16="http://schemas.microsoft.com/office/drawing/2014/main" id="{DA93DBF8-0B5E-49C7-A82D-B8D8E46F7F6E}"/>
-                      </a:ext>
-                    </a:extLst>
-                  </p:cNvPr>
-                  <p:cNvSpPr txBox="1"/>
-                  <p:nvPr/>
-                </p:nvSpPr>
-                <p:spPr>
-                  <a:xfrm>
-                    <a:off x="7155436" y="4487629"/>
-                    <a:ext cx="1246719" cy="369332"/>
-                  </a:xfrm>
-                  <a:prstGeom prst="rect">
-                    <a:avLst/>
-                  </a:prstGeom>
-                  <a:noFill/>
-                </p:spPr>
-                <p:txBody>
-                  <a:bodyPr wrap="square" rtlCol="0">
-                    <a:spAutoFit/>
-                  </a:bodyPr>
-                  <a:lstStyle/>
-                  <a:p>
-                    <a:r>
-                      <a:rPr kumimoji="1" lang="ja-JP" altLang="en-US" b="1" dirty="0"/>
-                      <a:t>録音装置</a:t>
-                    </a:r>
-                    <a:endParaRPr kumimoji="1" lang="en-US" altLang="ja-JP" b="1" dirty="0"/>
-                  </a:p>
-                </p:txBody>
-              </p:sp>
-              <p:grpSp>
-                <p:nvGrpSpPr>
-                  <p:cNvPr id="21" name="グループ化 20">
-                    <a:extLst>
-                      <a:ext uri="{FF2B5EF4-FFF2-40B4-BE49-F238E27FC236}">
-                        <a16:creationId xmlns:a16="http://schemas.microsoft.com/office/drawing/2014/main" id="{F49FE8A2-7DD2-458B-AC39-7F45F9DA3085}"/>
-                      </a:ext>
-                    </a:extLst>
-                  </p:cNvPr>
-                  <p:cNvGrpSpPr/>
-                  <p:nvPr/>
-                </p:nvGrpSpPr>
-                <p:grpSpPr>
-                  <a:xfrm>
-                    <a:off x="5857118" y="2205874"/>
-                    <a:ext cx="1227835" cy="2308768"/>
-                    <a:chOff x="5840786" y="1718397"/>
-                    <a:chExt cx="1227835" cy="2308768"/>
-                  </a:xfrm>
-                </p:grpSpPr>
-                <p:pic>
-                  <p:nvPicPr>
-                    <p:cNvPr id="23" name="図 22">
-                      <a:extLst>
-                        <a:ext uri="{FF2B5EF4-FFF2-40B4-BE49-F238E27FC236}">
-                          <a16:creationId xmlns:a16="http://schemas.microsoft.com/office/drawing/2014/main" id="{C69EBC98-D520-4748-91ED-43C00904D04F}"/>
-                        </a:ext>
-                      </a:extLst>
-                    </p:cNvPr>
-                    <p:cNvPicPr>
-                      <a:picLocks noChangeAspect="1"/>
-                    </p:cNvPicPr>
-                    <p:nvPr/>
-                  </p:nvPicPr>
-                  <p:blipFill rotWithShape="1">
-                    <a:blip r:embed="rId6"/>
-                    <a:srcRect l="52153" t="57474" r="33367" b="3601"/>
-                    <a:stretch/>
-                  </p:blipFill>
-                  <p:spPr>
-                    <a:xfrm>
-                      <a:off x="5840786" y="1718397"/>
-                      <a:ext cx="1227835" cy="2056873"/>
-                    </a:xfrm>
-                    <a:prstGeom prst="rect">
-                      <a:avLst/>
-                    </a:prstGeom>
-                  </p:spPr>
-                </p:pic>
-                <p:sp>
-                  <p:nvSpPr>
-                    <p:cNvPr id="24" name="テキスト ボックス 23">
-                      <a:extLst>
-                        <a:ext uri="{FF2B5EF4-FFF2-40B4-BE49-F238E27FC236}">
-                          <a16:creationId xmlns:a16="http://schemas.microsoft.com/office/drawing/2014/main" id="{BBAAC99D-A101-4412-BB2E-F8D7494C10EA}"/>
-                        </a:ext>
-                      </a:extLst>
-                    </p:cNvPr>
-                    <p:cNvSpPr txBox="1"/>
-                    <p:nvPr/>
-                  </p:nvSpPr>
-                  <p:spPr>
-                    <a:xfrm>
-                      <a:off x="6308663" y="3657833"/>
-                      <a:ext cx="639601" cy="369332"/>
-                    </a:xfrm>
-                    <a:prstGeom prst="rect">
-                      <a:avLst/>
-                    </a:prstGeom>
-                    <a:noFill/>
-                  </p:spPr>
-                  <p:txBody>
-                    <a:bodyPr wrap="square" rtlCol="0">
-                      <a:spAutoFit/>
-                    </a:bodyPr>
-                    <a:lstStyle/>
-                    <a:p>
-                      <a:r>
-                        <a:rPr kumimoji="1" lang="en-US" altLang="ja-JP" dirty="0"/>
-                        <a:t>B</a:t>
-                      </a:r>
-                      <a:endParaRPr kumimoji="1" lang="ja-JP" altLang="en-US" dirty="0"/>
-                    </a:p>
-                  </p:txBody>
-                </p:sp>
-              </p:grpSp>
-              <p:pic>
-                <p:nvPicPr>
-                  <p:cNvPr id="22" name="グラフィックス 21" descr="無線マイク">
-                    <a:extLst>
-                      <a:ext uri="{FF2B5EF4-FFF2-40B4-BE49-F238E27FC236}">
-                        <a16:creationId xmlns:a16="http://schemas.microsoft.com/office/drawing/2014/main" id="{1DF1DDD0-EFCF-47B4-BDB2-0FBF6AFFECB7}"/>
-                      </a:ext>
-                    </a:extLst>
-                  </p:cNvPr>
-                  <p:cNvPicPr>
-                    <a:picLocks noChangeAspect="1"/>
-                  </p:cNvPicPr>
-                  <p:nvPr/>
-                </p:nvPicPr>
-                <p:blipFill>
-                  <a:blip r:embed="rId7">
-                    <a:extLst>
-                      <a:ext uri="{28A0092B-C50C-407E-A947-70E740481C1C}">
-                        <a14:useLocalDpi xmlns:a14="http://schemas.microsoft.com/office/drawing/2010/main" val="0"/>
-                      </a:ext>
-                      <a:ext uri="{96DAC541-7B7A-43D3-8B79-37D633B846F1}">
-                        <asvg:svgBlip xmlns:asvg="http://schemas.microsoft.com/office/drawing/2016/SVG/main" r:embed="rId8"/>
-                      </a:ext>
-                    </a:extLst>
-                  </a:blip>
-                  <a:stretch>
-                    <a:fillRect/>
-                  </a:stretch>
-                </p:blipFill>
-                <p:spPr>
-                  <a:xfrm>
-                    <a:off x="6954292" y="3052260"/>
-                    <a:ext cx="1345827" cy="1345827"/>
-                  </a:xfrm>
-                  <a:prstGeom prst="rect">
-                    <a:avLst/>
-                  </a:prstGeom>
-                </p:spPr>
-              </p:pic>
-            </p:grpSp>
-            <p:cxnSp>
-              <p:nvCxnSpPr>
-                <p:cNvPr id="19" name="直線矢印コネクタ 18">
-                  <a:extLst>
-                    <a:ext uri="{FF2B5EF4-FFF2-40B4-BE49-F238E27FC236}">
-                      <a16:creationId xmlns:a16="http://schemas.microsoft.com/office/drawing/2014/main" id="{475B8200-235F-4D3D-A967-BB3E500A7640}"/>
-                    </a:ext>
-                  </a:extLst>
-                </p:cNvPr>
-                <p:cNvCxnSpPr/>
-                <p:nvPr/>
-              </p:nvCxnSpPr>
-              <p:spPr>
-                <a:xfrm>
-                  <a:off x="2850360" y="4149080"/>
-                  <a:ext cx="1119235" cy="0"/>
-                </a:xfrm>
-                <a:prstGeom prst="straightConnector1">
-                  <a:avLst/>
-                </a:prstGeom>
-                <a:ln>
-                  <a:tailEnd type="triangle"/>
-                </a:ln>
-              </p:spPr>
-              <p:style>
-                <a:lnRef idx="1">
-                  <a:schemeClr val="dk1"/>
-                </a:lnRef>
-                <a:fillRef idx="0">
-                  <a:schemeClr val="dk1"/>
-                </a:fillRef>
-                <a:effectRef idx="0">
-                  <a:schemeClr val="dk1"/>
-                </a:effectRef>
-                <a:fontRef idx="minor">
-                  <a:schemeClr val="tx1"/>
-                </a:fontRef>
-              </p:style>
-            </p:cxnSp>
-          </p:grpSp>
-          <p:grpSp>
-            <p:nvGrpSpPr>
-              <p:cNvPr id="13" name="グループ化 12">
-                <a:extLst>
-                  <a:ext uri="{FF2B5EF4-FFF2-40B4-BE49-F238E27FC236}">
-                    <a16:creationId xmlns:a16="http://schemas.microsoft.com/office/drawing/2014/main" id="{2E7C83EB-9887-4733-BD98-440A954E752A}"/>
-                  </a:ext>
-                </a:extLst>
-              </p:cNvPr>
-              <p:cNvGrpSpPr/>
-              <p:nvPr/>
-            </p:nvGrpSpPr>
-            <p:grpSpPr>
-              <a:xfrm>
-                <a:off x="5019694" y="3773726"/>
-                <a:ext cx="1008112" cy="369333"/>
-                <a:chOff x="5436096" y="3707739"/>
-                <a:chExt cx="1008112" cy="369333"/>
-              </a:xfrm>
-            </p:grpSpPr>
-            <p:sp>
-              <p:nvSpPr>
-                <p:cNvPr id="14" name="テキスト ボックス 13">
-                  <a:extLst>
-                    <a:ext uri="{FF2B5EF4-FFF2-40B4-BE49-F238E27FC236}">
-                      <a16:creationId xmlns:a16="http://schemas.microsoft.com/office/drawing/2014/main" id="{88680D4F-195F-4279-8BD1-C3F18A04E1ED}"/>
-                    </a:ext>
-                  </a:extLst>
-                </p:cNvPr>
-                <p:cNvSpPr txBox="1"/>
-                <p:nvPr/>
-              </p:nvSpPr>
-              <p:spPr>
-                <a:xfrm>
-                  <a:off x="5609429" y="3707739"/>
-                  <a:ext cx="834779" cy="369333"/>
-                </a:xfrm>
-                <a:prstGeom prst="rect">
-                  <a:avLst/>
-                </a:prstGeom>
-                <a:noFill/>
-              </p:spPr>
-              <p:txBody>
-                <a:bodyPr wrap="square" rtlCol="0">
-                  <a:spAutoFit/>
-                </a:bodyPr>
-                <a:lstStyle/>
-                <a:p>
-                  <a:r>
-                    <a:rPr kumimoji="1" lang="ja-JP" altLang="en-US" b="1" dirty="0"/>
-                    <a:t>再生</a:t>
-                  </a:r>
-                </a:p>
-              </p:txBody>
-            </p:sp>
-            <p:cxnSp>
-              <p:nvCxnSpPr>
-                <p:cNvPr id="15" name="直線矢印コネクタ 14">
-                  <a:extLst>
-                    <a:ext uri="{FF2B5EF4-FFF2-40B4-BE49-F238E27FC236}">
-                      <a16:creationId xmlns:a16="http://schemas.microsoft.com/office/drawing/2014/main" id="{7A7C7FCB-FEC5-4F6C-A58F-BECCB10D26CD}"/>
-                    </a:ext>
-                  </a:extLst>
-                </p:cNvPr>
-                <p:cNvCxnSpPr>
-                  <a:cxnSpLocks/>
-                </p:cNvCxnSpPr>
-                <p:nvPr/>
-              </p:nvCxnSpPr>
-              <p:spPr>
-                <a:xfrm>
-                  <a:off x="5436096" y="4077072"/>
-                  <a:ext cx="1008112" cy="0"/>
-                </a:xfrm>
-                <a:prstGeom prst="straightConnector1">
-                  <a:avLst/>
-                </a:prstGeom>
-                <a:ln>
-                  <a:tailEnd type="triangle"/>
-                </a:ln>
-              </p:spPr>
-              <p:style>
-                <a:lnRef idx="1">
-                  <a:schemeClr val="dk1"/>
-                </a:lnRef>
-                <a:fillRef idx="0">
-                  <a:schemeClr val="dk1"/>
-                </a:fillRef>
-                <a:effectRef idx="0">
-                  <a:schemeClr val="dk1"/>
-                </a:effectRef>
-                <a:fontRef idx="minor">
-                  <a:schemeClr val="tx1"/>
-                </a:fontRef>
-              </p:style>
-            </p:cxnSp>
-          </p:grpSp>
-        </p:grpSp>
-        <p:grpSp>
-          <p:nvGrpSpPr>
-            <p:cNvPr id="6" name="グループ化 5">
-              <a:extLst>
-                <a:ext uri="{FF2B5EF4-FFF2-40B4-BE49-F238E27FC236}">
-                  <a16:creationId xmlns:a16="http://schemas.microsoft.com/office/drawing/2014/main" id="{AB1CFEFE-4D77-4AC1-9FAF-AD332211800D}"/>
-                </a:ext>
-              </a:extLst>
-            </p:cNvPr>
-            <p:cNvGrpSpPr/>
-            <p:nvPr/>
-          </p:nvGrpSpPr>
-          <p:grpSpPr>
-            <a:xfrm>
-              <a:off x="4792155" y="2355728"/>
-              <a:ext cx="3203168" cy="3381902"/>
-              <a:chOff x="4646680" y="2557011"/>
-              <a:chExt cx="3203168" cy="3381902"/>
+              <a:off x="326614" y="1906756"/>
+              <a:ext cx="3148819" cy="3229550"/>
+              <a:chOff x="180426" y="2518935"/>
+              <a:chExt cx="3148819" cy="3229550"/>
             </a:xfrm>
           </p:grpSpPr>
           <p:sp>
             <p:nvSpPr>
-              <p:cNvPr id="7" name="吹き出し: 円形 6">
+              <p:cNvPr id="27" name="吹き出し: 円形 26">
                 <a:extLst>
                   <a:ext uri="{FF2B5EF4-FFF2-40B4-BE49-F238E27FC236}">
-                    <a16:creationId xmlns:a16="http://schemas.microsoft.com/office/drawing/2014/main" id="{FB8A939F-AE0B-4C9A-862C-5B7B44653109}"/>
+                    <a16:creationId xmlns:a16="http://schemas.microsoft.com/office/drawing/2014/main" id="{7597547D-7B27-4803-BF50-306062D4FAD8}"/>
                   </a:ext>
                 </a:extLst>
               </p:cNvPr>
@@ -9848,13 +10133,13 @@
             </p:nvSpPr>
             <p:spPr>
               <a:xfrm>
-                <a:off x="5173205" y="5058511"/>
-                <a:ext cx="2676643" cy="880402"/>
+                <a:off x="1066658" y="2518935"/>
+                <a:ext cx="2262587" cy="802652"/>
               </a:xfrm>
               <a:prstGeom prst="wedgeEllipseCallout">
                 <a:avLst>
-                  <a:gd name="adj1" fmla="val -23629"/>
-                  <a:gd name="adj2" fmla="val -111293"/>
+                  <a:gd name="adj1" fmla="val -38190"/>
+                  <a:gd name="adj2" fmla="val 58815"/>
                 </a:avLst>
               </a:prstGeom>
               <a:noFill/>
@@ -9887,7 +10172,7 @@
               <a:p>
                 <a:pPr algn="ctr"/>
                 <a:r>
-                  <a:rPr kumimoji="1" lang="ja-JP" altLang="en-US" b="1" dirty="0">
+                  <a:rPr kumimoji="1" lang="ja-JP" altLang="en-US" dirty="0">
                     <a:solidFill>
                       <a:schemeClr val="tx1"/>
                     </a:solidFill>
@@ -9897,12 +10182,107 @@
               </a:p>
             </p:txBody>
           </p:sp>
+          <p:grpSp>
+            <p:nvGrpSpPr>
+              <p:cNvPr id="28" name="グループ化 27">
+                <a:extLst>
+                  <a:ext uri="{FF2B5EF4-FFF2-40B4-BE49-F238E27FC236}">
+                    <a16:creationId xmlns:a16="http://schemas.microsoft.com/office/drawing/2014/main" id="{F80FB770-7048-4CA6-AA22-8957B521EDFE}"/>
+                  </a:ext>
+                </a:extLst>
+              </p:cNvPr>
+              <p:cNvGrpSpPr/>
+              <p:nvPr/>
+            </p:nvGrpSpPr>
+            <p:grpSpPr>
+              <a:xfrm>
+                <a:off x="1536125" y="3913408"/>
+                <a:ext cx="1629840" cy="1835077"/>
+                <a:chOff x="3172531" y="3625109"/>
+                <a:chExt cx="1586246" cy="1621531"/>
+              </a:xfrm>
+            </p:grpSpPr>
+            <p:pic>
+              <p:nvPicPr>
+                <p:cNvPr id="30" name="グラフィックス 29" descr="スマート フォン">
+                  <a:extLst>
+                    <a:ext uri="{FF2B5EF4-FFF2-40B4-BE49-F238E27FC236}">
+                      <a16:creationId xmlns:a16="http://schemas.microsoft.com/office/drawing/2014/main" id="{10AC1C84-1F66-42AA-878B-A6ECADF8BED7}"/>
+                    </a:ext>
+                  </a:extLst>
+                </p:cNvPr>
+                <p:cNvPicPr>
+                  <a:picLocks noChangeAspect="1"/>
+                </p:cNvPicPr>
+                <p:nvPr/>
+              </p:nvPicPr>
+              <p:blipFill>
+                <a:blip r:embed="rId2">
+                  <a:extLst>
+                    <a:ext uri="{28A0092B-C50C-407E-A947-70E740481C1C}">
+                      <a14:useLocalDpi xmlns:a14="http://schemas.microsoft.com/office/drawing/2010/main" val="0"/>
+                    </a:ext>
+                    <a:ext uri="{96DAC541-7B7A-43D3-8B79-37D633B846F1}">
+                      <asvg:svgBlip xmlns:asvg="http://schemas.microsoft.com/office/drawing/2016/SVG/main" r:embed="rId3"/>
+                    </a:ext>
+                  </a:extLst>
+                </a:blip>
+                <a:stretch>
+                  <a:fillRect/>
+                </a:stretch>
+              </p:blipFill>
+              <p:spPr>
+                <a:xfrm>
+                  <a:off x="3172531" y="3625109"/>
+                  <a:ext cx="1586246" cy="1399428"/>
+                </a:xfrm>
+                <a:prstGeom prst="rect">
+                  <a:avLst/>
+                </a:prstGeom>
+              </p:spPr>
+            </p:pic>
+            <p:sp>
+              <p:nvSpPr>
+                <p:cNvPr id="31" name="テキスト ボックス 30">
+                  <a:extLst>
+                    <a:ext uri="{FF2B5EF4-FFF2-40B4-BE49-F238E27FC236}">
+                      <a16:creationId xmlns:a16="http://schemas.microsoft.com/office/drawing/2014/main" id="{B863D120-0920-4C3F-B170-D6ACF8C6A266}"/>
+                    </a:ext>
+                  </a:extLst>
+                </p:cNvPr>
+                <p:cNvSpPr txBox="1"/>
+                <p:nvPr/>
+              </p:nvSpPr>
+              <p:spPr>
+                <a:xfrm>
+                  <a:off x="3656745" y="5003593"/>
+                  <a:ext cx="756944" cy="243047"/>
+                </a:xfrm>
+                <a:prstGeom prst="rect">
+                  <a:avLst/>
+                </a:prstGeom>
+                <a:noFill/>
+              </p:spPr>
+              <p:txBody>
+                <a:bodyPr wrap="square" rtlCol="0">
+                  <a:spAutoFit/>
+                </a:bodyPr>
+                <a:lstStyle/>
+                <a:p>
+                  <a:r>
+                    <a:rPr kumimoji="1" lang="ja-JP" altLang="en-US" b="1" dirty="0"/>
+                    <a:t>携帯</a:t>
+                  </a:r>
+                </a:p>
+              </p:txBody>
+            </p:sp>
+          </p:grpSp>
           <p:pic>
             <p:nvPicPr>
-              <p:cNvPr id="8" name="図 7">
+              <p:cNvPr id="29" name="グラフィックス 28" descr="ユーザー">
                 <a:extLst>
                   <a:ext uri="{FF2B5EF4-FFF2-40B4-BE49-F238E27FC236}">
-                    <a16:creationId xmlns:a16="http://schemas.microsoft.com/office/drawing/2014/main" id="{B4941763-FA81-40ED-BFB9-D0F59FB8521E}"/>
+                    <a16:creationId xmlns:a16="http://schemas.microsoft.com/office/drawing/2014/main" id="{7ADA5CD2-BEF4-4C4F-8C34-CF2755508E8E}"/>
                   </a:ext>
                 </a:extLst>
               </p:cNvPr>
@@ -9912,43 +10292,13 @@
               <p:nvPr/>
             </p:nvPicPr>
             <p:blipFill>
-              <a:blip r:embed="rId9"/>
-              <a:stretch>
-                <a:fillRect/>
-              </a:stretch>
-            </p:blipFill>
-            <p:spPr>
-              <a:xfrm>
-                <a:off x="5982203" y="2557011"/>
-                <a:ext cx="1627773" cy="1585097"/>
-              </a:xfrm>
-              <a:prstGeom prst="rect">
-                <a:avLst/>
-              </a:prstGeom>
-            </p:spPr>
-          </p:pic>
-          <p:pic>
-            <p:nvPicPr>
-              <p:cNvPr id="9" name="グラフィックス 8" descr="無線マイク">
-                <a:extLst>
-                  <a:ext uri="{FF2B5EF4-FFF2-40B4-BE49-F238E27FC236}">
-                    <a16:creationId xmlns:a16="http://schemas.microsoft.com/office/drawing/2014/main" id="{E96D8A65-527A-4E6E-AEB0-845C5637C5CA}"/>
-                  </a:ext>
-                </a:extLst>
-              </p:cNvPr>
-              <p:cNvPicPr>
-                <a:picLocks noChangeAspect="1"/>
-              </p:cNvPicPr>
-              <p:nvPr/>
-            </p:nvPicPr>
-            <p:blipFill>
-              <a:blip r:embed="rId7">
+              <a:blip r:embed="rId4">
                 <a:extLst>
                   <a:ext uri="{28A0092B-C50C-407E-A947-70E740481C1C}">
                     <a14:useLocalDpi xmlns:a14="http://schemas.microsoft.com/office/drawing/2010/main" val="0"/>
                   </a:ext>
                   <a:ext uri="{96DAC541-7B7A-43D3-8B79-37D633B846F1}">
-                    <asvg:svgBlip xmlns:asvg="http://schemas.microsoft.com/office/drawing/2016/SVG/main" r:embed="rId8"/>
+                    <asvg:svgBlip xmlns:asvg="http://schemas.microsoft.com/office/drawing/2016/SVG/main" r:embed="rId5"/>
                   </a:ext>
                 </a:extLst>
               </a:blip>
@@ -9958,92 +10308,577 @@
             </p:blipFill>
             <p:spPr>
               <a:xfrm>
-                <a:off x="4646680" y="3655879"/>
-                <a:ext cx="1345827" cy="1345827"/>
+                <a:off x="180426" y="3184319"/>
+                <a:ext cx="1702742" cy="2089234"/>
               </a:xfrm>
               <a:prstGeom prst="rect">
                 <a:avLst/>
               </a:prstGeom>
             </p:spPr>
           </p:pic>
-          <p:pic>
-            <p:nvPicPr>
-              <p:cNvPr id="10" name="グラフィックス 9" descr="ボリューム">
-                <a:extLst>
-                  <a:ext uri="{FF2B5EF4-FFF2-40B4-BE49-F238E27FC236}">
-                    <a16:creationId xmlns:a16="http://schemas.microsoft.com/office/drawing/2014/main" id="{0627D612-4AF9-46B1-986E-0A5BA497D945}"/>
-                  </a:ext>
-                </a:extLst>
-              </p:cNvPr>
-              <p:cNvPicPr>
-                <a:picLocks noChangeAspect="1"/>
-              </p:cNvPicPr>
-              <p:nvPr/>
-            </p:nvPicPr>
-            <p:blipFill rotWithShape="1">
-              <a:blip r:embed="rId10">
-                <a:extLst>
-                  <a:ext uri="{28A0092B-C50C-407E-A947-70E740481C1C}">
-                    <a14:useLocalDpi xmlns:a14="http://schemas.microsoft.com/office/drawing/2010/main" val="0"/>
-                  </a:ext>
-                  <a:ext uri="{96DAC541-7B7A-43D3-8B79-37D633B846F1}">
-                    <asvg:svgBlip xmlns:asvg="http://schemas.microsoft.com/office/drawing/2016/SVG/main" r:embed="rId11"/>
-                  </a:ext>
-                </a:extLst>
-              </a:blip>
-              <a:srcRect l="52751" t="10577"/>
-              <a:stretch/>
-            </p:blipFill>
-            <p:spPr>
-              <a:xfrm rot="20292745">
-                <a:off x="5596982" y="3569267"/>
-                <a:ext cx="791051" cy="817678"/>
-              </a:xfrm>
-              <a:prstGeom prst="rect">
-                <a:avLst/>
-              </a:prstGeom>
-            </p:spPr>
-          </p:pic>
-          <p:sp>
-            <p:nvSpPr>
-              <p:cNvPr id="11" name="テキスト ボックス 10">
-                <a:extLst>
-                  <a:ext uri="{FF2B5EF4-FFF2-40B4-BE49-F238E27FC236}">
-                    <a16:creationId xmlns:a16="http://schemas.microsoft.com/office/drawing/2014/main" id="{FF4756D9-87CE-4418-BD10-7BFA376B5A7A}"/>
-                  </a:ext>
-                </a:extLst>
-              </p:cNvPr>
-              <p:cNvSpPr txBox="1"/>
-              <p:nvPr/>
-            </p:nvSpPr>
-            <p:spPr>
-              <a:xfrm>
-                <a:off x="6307284" y="4144126"/>
-                <a:ext cx="1031051" cy="369332"/>
-              </a:xfrm>
-              <a:prstGeom prst="rect">
-                <a:avLst/>
-              </a:prstGeom>
-              <a:noFill/>
-            </p:spPr>
-            <p:txBody>
-              <a:bodyPr wrap="none" rtlCol="0">
-                <a:spAutoFit/>
-              </a:bodyPr>
-              <a:lstStyle/>
-              <a:p>
-                <a:r>
-                  <a:rPr kumimoji="1" lang="en-US" altLang="ja-JP" dirty="0"/>
-                  <a:t>A</a:t>
-                </a:r>
-                <a:r>
-                  <a:rPr kumimoji="1" lang="ja-JP" altLang="en-US" dirty="0"/>
-                  <a:t>の携帯</a:t>
-                </a:r>
-              </a:p>
-            </p:txBody>
-          </p:sp>
         </p:grpSp>
+      </p:grpSp>
+      <p:sp>
+        <p:nvSpPr>
+          <p:cNvPr id="17" name="テキスト ボックス 16">
+            <a:extLst>
+              <a:ext uri="{FF2B5EF4-FFF2-40B4-BE49-F238E27FC236}">
+                <a16:creationId xmlns:a16="http://schemas.microsoft.com/office/drawing/2014/main" id="{28F93547-53D7-4D45-845B-A3EF541E3D5F}"/>
+              </a:ext>
+            </a:extLst>
+          </p:cNvPr>
+          <p:cNvSpPr txBox="1"/>
+          <p:nvPr/>
+        </p:nvSpPr>
+        <p:spPr>
+          <a:xfrm>
+            <a:off x="2986469" y="3064152"/>
+            <a:ext cx="728535" cy="414394"/>
+          </a:xfrm>
+          <a:prstGeom prst="rect">
+            <a:avLst/>
+          </a:prstGeom>
+          <a:noFill/>
+        </p:spPr>
+        <p:txBody>
+          <a:bodyPr wrap="square" rtlCol="0">
+            <a:spAutoFit/>
+          </a:bodyPr>
+          <a:lstStyle/>
+          <a:p>
+            <a:r>
+              <a:rPr kumimoji="1" lang="ja-JP" altLang="en-US" b="1" dirty="0"/>
+              <a:t>録音</a:t>
+            </a:r>
+          </a:p>
+        </p:txBody>
+      </p:sp>
+      <p:sp>
+        <p:nvSpPr>
+          <p:cNvPr id="20" name="テキスト ボックス 19">
+            <a:extLst>
+              <a:ext uri="{FF2B5EF4-FFF2-40B4-BE49-F238E27FC236}">
+                <a16:creationId xmlns:a16="http://schemas.microsoft.com/office/drawing/2014/main" id="{DA93DBF8-0B5E-49C7-A82D-B8D8E46F7F6E}"/>
+              </a:ext>
+            </a:extLst>
+          </p:cNvPr>
+          <p:cNvSpPr txBox="1"/>
+          <p:nvPr/>
+        </p:nvSpPr>
+        <p:spPr>
+          <a:xfrm>
+            <a:off x="5177639" y="4199363"/>
+            <a:ext cx="1246719" cy="369332"/>
+          </a:xfrm>
+          <a:prstGeom prst="rect">
+            <a:avLst/>
+          </a:prstGeom>
+          <a:noFill/>
+        </p:spPr>
+        <p:txBody>
+          <a:bodyPr wrap="square" rtlCol="0">
+            <a:spAutoFit/>
+          </a:bodyPr>
+          <a:lstStyle/>
+          <a:p>
+            <a:r>
+              <a:rPr kumimoji="1" lang="ja-JP" altLang="en-US" b="1" dirty="0"/>
+              <a:t>録音装置</a:t>
+            </a:r>
+            <a:endParaRPr kumimoji="1" lang="en-US" altLang="ja-JP" b="1" dirty="0"/>
+          </a:p>
+        </p:txBody>
+      </p:sp>
+      <p:grpSp>
+        <p:nvGrpSpPr>
+          <p:cNvPr id="21" name="グループ化 20">
+            <a:extLst>
+              <a:ext uri="{FF2B5EF4-FFF2-40B4-BE49-F238E27FC236}">
+                <a16:creationId xmlns:a16="http://schemas.microsoft.com/office/drawing/2014/main" id="{F49FE8A2-7DD2-458B-AC39-7F45F9DA3085}"/>
+              </a:ext>
+            </a:extLst>
+          </p:cNvPr>
+          <p:cNvGrpSpPr/>
+          <p:nvPr/>
+        </p:nvGrpSpPr>
+        <p:grpSpPr>
+          <a:xfrm>
+            <a:off x="3879321" y="1917608"/>
+            <a:ext cx="1227835" cy="2308768"/>
+            <a:chOff x="5840786" y="1718397"/>
+            <a:chExt cx="1227835" cy="2308768"/>
+          </a:xfrm>
+        </p:grpSpPr>
+        <p:pic>
+          <p:nvPicPr>
+            <p:cNvPr id="23" name="図 22">
+              <a:extLst>
+                <a:ext uri="{FF2B5EF4-FFF2-40B4-BE49-F238E27FC236}">
+                  <a16:creationId xmlns:a16="http://schemas.microsoft.com/office/drawing/2014/main" id="{C69EBC98-D520-4748-91ED-43C00904D04F}"/>
+                </a:ext>
+              </a:extLst>
+            </p:cNvPr>
+            <p:cNvPicPr>
+              <a:picLocks noChangeAspect="1"/>
+            </p:cNvPicPr>
+            <p:nvPr/>
+          </p:nvPicPr>
+          <p:blipFill rotWithShape="1">
+            <a:blip r:embed="rId6"/>
+            <a:srcRect l="52153" t="57474" r="33367" b="3601"/>
+            <a:stretch/>
+          </p:blipFill>
+          <p:spPr>
+            <a:xfrm>
+              <a:off x="5840786" y="1718397"/>
+              <a:ext cx="1227835" cy="2056873"/>
+            </a:xfrm>
+            <a:prstGeom prst="rect">
+              <a:avLst/>
+            </a:prstGeom>
+          </p:spPr>
+        </p:pic>
+        <p:sp>
+          <p:nvSpPr>
+            <p:cNvPr id="24" name="テキスト ボックス 23">
+              <a:extLst>
+                <a:ext uri="{FF2B5EF4-FFF2-40B4-BE49-F238E27FC236}">
+                  <a16:creationId xmlns:a16="http://schemas.microsoft.com/office/drawing/2014/main" id="{BBAAC99D-A101-4412-BB2E-F8D7494C10EA}"/>
+                </a:ext>
+              </a:extLst>
+            </p:cNvPr>
+            <p:cNvSpPr txBox="1"/>
+            <p:nvPr/>
+          </p:nvSpPr>
+          <p:spPr>
+            <a:xfrm>
+              <a:off x="6308663" y="3657833"/>
+              <a:ext cx="639601" cy="369332"/>
+            </a:xfrm>
+            <a:prstGeom prst="rect">
+              <a:avLst/>
+            </a:prstGeom>
+            <a:noFill/>
+          </p:spPr>
+          <p:txBody>
+            <a:bodyPr wrap="square" rtlCol="0">
+              <a:spAutoFit/>
+            </a:bodyPr>
+            <a:lstStyle/>
+            <a:p>
+              <a:r>
+                <a:rPr kumimoji="1" lang="en-US" altLang="ja-JP" dirty="0"/>
+                <a:t>B</a:t>
+              </a:r>
+              <a:endParaRPr kumimoji="1" lang="ja-JP" altLang="en-US" dirty="0"/>
+            </a:p>
+          </p:txBody>
+        </p:sp>
+      </p:grpSp>
+      <p:pic>
+        <p:nvPicPr>
+          <p:cNvPr id="22" name="グラフィックス 21" descr="無線マイク">
+            <a:extLst>
+              <a:ext uri="{FF2B5EF4-FFF2-40B4-BE49-F238E27FC236}">
+                <a16:creationId xmlns:a16="http://schemas.microsoft.com/office/drawing/2014/main" id="{1DF1DDD0-EFCF-47B4-BDB2-0FBF6AFFECB7}"/>
+              </a:ext>
+            </a:extLst>
+          </p:cNvPr>
+          <p:cNvPicPr>
+            <a:picLocks noChangeAspect="1"/>
+          </p:cNvPicPr>
+          <p:nvPr/>
+        </p:nvPicPr>
+        <p:blipFill>
+          <a:blip r:embed="rId7">
+            <a:extLst>
+              <a:ext uri="{28A0092B-C50C-407E-A947-70E740481C1C}">
+                <a14:useLocalDpi xmlns:a14="http://schemas.microsoft.com/office/drawing/2010/main" val="0"/>
+              </a:ext>
+              <a:ext uri="{96DAC541-7B7A-43D3-8B79-37D633B846F1}">
+                <asvg:svgBlip xmlns:asvg="http://schemas.microsoft.com/office/drawing/2016/SVG/main" r:embed="rId8"/>
+              </a:ext>
+            </a:extLst>
+          </a:blip>
+          <a:stretch>
+            <a:fillRect/>
+          </a:stretch>
+        </p:blipFill>
+        <p:spPr>
+          <a:xfrm>
+            <a:off x="4976495" y="2763994"/>
+            <a:ext cx="1345827" cy="1345827"/>
+          </a:xfrm>
+          <a:prstGeom prst="rect">
+            <a:avLst/>
+          </a:prstGeom>
+        </p:spPr>
+      </p:pic>
+      <p:cxnSp>
+        <p:nvCxnSpPr>
+          <p:cNvPr id="19" name="直線矢印コネクタ 18">
+            <a:extLst>
+              <a:ext uri="{FF2B5EF4-FFF2-40B4-BE49-F238E27FC236}">
+                <a16:creationId xmlns:a16="http://schemas.microsoft.com/office/drawing/2014/main" id="{475B8200-235F-4D3D-A967-BB3E500A7640}"/>
+              </a:ext>
+            </a:extLst>
+          </p:cNvPr>
+          <p:cNvCxnSpPr/>
+          <p:nvPr/>
+        </p:nvCxnSpPr>
+        <p:spPr>
+          <a:xfrm>
+            <a:off x="2760086" y="3446821"/>
+            <a:ext cx="1119235" cy="0"/>
+          </a:xfrm>
+          <a:prstGeom prst="straightConnector1">
+            <a:avLst/>
+          </a:prstGeom>
+          <a:ln>
+            <a:tailEnd type="triangle"/>
+          </a:ln>
+        </p:spPr>
+        <p:style>
+          <a:lnRef idx="1">
+            <a:schemeClr val="dk1"/>
+          </a:lnRef>
+          <a:fillRef idx="0">
+            <a:schemeClr val="dk1"/>
+          </a:fillRef>
+          <a:effectRef idx="0">
+            <a:schemeClr val="dk1"/>
+          </a:effectRef>
+          <a:fontRef idx="minor">
+            <a:schemeClr val="tx1"/>
+          </a:fontRef>
+        </p:style>
+      </p:cxnSp>
+      <p:grpSp>
+        <p:nvGrpSpPr>
+          <p:cNvPr id="13" name="グループ化 12">
+            <a:extLst>
+              <a:ext uri="{FF2B5EF4-FFF2-40B4-BE49-F238E27FC236}">
+                <a16:creationId xmlns:a16="http://schemas.microsoft.com/office/drawing/2014/main" id="{2E7C83EB-9887-4733-BD98-440A954E752A}"/>
+              </a:ext>
+            </a:extLst>
+          </p:cNvPr>
+          <p:cNvGrpSpPr/>
+          <p:nvPr/>
+        </p:nvGrpSpPr>
+        <p:grpSpPr>
+          <a:xfrm>
+            <a:off x="6424358" y="3077488"/>
+            <a:ext cx="1008112" cy="369333"/>
+            <a:chOff x="5436096" y="3707739"/>
+            <a:chExt cx="1008112" cy="369333"/>
+          </a:xfrm>
+        </p:grpSpPr>
+        <p:sp>
+          <p:nvSpPr>
+            <p:cNvPr id="14" name="テキスト ボックス 13">
+              <a:extLst>
+                <a:ext uri="{FF2B5EF4-FFF2-40B4-BE49-F238E27FC236}">
+                  <a16:creationId xmlns:a16="http://schemas.microsoft.com/office/drawing/2014/main" id="{88680D4F-195F-4279-8BD1-C3F18A04E1ED}"/>
+                </a:ext>
+              </a:extLst>
+            </p:cNvPr>
+            <p:cNvSpPr txBox="1"/>
+            <p:nvPr/>
+          </p:nvSpPr>
+          <p:spPr>
+            <a:xfrm>
+              <a:off x="5609429" y="3707739"/>
+              <a:ext cx="834779" cy="369333"/>
+            </a:xfrm>
+            <a:prstGeom prst="rect">
+              <a:avLst/>
+            </a:prstGeom>
+            <a:noFill/>
+          </p:spPr>
+          <p:txBody>
+            <a:bodyPr wrap="square" rtlCol="0">
+              <a:spAutoFit/>
+            </a:bodyPr>
+            <a:lstStyle/>
+            <a:p>
+              <a:r>
+                <a:rPr kumimoji="1" lang="ja-JP" altLang="en-US" b="1" dirty="0"/>
+                <a:t>再生</a:t>
+              </a:r>
+            </a:p>
+          </p:txBody>
+        </p:sp>
+        <p:cxnSp>
+          <p:nvCxnSpPr>
+            <p:cNvPr id="15" name="直線矢印コネクタ 14">
+              <a:extLst>
+                <a:ext uri="{FF2B5EF4-FFF2-40B4-BE49-F238E27FC236}">
+                  <a16:creationId xmlns:a16="http://schemas.microsoft.com/office/drawing/2014/main" id="{7A7C7FCB-FEC5-4F6C-A58F-BECCB10D26CD}"/>
+                </a:ext>
+              </a:extLst>
+            </p:cNvPr>
+            <p:cNvCxnSpPr>
+              <a:cxnSpLocks/>
+            </p:cNvCxnSpPr>
+            <p:nvPr/>
+          </p:nvCxnSpPr>
+          <p:spPr>
+            <a:xfrm>
+              <a:off x="5436096" y="4077072"/>
+              <a:ext cx="1008112" cy="0"/>
+            </a:xfrm>
+            <a:prstGeom prst="straightConnector1">
+              <a:avLst/>
+            </a:prstGeom>
+            <a:ln>
+              <a:tailEnd type="triangle"/>
+            </a:ln>
+          </p:spPr>
+          <p:style>
+            <a:lnRef idx="1">
+              <a:schemeClr val="dk1"/>
+            </a:lnRef>
+            <a:fillRef idx="0">
+              <a:schemeClr val="dk1"/>
+            </a:fillRef>
+            <a:effectRef idx="0">
+              <a:schemeClr val="dk1"/>
+            </a:effectRef>
+            <a:fontRef idx="minor">
+              <a:schemeClr val="tx1"/>
+            </a:fontRef>
+          </p:style>
+        </p:cxnSp>
+      </p:grpSp>
+      <p:grpSp>
+        <p:nvGrpSpPr>
+          <p:cNvPr id="6" name="グループ化 5">
+            <a:extLst>
+              <a:ext uri="{FF2B5EF4-FFF2-40B4-BE49-F238E27FC236}">
+                <a16:creationId xmlns:a16="http://schemas.microsoft.com/office/drawing/2014/main" id="{AB1CFEFE-4D77-4AC1-9FAF-AD332211800D}"/>
+              </a:ext>
+            </a:extLst>
+          </p:cNvPr>
+          <p:cNvGrpSpPr/>
+          <p:nvPr/>
+        </p:nvGrpSpPr>
+        <p:grpSpPr>
+          <a:xfrm>
+            <a:off x="7564971" y="1580398"/>
+            <a:ext cx="3203168" cy="3381902"/>
+            <a:chOff x="4646680" y="2557011"/>
+            <a:chExt cx="3203168" cy="3381902"/>
+          </a:xfrm>
+        </p:grpSpPr>
+        <p:sp>
+          <p:nvSpPr>
+            <p:cNvPr id="7" name="吹き出し: 円形 6">
+              <a:extLst>
+                <a:ext uri="{FF2B5EF4-FFF2-40B4-BE49-F238E27FC236}">
+                  <a16:creationId xmlns:a16="http://schemas.microsoft.com/office/drawing/2014/main" id="{FB8A939F-AE0B-4C9A-862C-5B7B44653109}"/>
+                </a:ext>
+              </a:extLst>
+            </p:cNvPr>
+            <p:cNvSpPr/>
+            <p:nvPr/>
+          </p:nvSpPr>
+          <p:spPr>
+            <a:xfrm>
+              <a:off x="5173205" y="5058511"/>
+              <a:ext cx="2676643" cy="880402"/>
+            </a:xfrm>
+            <a:prstGeom prst="wedgeEllipseCallout">
+              <a:avLst>
+                <a:gd name="adj1" fmla="val -23629"/>
+                <a:gd name="adj2" fmla="val -111293"/>
+              </a:avLst>
+            </a:prstGeom>
+            <a:noFill/>
+            <a:ln w="19050">
+              <a:solidFill>
+                <a:schemeClr val="tx1"/>
+              </a:solidFill>
+              <a:prstDash val="solid"/>
+            </a:ln>
+          </p:spPr>
+          <p:style>
+            <a:lnRef idx="2">
+              <a:schemeClr val="accent1">
+                <a:shade val="50000"/>
+              </a:schemeClr>
+            </a:lnRef>
+            <a:fillRef idx="1">
+              <a:schemeClr val="accent1"/>
+            </a:fillRef>
+            <a:effectRef idx="0">
+              <a:schemeClr val="accent1"/>
+            </a:effectRef>
+            <a:fontRef idx="minor">
+              <a:schemeClr val="lt1"/>
+            </a:fontRef>
+          </p:style>
+          <p:txBody>
+            <a:bodyPr rtlCol="0" anchor="ctr"/>
+            <a:lstStyle/>
+            <a:p>
+              <a:pPr algn="ctr"/>
+              <a:r>
+                <a:rPr kumimoji="1" lang="ja-JP" altLang="en-US" b="1" dirty="0">
+                  <a:solidFill>
+                    <a:schemeClr val="tx1"/>
+                  </a:solidFill>
+                </a:rPr>
+                <a:t>ロック解除</a:t>
+              </a:r>
+            </a:p>
+          </p:txBody>
+        </p:sp>
+        <p:pic>
+          <p:nvPicPr>
+            <p:cNvPr id="8" name="図 7">
+              <a:extLst>
+                <a:ext uri="{FF2B5EF4-FFF2-40B4-BE49-F238E27FC236}">
+                  <a16:creationId xmlns:a16="http://schemas.microsoft.com/office/drawing/2014/main" id="{B4941763-FA81-40ED-BFB9-D0F59FB8521E}"/>
+                </a:ext>
+              </a:extLst>
+            </p:cNvPr>
+            <p:cNvPicPr>
+              <a:picLocks noChangeAspect="1"/>
+            </p:cNvPicPr>
+            <p:nvPr/>
+          </p:nvPicPr>
+          <p:blipFill>
+            <a:blip r:embed="rId9"/>
+            <a:stretch>
+              <a:fillRect/>
+            </a:stretch>
+          </p:blipFill>
+          <p:spPr>
+            <a:xfrm>
+              <a:off x="5982203" y="2557011"/>
+              <a:ext cx="1627773" cy="1585097"/>
+            </a:xfrm>
+            <a:prstGeom prst="rect">
+              <a:avLst/>
+            </a:prstGeom>
+          </p:spPr>
+        </p:pic>
+        <p:pic>
+          <p:nvPicPr>
+            <p:cNvPr id="9" name="グラフィックス 8" descr="無線マイク">
+              <a:extLst>
+                <a:ext uri="{FF2B5EF4-FFF2-40B4-BE49-F238E27FC236}">
+                  <a16:creationId xmlns:a16="http://schemas.microsoft.com/office/drawing/2014/main" id="{E96D8A65-527A-4E6E-AEB0-845C5637C5CA}"/>
+                </a:ext>
+              </a:extLst>
+            </p:cNvPr>
+            <p:cNvPicPr>
+              <a:picLocks noChangeAspect="1"/>
+            </p:cNvPicPr>
+            <p:nvPr/>
+          </p:nvPicPr>
+          <p:blipFill>
+            <a:blip r:embed="rId7">
+              <a:extLst>
+                <a:ext uri="{28A0092B-C50C-407E-A947-70E740481C1C}">
+                  <a14:useLocalDpi xmlns:a14="http://schemas.microsoft.com/office/drawing/2010/main" val="0"/>
+                </a:ext>
+                <a:ext uri="{96DAC541-7B7A-43D3-8B79-37D633B846F1}">
+                  <asvg:svgBlip xmlns:asvg="http://schemas.microsoft.com/office/drawing/2016/SVG/main" r:embed="rId8"/>
+                </a:ext>
+              </a:extLst>
+            </a:blip>
+            <a:stretch>
+              <a:fillRect/>
+            </a:stretch>
+          </p:blipFill>
+          <p:spPr>
+            <a:xfrm>
+              <a:off x="4646680" y="3655879"/>
+              <a:ext cx="1345827" cy="1345827"/>
+            </a:xfrm>
+            <a:prstGeom prst="rect">
+              <a:avLst/>
+            </a:prstGeom>
+          </p:spPr>
+        </p:pic>
+        <p:pic>
+          <p:nvPicPr>
+            <p:cNvPr id="10" name="グラフィックス 9" descr="ボリューム">
+              <a:extLst>
+                <a:ext uri="{FF2B5EF4-FFF2-40B4-BE49-F238E27FC236}">
+                  <a16:creationId xmlns:a16="http://schemas.microsoft.com/office/drawing/2014/main" id="{0627D612-4AF9-46B1-986E-0A5BA497D945}"/>
+                </a:ext>
+              </a:extLst>
+            </p:cNvPr>
+            <p:cNvPicPr>
+              <a:picLocks noChangeAspect="1"/>
+            </p:cNvPicPr>
+            <p:nvPr/>
+          </p:nvPicPr>
+          <p:blipFill rotWithShape="1">
+            <a:blip r:embed="rId10">
+              <a:extLst>
+                <a:ext uri="{28A0092B-C50C-407E-A947-70E740481C1C}">
+                  <a14:useLocalDpi xmlns:a14="http://schemas.microsoft.com/office/drawing/2010/main" val="0"/>
+                </a:ext>
+                <a:ext uri="{96DAC541-7B7A-43D3-8B79-37D633B846F1}">
+                  <asvg:svgBlip xmlns:asvg="http://schemas.microsoft.com/office/drawing/2016/SVG/main" r:embed="rId11"/>
+                </a:ext>
+              </a:extLst>
+            </a:blip>
+            <a:srcRect l="52751" t="10577"/>
+            <a:stretch/>
+          </p:blipFill>
+          <p:spPr>
+            <a:xfrm rot="20292745">
+              <a:off x="5596982" y="3569267"/>
+              <a:ext cx="791051" cy="817678"/>
+            </a:xfrm>
+            <a:prstGeom prst="rect">
+              <a:avLst/>
+            </a:prstGeom>
+          </p:spPr>
+        </p:pic>
+        <p:sp>
+          <p:nvSpPr>
+            <p:cNvPr id="11" name="テキスト ボックス 10">
+              <a:extLst>
+                <a:ext uri="{FF2B5EF4-FFF2-40B4-BE49-F238E27FC236}">
+                  <a16:creationId xmlns:a16="http://schemas.microsoft.com/office/drawing/2014/main" id="{FF4756D9-87CE-4418-BD10-7BFA376B5A7A}"/>
+                </a:ext>
+              </a:extLst>
+            </p:cNvPr>
+            <p:cNvSpPr txBox="1"/>
+            <p:nvPr/>
+          </p:nvSpPr>
+          <p:spPr>
+            <a:xfrm>
+              <a:off x="6307284" y="4144126"/>
+              <a:ext cx="1031051" cy="369332"/>
+            </a:xfrm>
+            <a:prstGeom prst="rect">
+              <a:avLst/>
+            </a:prstGeom>
+            <a:noFill/>
+          </p:spPr>
+          <p:txBody>
+            <a:bodyPr wrap="none" rtlCol="0">
+              <a:spAutoFit/>
+            </a:bodyPr>
+            <a:lstStyle/>
+            <a:p>
+              <a:r>
+                <a:rPr kumimoji="1" lang="en-US" altLang="ja-JP" dirty="0"/>
+                <a:t>A</a:t>
+              </a:r>
+              <a:r>
+                <a:rPr kumimoji="1" lang="ja-JP" altLang="en-US" dirty="0"/>
+                <a:t>の携帯</a:t>
+              </a:r>
+            </a:p>
+          </p:txBody>
+        </p:sp>
       </p:grpSp>
     </p:spTree>
     <p:extLst>
@@ -10058,7 +10893,7 @@
 </p:sld>
 </file>
 
-<file path=ppt/slides/slide27.xml><?xml version="1.0" encoding="utf-8"?>
+<file path=ppt/slides/slide28.xml><?xml version="1.0" encoding="utf-8"?>
 <p:sld xmlns:a="http://schemas.openxmlformats.org/drawingml/2006/main" xmlns:r="http://schemas.openxmlformats.org/officeDocument/2006/relationships" xmlns:p="http://schemas.openxmlformats.org/presentationml/2006/main">
   <p:cSld>
     <p:spTree>
@@ -10118,7 +10953,7 @@
 </p:sld>
 </file>
 
-<file path=ppt/slides/slide28.xml><?xml version="1.0" encoding="utf-8"?>
+<file path=ppt/slides/slide29.xml><?xml version="1.0" encoding="utf-8"?>
 <p:sld xmlns:a="http://schemas.openxmlformats.org/drawingml/2006/main" xmlns:r="http://schemas.openxmlformats.org/officeDocument/2006/relationships" xmlns:p="http://schemas.openxmlformats.org/presentationml/2006/main">
   <p:cSld>
     <p:spTree>
@@ -10771,7 +11606,417 @@
 </p:sld>
 </file>
 
-<file path=ppt/slides/slide29.xml><?xml version="1.0" encoding="utf-8"?>
+<file path=ppt/slides/slide3.xml><?xml version="1.0" encoding="utf-8"?>
+<p:sld xmlns:a="http://schemas.openxmlformats.org/drawingml/2006/main" xmlns:r="http://schemas.openxmlformats.org/officeDocument/2006/relationships" xmlns:p="http://schemas.openxmlformats.org/presentationml/2006/main">
+  <p:cSld>
+    <p:spTree>
+      <p:nvGrpSpPr>
+        <p:cNvPr id="1" name=""/>
+        <p:cNvGrpSpPr/>
+        <p:nvPr/>
+      </p:nvGrpSpPr>
+      <p:grpSpPr>
+        <a:xfrm>
+          <a:off x="0" y="0"/>
+          <a:ext cx="0" cy="0"/>
+          <a:chOff x="0" y="0"/>
+          <a:chExt cx="0" cy="0"/>
+        </a:xfrm>
+      </p:grpSpPr>
+      <p:grpSp>
+        <p:nvGrpSpPr>
+          <p:cNvPr id="4" name="グループ化 3">
+            <a:extLst>
+              <a:ext uri="{FF2B5EF4-FFF2-40B4-BE49-F238E27FC236}">
+                <a16:creationId xmlns:a16="http://schemas.microsoft.com/office/drawing/2014/main" id="{E8F3872D-78AF-4A58-B9FC-B5F14548510F}"/>
+              </a:ext>
+            </a:extLst>
+          </p:cNvPr>
+          <p:cNvGrpSpPr/>
+          <p:nvPr/>
+        </p:nvGrpSpPr>
+        <p:grpSpPr>
+          <a:xfrm>
+            <a:off x="2865303" y="1009215"/>
+            <a:ext cx="5511189" cy="4179464"/>
+            <a:chOff x="-506317" y="128130"/>
+            <a:chExt cx="5511189" cy="4179464"/>
+          </a:xfrm>
+        </p:grpSpPr>
+        <p:grpSp>
+          <p:nvGrpSpPr>
+            <p:cNvPr id="5" name="グループ化 4">
+              <a:extLst>
+                <a:ext uri="{FF2B5EF4-FFF2-40B4-BE49-F238E27FC236}">
+                  <a16:creationId xmlns:a16="http://schemas.microsoft.com/office/drawing/2014/main" id="{E275FC0D-CA58-4327-9855-D7DD2E5CE62B}"/>
+                </a:ext>
+              </a:extLst>
+            </p:cNvPr>
+            <p:cNvGrpSpPr/>
+            <p:nvPr/>
+          </p:nvGrpSpPr>
+          <p:grpSpPr>
+            <a:xfrm>
+              <a:off x="-506317" y="128130"/>
+              <a:ext cx="5511189" cy="4179464"/>
+              <a:chOff x="584811" y="2116409"/>
+              <a:chExt cx="5511189" cy="4179464"/>
+            </a:xfrm>
+          </p:grpSpPr>
+          <p:grpSp>
+            <p:nvGrpSpPr>
+              <p:cNvPr id="7" name="グループ化 6">
+                <a:extLst>
+                  <a:ext uri="{FF2B5EF4-FFF2-40B4-BE49-F238E27FC236}">
+                    <a16:creationId xmlns:a16="http://schemas.microsoft.com/office/drawing/2014/main" id="{460F010A-4BED-4883-8415-2E207DB8C19D}"/>
+                  </a:ext>
+                </a:extLst>
+              </p:cNvPr>
+              <p:cNvGrpSpPr/>
+              <p:nvPr/>
+            </p:nvGrpSpPr>
+            <p:grpSpPr>
+              <a:xfrm>
+                <a:off x="587566" y="2495052"/>
+                <a:ext cx="5508434" cy="3800821"/>
+                <a:chOff x="1200838" y="2203372"/>
+                <a:chExt cx="5508434" cy="3800821"/>
+              </a:xfrm>
+            </p:grpSpPr>
+            <p:sp>
+              <p:nvSpPr>
+                <p:cNvPr id="9" name="正方形/長方形 8">
+                  <a:extLst>
+                    <a:ext uri="{FF2B5EF4-FFF2-40B4-BE49-F238E27FC236}">
+                      <a16:creationId xmlns:a16="http://schemas.microsoft.com/office/drawing/2014/main" id="{DEE7C451-9473-410C-BBED-7D2914BC4045}"/>
+                    </a:ext>
+                  </a:extLst>
+                </p:cNvPr>
+                <p:cNvSpPr/>
+                <p:nvPr/>
+              </p:nvSpPr>
+              <p:spPr>
+                <a:xfrm>
+                  <a:off x="1200838" y="2203372"/>
+                  <a:ext cx="5508434" cy="3800821"/>
+                </a:xfrm>
+                <a:prstGeom prst="rect">
+                  <a:avLst/>
+                </a:prstGeom>
+                <a:noFill/>
+                <a:ln>
+                  <a:solidFill>
+                    <a:schemeClr val="tx1"/>
+                  </a:solidFill>
+                </a:ln>
+              </p:spPr>
+              <p:style>
+                <a:lnRef idx="2">
+                  <a:schemeClr val="accent1">
+                    <a:shade val="50000"/>
+                  </a:schemeClr>
+                </a:lnRef>
+                <a:fillRef idx="1">
+                  <a:schemeClr val="accent1"/>
+                </a:fillRef>
+                <a:effectRef idx="0">
+                  <a:schemeClr val="accent1"/>
+                </a:effectRef>
+                <a:fontRef idx="minor">
+                  <a:schemeClr val="lt1"/>
+                </a:fontRef>
+              </p:style>
+              <p:txBody>
+                <a:bodyPr rtlCol="0" anchor="ctr"/>
+                <a:lstStyle/>
+                <a:p>
+                  <a:pPr algn="ctr"/>
+                  <a:endParaRPr kumimoji="1" lang="ja-JP" altLang="en-US"/>
+                </a:p>
+              </p:txBody>
+            </p:sp>
+            <p:pic>
+              <p:nvPicPr>
+                <p:cNvPr id="10" name="グラフィックス 9" descr="ユーザー">
+                  <a:extLst>
+                    <a:ext uri="{FF2B5EF4-FFF2-40B4-BE49-F238E27FC236}">
+                      <a16:creationId xmlns:a16="http://schemas.microsoft.com/office/drawing/2014/main" id="{3B022A68-829D-4992-ABA9-2956124D8A35}"/>
+                    </a:ext>
+                  </a:extLst>
+                </p:cNvPr>
+                <p:cNvPicPr>
+                  <a:picLocks noChangeAspect="1"/>
+                </p:cNvPicPr>
+                <p:nvPr/>
+              </p:nvPicPr>
+              <p:blipFill>
+                <a:blip r:embed="rId2">
+                  <a:extLst>
+                    <a:ext uri="{28A0092B-C50C-407E-A947-70E740481C1C}">
+                      <a14:useLocalDpi xmlns:a14="http://schemas.microsoft.com/office/drawing/2010/main" val="0"/>
+                    </a:ext>
+                    <a:ext uri="{96DAC541-7B7A-43D3-8B79-37D633B846F1}">
+                      <asvg:svgBlip xmlns:asvg="http://schemas.microsoft.com/office/drawing/2016/SVG/main" r:embed="rId3"/>
+                    </a:ext>
+                  </a:extLst>
+                </a:blip>
+                <a:stretch>
+                  <a:fillRect/>
+                </a:stretch>
+              </p:blipFill>
+              <p:spPr>
+                <a:xfrm>
+                  <a:off x="1606627" y="2663328"/>
+                  <a:ext cx="1202675" cy="1202675"/>
+                </a:xfrm>
+                <a:prstGeom prst="rect">
+                  <a:avLst/>
+                </a:prstGeom>
+              </p:spPr>
+            </p:pic>
+            <p:pic>
+              <p:nvPicPr>
+                <p:cNvPr id="11" name="グラフィックス 10" descr="無線マイク">
+                  <a:extLst>
+                    <a:ext uri="{FF2B5EF4-FFF2-40B4-BE49-F238E27FC236}">
+                      <a16:creationId xmlns:a16="http://schemas.microsoft.com/office/drawing/2014/main" id="{25465B19-2D11-435B-A3C3-C0CA6284A6A2}"/>
+                    </a:ext>
+                  </a:extLst>
+                </p:cNvPr>
+                <p:cNvPicPr>
+                  <a:picLocks noChangeAspect="1"/>
+                </p:cNvPicPr>
+                <p:nvPr/>
+              </p:nvPicPr>
+              <p:blipFill>
+                <a:blip r:embed="rId4">
+                  <a:extLst>
+                    <a:ext uri="{28A0092B-C50C-407E-A947-70E740481C1C}">
+                      <a14:useLocalDpi xmlns:a14="http://schemas.microsoft.com/office/drawing/2010/main" val="0"/>
+                    </a:ext>
+                    <a:ext uri="{96DAC541-7B7A-43D3-8B79-37D633B846F1}">
+                      <asvg:svgBlip xmlns:asvg="http://schemas.microsoft.com/office/drawing/2016/SVG/main" r:embed="rId5"/>
+                    </a:ext>
+                  </a:extLst>
+                </a:blip>
+                <a:stretch>
+                  <a:fillRect/>
+                </a:stretch>
+              </p:blipFill>
+              <p:spPr>
+                <a:xfrm>
+                  <a:off x="5146713" y="2785430"/>
+                  <a:ext cx="949287" cy="949287"/>
+                </a:xfrm>
+                <a:prstGeom prst="rect">
+                  <a:avLst/>
+                </a:prstGeom>
+              </p:spPr>
+            </p:pic>
+            <p:sp>
+              <p:nvSpPr>
+                <p:cNvPr id="12" name="テキスト ボックス 11">
+                  <a:extLst>
+                    <a:ext uri="{FF2B5EF4-FFF2-40B4-BE49-F238E27FC236}">
+                      <a16:creationId xmlns:a16="http://schemas.microsoft.com/office/drawing/2014/main" id="{E243D446-97F9-4294-A0AF-85E139BBDF48}"/>
+                    </a:ext>
+                  </a:extLst>
+                </p:cNvPr>
+                <p:cNvSpPr txBox="1"/>
+                <p:nvPr/>
+              </p:nvSpPr>
+              <p:spPr>
+                <a:xfrm>
+                  <a:off x="1993135" y="3734450"/>
+                  <a:ext cx="429657" cy="369332"/>
+                </a:xfrm>
+                <a:prstGeom prst="rect">
+                  <a:avLst/>
+                </a:prstGeom>
+                <a:noFill/>
+              </p:spPr>
+              <p:txBody>
+                <a:bodyPr wrap="square" rtlCol="0">
+                  <a:spAutoFit/>
+                </a:bodyPr>
+                <a:lstStyle/>
+                <a:p>
+                  <a:r>
+                    <a:rPr kumimoji="1" lang="en-US" altLang="ja-JP" dirty="0"/>
+                    <a:t>S</a:t>
+                  </a:r>
+                  <a:endParaRPr kumimoji="1" lang="ja-JP" altLang="en-US" dirty="0"/>
+                </a:p>
+              </p:txBody>
+            </p:sp>
+            <p:cxnSp>
+              <p:nvCxnSpPr>
+                <p:cNvPr id="13" name="直線矢印コネクタ 12">
+                  <a:extLst>
+                    <a:ext uri="{FF2B5EF4-FFF2-40B4-BE49-F238E27FC236}">
+                      <a16:creationId xmlns:a16="http://schemas.microsoft.com/office/drawing/2014/main" id="{A6EBE4CF-EAC7-419D-810D-4B07986EFA5D}"/>
+                    </a:ext>
+                  </a:extLst>
+                </p:cNvPr>
+                <p:cNvCxnSpPr>
+                  <a:stCxn id="10" idx="3"/>
+                  <a:endCxn id="11" idx="1"/>
+                </p:cNvCxnSpPr>
+                <p:nvPr/>
+              </p:nvCxnSpPr>
+              <p:spPr>
+                <a:xfrm flipV="1">
+                  <a:off x="2809302" y="3260074"/>
+                  <a:ext cx="2337411" cy="4592"/>
+                </a:xfrm>
+                <a:prstGeom prst="straightConnector1">
+                  <a:avLst/>
+                </a:prstGeom>
+                <a:ln>
+                  <a:tailEnd type="triangle"/>
+                </a:ln>
+              </p:spPr>
+              <p:style>
+                <a:lnRef idx="1">
+                  <a:schemeClr val="dk1"/>
+                </a:lnRef>
+                <a:fillRef idx="0">
+                  <a:schemeClr val="dk1"/>
+                </a:fillRef>
+                <a:effectRef idx="0">
+                  <a:schemeClr val="dk1"/>
+                </a:effectRef>
+                <a:fontRef idx="minor">
+                  <a:schemeClr val="tx1"/>
+                </a:fontRef>
+              </p:style>
+            </p:cxnSp>
+            <p:sp>
+              <p:nvSpPr>
+                <p:cNvPr id="14" name="テキスト ボックス 13">
+                  <a:extLst>
+                    <a:ext uri="{FF2B5EF4-FFF2-40B4-BE49-F238E27FC236}">
+                      <a16:creationId xmlns:a16="http://schemas.microsoft.com/office/drawing/2014/main" id="{3C58C7AC-3B5C-49DE-A43B-99116829B1CE}"/>
+                    </a:ext>
+                  </a:extLst>
+                </p:cNvPr>
+                <p:cNvSpPr txBox="1"/>
+                <p:nvPr/>
+              </p:nvSpPr>
+              <p:spPr>
+                <a:xfrm>
+                  <a:off x="3752162" y="2917367"/>
+                  <a:ext cx="528809" cy="369332"/>
+                </a:xfrm>
+                <a:prstGeom prst="rect">
+                  <a:avLst/>
+                </a:prstGeom>
+                <a:noFill/>
+              </p:spPr>
+              <p:txBody>
+                <a:bodyPr wrap="square" rtlCol="0">
+                  <a:spAutoFit/>
+                </a:bodyPr>
+                <a:lstStyle/>
+                <a:p>
+                  <a:pPr algn="r"/>
+                  <a:r>
+                    <a:rPr kumimoji="1" lang="en-US" altLang="ja-JP" dirty="0"/>
+                    <a:t>H</a:t>
+                  </a:r>
+                  <a:endParaRPr kumimoji="1" lang="ja-JP" altLang="en-US" dirty="0"/>
+                </a:p>
+              </p:txBody>
+            </p:sp>
+          </p:grpSp>
+          <p:sp>
+            <p:nvSpPr>
+              <p:cNvPr id="8" name="テキスト ボックス 7">
+                <a:extLst>
+                  <a:ext uri="{FF2B5EF4-FFF2-40B4-BE49-F238E27FC236}">
+                    <a16:creationId xmlns:a16="http://schemas.microsoft.com/office/drawing/2014/main" id="{0F4E8C27-04F4-4653-A2F3-E611F07737D5}"/>
+                  </a:ext>
+                </a:extLst>
+              </p:cNvPr>
+              <p:cNvSpPr txBox="1"/>
+              <p:nvPr/>
+            </p:nvSpPr>
+            <p:spPr>
+              <a:xfrm>
+                <a:off x="584811" y="2116409"/>
+                <a:ext cx="1234633" cy="369332"/>
+              </a:xfrm>
+              <a:prstGeom prst="rect">
+                <a:avLst/>
+              </a:prstGeom>
+              <a:noFill/>
+            </p:spPr>
+            <p:txBody>
+              <a:bodyPr wrap="none" rtlCol="0">
+                <a:spAutoFit/>
+              </a:bodyPr>
+              <a:lstStyle/>
+              <a:p>
+                <a:r>
+                  <a:rPr kumimoji="1" lang="en-US" altLang="ja-JP" b="1" dirty="0"/>
+                  <a:t>bona fide</a:t>
+                </a:r>
+                <a:endParaRPr kumimoji="1" lang="ja-JP" altLang="en-US" b="1" dirty="0"/>
+              </a:p>
+            </p:txBody>
+          </p:sp>
+        </p:grpSp>
+        <p:sp>
+          <p:nvSpPr>
+            <p:cNvPr id="6" name="テキスト ボックス 5">
+              <a:extLst>
+                <a:ext uri="{FF2B5EF4-FFF2-40B4-BE49-F238E27FC236}">
+                  <a16:creationId xmlns:a16="http://schemas.microsoft.com/office/drawing/2014/main" id="{95D7C541-3B51-4670-B688-8AD6B6574D0D}"/>
+                </a:ext>
+              </a:extLst>
+            </p:cNvPr>
+            <p:cNvSpPr txBox="1"/>
+            <p:nvPr/>
+          </p:nvSpPr>
+          <p:spPr>
+            <a:xfrm>
+              <a:off x="3652270" y="2037851"/>
+              <a:ext cx="627095" cy="369332"/>
+            </a:xfrm>
+            <a:prstGeom prst="rect">
+              <a:avLst/>
+            </a:prstGeom>
+            <a:noFill/>
+          </p:spPr>
+          <p:txBody>
+            <a:bodyPr wrap="none" rtlCol="0">
+              <a:spAutoFit/>
+            </a:bodyPr>
+            <a:lstStyle/>
+            <a:p>
+              <a:r>
+                <a:rPr kumimoji="1" lang="en-US" altLang="ja-JP" dirty="0"/>
+                <a:t>ASV</a:t>
+              </a:r>
+              <a:endParaRPr kumimoji="1" lang="ja-JP" altLang="en-US" dirty="0"/>
+            </a:p>
+          </p:txBody>
+        </p:sp>
+      </p:grpSp>
+    </p:spTree>
+    <p:extLst>
+      <p:ext uri="{BB962C8B-B14F-4D97-AF65-F5344CB8AC3E}">
+        <p14:creationId xmlns:p14="http://schemas.microsoft.com/office/powerpoint/2010/main" val="885561245"/>
+      </p:ext>
+    </p:extLst>
+  </p:cSld>
+  <p:clrMapOvr>
+    <a:masterClrMapping/>
+  </p:clrMapOvr>
+</p:sld>
+</file>
+
+<file path=ppt/slides/slide30.xml><?xml version="1.0" encoding="utf-8"?>
 <p:sld xmlns:a="http://schemas.openxmlformats.org/drawingml/2006/main" xmlns:r="http://schemas.openxmlformats.org/officeDocument/2006/relationships" xmlns:p="http://schemas.openxmlformats.org/presentationml/2006/main">
   <p:cSld>
     <p:spTree>
@@ -11290,416 +12535,6 @@
     <p:extLst>
       <p:ext uri="{BB962C8B-B14F-4D97-AF65-F5344CB8AC3E}">
         <p14:creationId xmlns:p14="http://schemas.microsoft.com/office/powerpoint/2010/main" val="3022638783"/>
-      </p:ext>
-    </p:extLst>
-  </p:cSld>
-  <p:clrMapOvr>
-    <a:masterClrMapping/>
-  </p:clrMapOvr>
-</p:sld>
-</file>
-
-<file path=ppt/slides/slide3.xml><?xml version="1.0" encoding="utf-8"?>
-<p:sld xmlns:a="http://schemas.openxmlformats.org/drawingml/2006/main" xmlns:r="http://schemas.openxmlformats.org/officeDocument/2006/relationships" xmlns:p="http://schemas.openxmlformats.org/presentationml/2006/main">
-  <p:cSld>
-    <p:spTree>
-      <p:nvGrpSpPr>
-        <p:cNvPr id="1" name=""/>
-        <p:cNvGrpSpPr/>
-        <p:nvPr/>
-      </p:nvGrpSpPr>
-      <p:grpSpPr>
-        <a:xfrm>
-          <a:off x="0" y="0"/>
-          <a:ext cx="0" cy="0"/>
-          <a:chOff x="0" y="0"/>
-          <a:chExt cx="0" cy="0"/>
-        </a:xfrm>
-      </p:grpSpPr>
-      <p:grpSp>
-        <p:nvGrpSpPr>
-          <p:cNvPr id="4" name="グループ化 3">
-            <a:extLst>
-              <a:ext uri="{FF2B5EF4-FFF2-40B4-BE49-F238E27FC236}">
-                <a16:creationId xmlns:a16="http://schemas.microsoft.com/office/drawing/2014/main" id="{E8F3872D-78AF-4A58-B9FC-B5F14548510F}"/>
-              </a:ext>
-            </a:extLst>
-          </p:cNvPr>
-          <p:cNvGrpSpPr/>
-          <p:nvPr/>
-        </p:nvGrpSpPr>
-        <p:grpSpPr>
-          <a:xfrm>
-            <a:off x="2865303" y="1009215"/>
-            <a:ext cx="5511189" cy="4179464"/>
-            <a:chOff x="-506317" y="128130"/>
-            <a:chExt cx="5511189" cy="4179464"/>
-          </a:xfrm>
-        </p:grpSpPr>
-        <p:grpSp>
-          <p:nvGrpSpPr>
-            <p:cNvPr id="5" name="グループ化 4">
-              <a:extLst>
-                <a:ext uri="{FF2B5EF4-FFF2-40B4-BE49-F238E27FC236}">
-                  <a16:creationId xmlns:a16="http://schemas.microsoft.com/office/drawing/2014/main" id="{E275FC0D-CA58-4327-9855-D7DD2E5CE62B}"/>
-                </a:ext>
-              </a:extLst>
-            </p:cNvPr>
-            <p:cNvGrpSpPr/>
-            <p:nvPr/>
-          </p:nvGrpSpPr>
-          <p:grpSpPr>
-            <a:xfrm>
-              <a:off x="-506317" y="128130"/>
-              <a:ext cx="5511189" cy="4179464"/>
-              <a:chOff x="584811" y="2116409"/>
-              <a:chExt cx="5511189" cy="4179464"/>
-            </a:xfrm>
-          </p:grpSpPr>
-          <p:grpSp>
-            <p:nvGrpSpPr>
-              <p:cNvPr id="7" name="グループ化 6">
-                <a:extLst>
-                  <a:ext uri="{FF2B5EF4-FFF2-40B4-BE49-F238E27FC236}">
-                    <a16:creationId xmlns:a16="http://schemas.microsoft.com/office/drawing/2014/main" id="{460F010A-4BED-4883-8415-2E207DB8C19D}"/>
-                  </a:ext>
-                </a:extLst>
-              </p:cNvPr>
-              <p:cNvGrpSpPr/>
-              <p:nvPr/>
-            </p:nvGrpSpPr>
-            <p:grpSpPr>
-              <a:xfrm>
-                <a:off x="587566" y="2495052"/>
-                <a:ext cx="5508434" cy="3800821"/>
-                <a:chOff x="1200838" y="2203372"/>
-                <a:chExt cx="5508434" cy="3800821"/>
-              </a:xfrm>
-            </p:grpSpPr>
-            <p:sp>
-              <p:nvSpPr>
-                <p:cNvPr id="9" name="正方形/長方形 8">
-                  <a:extLst>
-                    <a:ext uri="{FF2B5EF4-FFF2-40B4-BE49-F238E27FC236}">
-                      <a16:creationId xmlns:a16="http://schemas.microsoft.com/office/drawing/2014/main" id="{DEE7C451-9473-410C-BBED-7D2914BC4045}"/>
-                    </a:ext>
-                  </a:extLst>
-                </p:cNvPr>
-                <p:cNvSpPr/>
-                <p:nvPr/>
-              </p:nvSpPr>
-              <p:spPr>
-                <a:xfrm>
-                  <a:off x="1200838" y="2203372"/>
-                  <a:ext cx="5508434" cy="3800821"/>
-                </a:xfrm>
-                <a:prstGeom prst="rect">
-                  <a:avLst/>
-                </a:prstGeom>
-                <a:noFill/>
-                <a:ln>
-                  <a:solidFill>
-                    <a:schemeClr val="tx1"/>
-                  </a:solidFill>
-                </a:ln>
-              </p:spPr>
-              <p:style>
-                <a:lnRef idx="2">
-                  <a:schemeClr val="accent1">
-                    <a:shade val="50000"/>
-                  </a:schemeClr>
-                </a:lnRef>
-                <a:fillRef idx="1">
-                  <a:schemeClr val="accent1"/>
-                </a:fillRef>
-                <a:effectRef idx="0">
-                  <a:schemeClr val="accent1"/>
-                </a:effectRef>
-                <a:fontRef idx="minor">
-                  <a:schemeClr val="lt1"/>
-                </a:fontRef>
-              </p:style>
-              <p:txBody>
-                <a:bodyPr rtlCol="0" anchor="ctr"/>
-                <a:lstStyle/>
-                <a:p>
-                  <a:pPr algn="ctr"/>
-                  <a:endParaRPr kumimoji="1" lang="ja-JP" altLang="en-US"/>
-                </a:p>
-              </p:txBody>
-            </p:sp>
-            <p:pic>
-              <p:nvPicPr>
-                <p:cNvPr id="10" name="グラフィックス 9" descr="ユーザー">
-                  <a:extLst>
-                    <a:ext uri="{FF2B5EF4-FFF2-40B4-BE49-F238E27FC236}">
-                      <a16:creationId xmlns:a16="http://schemas.microsoft.com/office/drawing/2014/main" id="{3B022A68-829D-4992-ABA9-2956124D8A35}"/>
-                    </a:ext>
-                  </a:extLst>
-                </p:cNvPr>
-                <p:cNvPicPr>
-                  <a:picLocks noChangeAspect="1"/>
-                </p:cNvPicPr>
-                <p:nvPr/>
-              </p:nvPicPr>
-              <p:blipFill>
-                <a:blip r:embed="rId2">
-                  <a:extLst>
-                    <a:ext uri="{28A0092B-C50C-407E-A947-70E740481C1C}">
-                      <a14:useLocalDpi xmlns:a14="http://schemas.microsoft.com/office/drawing/2010/main" val="0"/>
-                    </a:ext>
-                    <a:ext uri="{96DAC541-7B7A-43D3-8B79-37D633B846F1}">
-                      <asvg:svgBlip xmlns:asvg="http://schemas.microsoft.com/office/drawing/2016/SVG/main" r:embed="rId3"/>
-                    </a:ext>
-                  </a:extLst>
-                </a:blip>
-                <a:stretch>
-                  <a:fillRect/>
-                </a:stretch>
-              </p:blipFill>
-              <p:spPr>
-                <a:xfrm>
-                  <a:off x="1606627" y="2663328"/>
-                  <a:ext cx="1202675" cy="1202675"/>
-                </a:xfrm>
-                <a:prstGeom prst="rect">
-                  <a:avLst/>
-                </a:prstGeom>
-              </p:spPr>
-            </p:pic>
-            <p:pic>
-              <p:nvPicPr>
-                <p:cNvPr id="11" name="グラフィックス 10" descr="無線マイク">
-                  <a:extLst>
-                    <a:ext uri="{FF2B5EF4-FFF2-40B4-BE49-F238E27FC236}">
-                      <a16:creationId xmlns:a16="http://schemas.microsoft.com/office/drawing/2014/main" id="{25465B19-2D11-435B-A3C3-C0CA6284A6A2}"/>
-                    </a:ext>
-                  </a:extLst>
-                </p:cNvPr>
-                <p:cNvPicPr>
-                  <a:picLocks noChangeAspect="1"/>
-                </p:cNvPicPr>
-                <p:nvPr/>
-              </p:nvPicPr>
-              <p:blipFill>
-                <a:blip r:embed="rId4">
-                  <a:extLst>
-                    <a:ext uri="{28A0092B-C50C-407E-A947-70E740481C1C}">
-                      <a14:useLocalDpi xmlns:a14="http://schemas.microsoft.com/office/drawing/2010/main" val="0"/>
-                    </a:ext>
-                    <a:ext uri="{96DAC541-7B7A-43D3-8B79-37D633B846F1}">
-                      <asvg:svgBlip xmlns:asvg="http://schemas.microsoft.com/office/drawing/2016/SVG/main" r:embed="rId5"/>
-                    </a:ext>
-                  </a:extLst>
-                </a:blip>
-                <a:stretch>
-                  <a:fillRect/>
-                </a:stretch>
-              </p:blipFill>
-              <p:spPr>
-                <a:xfrm>
-                  <a:off x="5146713" y="2785430"/>
-                  <a:ext cx="949287" cy="949287"/>
-                </a:xfrm>
-                <a:prstGeom prst="rect">
-                  <a:avLst/>
-                </a:prstGeom>
-              </p:spPr>
-            </p:pic>
-            <p:sp>
-              <p:nvSpPr>
-                <p:cNvPr id="12" name="テキスト ボックス 11">
-                  <a:extLst>
-                    <a:ext uri="{FF2B5EF4-FFF2-40B4-BE49-F238E27FC236}">
-                      <a16:creationId xmlns:a16="http://schemas.microsoft.com/office/drawing/2014/main" id="{E243D446-97F9-4294-A0AF-85E139BBDF48}"/>
-                    </a:ext>
-                  </a:extLst>
-                </p:cNvPr>
-                <p:cNvSpPr txBox="1"/>
-                <p:nvPr/>
-              </p:nvSpPr>
-              <p:spPr>
-                <a:xfrm>
-                  <a:off x="1993135" y="3734450"/>
-                  <a:ext cx="429657" cy="369332"/>
-                </a:xfrm>
-                <a:prstGeom prst="rect">
-                  <a:avLst/>
-                </a:prstGeom>
-                <a:noFill/>
-              </p:spPr>
-              <p:txBody>
-                <a:bodyPr wrap="square" rtlCol="0">
-                  <a:spAutoFit/>
-                </a:bodyPr>
-                <a:lstStyle/>
-                <a:p>
-                  <a:r>
-                    <a:rPr kumimoji="1" lang="en-US" altLang="ja-JP" dirty="0"/>
-                    <a:t>S</a:t>
-                  </a:r>
-                  <a:endParaRPr kumimoji="1" lang="ja-JP" altLang="en-US" dirty="0"/>
-                </a:p>
-              </p:txBody>
-            </p:sp>
-            <p:cxnSp>
-              <p:nvCxnSpPr>
-                <p:cNvPr id="13" name="直線矢印コネクタ 12">
-                  <a:extLst>
-                    <a:ext uri="{FF2B5EF4-FFF2-40B4-BE49-F238E27FC236}">
-                      <a16:creationId xmlns:a16="http://schemas.microsoft.com/office/drawing/2014/main" id="{A6EBE4CF-EAC7-419D-810D-4B07986EFA5D}"/>
-                    </a:ext>
-                  </a:extLst>
-                </p:cNvPr>
-                <p:cNvCxnSpPr>
-                  <a:stCxn id="10" idx="3"/>
-                  <a:endCxn id="11" idx="1"/>
-                </p:cNvCxnSpPr>
-                <p:nvPr/>
-              </p:nvCxnSpPr>
-              <p:spPr>
-                <a:xfrm flipV="1">
-                  <a:off x="2809302" y="3260074"/>
-                  <a:ext cx="2337411" cy="4592"/>
-                </a:xfrm>
-                <a:prstGeom prst="straightConnector1">
-                  <a:avLst/>
-                </a:prstGeom>
-                <a:ln>
-                  <a:tailEnd type="triangle"/>
-                </a:ln>
-              </p:spPr>
-              <p:style>
-                <a:lnRef idx="1">
-                  <a:schemeClr val="dk1"/>
-                </a:lnRef>
-                <a:fillRef idx="0">
-                  <a:schemeClr val="dk1"/>
-                </a:fillRef>
-                <a:effectRef idx="0">
-                  <a:schemeClr val="dk1"/>
-                </a:effectRef>
-                <a:fontRef idx="minor">
-                  <a:schemeClr val="tx1"/>
-                </a:fontRef>
-              </p:style>
-            </p:cxnSp>
-            <p:sp>
-              <p:nvSpPr>
-                <p:cNvPr id="14" name="テキスト ボックス 13">
-                  <a:extLst>
-                    <a:ext uri="{FF2B5EF4-FFF2-40B4-BE49-F238E27FC236}">
-                      <a16:creationId xmlns:a16="http://schemas.microsoft.com/office/drawing/2014/main" id="{3C58C7AC-3B5C-49DE-A43B-99116829B1CE}"/>
-                    </a:ext>
-                  </a:extLst>
-                </p:cNvPr>
-                <p:cNvSpPr txBox="1"/>
-                <p:nvPr/>
-              </p:nvSpPr>
-              <p:spPr>
-                <a:xfrm>
-                  <a:off x="3752162" y="2917367"/>
-                  <a:ext cx="528809" cy="369332"/>
-                </a:xfrm>
-                <a:prstGeom prst="rect">
-                  <a:avLst/>
-                </a:prstGeom>
-                <a:noFill/>
-              </p:spPr>
-              <p:txBody>
-                <a:bodyPr wrap="square" rtlCol="0">
-                  <a:spAutoFit/>
-                </a:bodyPr>
-                <a:lstStyle/>
-                <a:p>
-                  <a:pPr algn="r"/>
-                  <a:r>
-                    <a:rPr kumimoji="1" lang="en-US" altLang="ja-JP" dirty="0"/>
-                    <a:t>H</a:t>
-                  </a:r>
-                  <a:endParaRPr kumimoji="1" lang="ja-JP" altLang="en-US" dirty="0"/>
-                </a:p>
-              </p:txBody>
-            </p:sp>
-          </p:grpSp>
-          <p:sp>
-            <p:nvSpPr>
-              <p:cNvPr id="8" name="テキスト ボックス 7">
-                <a:extLst>
-                  <a:ext uri="{FF2B5EF4-FFF2-40B4-BE49-F238E27FC236}">
-                    <a16:creationId xmlns:a16="http://schemas.microsoft.com/office/drawing/2014/main" id="{0F4E8C27-04F4-4653-A2F3-E611F07737D5}"/>
-                  </a:ext>
-                </a:extLst>
-              </p:cNvPr>
-              <p:cNvSpPr txBox="1"/>
-              <p:nvPr/>
-            </p:nvSpPr>
-            <p:spPr>
-              <a:xfrm>
-                <a:off x="584811" y="2116409"/>
-                <a:ext cx="1234633" cy="369332"/>
-              </a:xfrm>
-              <a:prstGeom prst="rect">
-                <a:avLst/>
-              </a:prstGeom>
-              <a:noFill/>
-            </p:spPr>
-            <p:txBody>
-              <a:bodyPr wrap="none" rtlCol="0">
-                <a:spAutoFit/>
-              </a:bodyPr>
-              <a:lstStyle/>
-              <a:p>
-                <a:r>
-                  <a:rPr kumimoji="1" lang="en-US" altLang="ja-JP" b="1" dirty="0"/>
-                  <a:t>bona fide</a:t>
-                </a:r>
-                <a:endParaRPr kumimoji="1" lang="ja-JP" altLang="en-US" b="1" dirty="0"/>
-              </a:p>
-            </p:txBody>
-          </p:sp>
-        </p:grpSp>
-        <p:sp>
-          <p:nvSpPr>
-            <p:cNvPr id="6" name="テキスト ボックス 5">
-              <a:extLst>
-                <a:ext uri="{FF2B5EF4-FFF2-40B4-BE49-F238E27FC236}">
-                  <a16:creationId xmlns:a16="http://schemas.microsoft.com/office/drawing/2014/main" id="{95D7C541-3B51-4670-B688-8AD6B6574D0D}"/>
-                </a:ext>
-              </a:extLst>
-            </p:cNvPr>
-            <p:cNvSpPr txBox="1"/>
-            <p:nvPr/>
-          </p:nvSpPr>
-          <p:spPr>
-            <a:xfrm>
-              <a:off x="3652270" y="2037851"/>
-              <a:ext cx="627095" cy="369332"/>
-            </a:xfrm>
-            <a:prstGeom prst="rect">
-              <a:avLst/>
-            </a:prstGeom>
-            <a:noFill/>
-          </p:spPr>
-          <p:txBody>
-            <a:bodyPr wrap="none" rtlCol="0">
-              <a:spAutoFit/>
-            </a:bodyPr>
-            <a:lstStyle/>
-            <a:p>
-              <a:r>
-                <a:rPr kumimoji="1" lang="en-US" altLang="ja-JP" dirty="0"/>
-                <a:t>ASV</a:t>
-              </a:r>
-              <a:endParaRPr kumimoji="1" lang="ja-JP" altLang="en-US" dirty="0"/>
-            </a:p>
-          </p:txBody>
-        </p:sp>
-      </p:grpSp>
-    </p:spTree>
-    <p:extLst>
-      <p:ext uri="{BB962C8B-B14F-4D97-AF65-F5344CB8AC3E}">
-        <p14:creationId xmlns:p14="http://schemas.microsoft.com/office/powerpoint/2010/main" val="885561245"/>
       </p:ext>
     </p:extLst>
   </p:cSld>
@@ -12971,6 +13806,999 @@
           <a:chExt cx="0" cy="0"/>
         </a:xfrm>
       </p:grpSpPr>
+      <p:grpSp>
+        <p:nvGrpSpPr>
+          <p:cNvPr id="7" name="グループ化 6">
+            <a:extLst>
+              <a:ext uri="{FF2B5EF4-FFF2-40B4-BE49-F238E27FC236}">
+                <a16:creationId xmlns:a16="http://schemas.microsoft.com/office/drawing/2014/main" id="{36C79268-EBED-284A-AFF5-303BCF2B5DA4}"/>
+              </a:ext>
+            </a:extLst>
+          </p:cNvPr>
+          <p:cNvGrpSpPr/>
+          <p:nvPr/>
+        </p:nvGrpSpPr>
+        <p:grpSpPr>
+          <a:xfrm>
+            <a:off x="358411" y="1102986"/>
+            <a:ext cx="11959727" cy="4140796"/>
+            <a:chOff x="358411" y="1102986"/>
+            <a:chExt cx="11959727" cy="4140796"/>
+          </a:xfrm>
+        </p:grpSpPr>
+        <p:sp>
+          <p:nvSpPr>
+            <p:cNvPr id="36" name="矢印: 下 35">
+              <a:extLst>
+                <a:ext uri="{FF2B5EF4-FFF2-40B4-BE49-F238E27FC236}">
+                  <a16:creationId xmlns:a16="http://schemas.microsoft.com/office/drawing/2014/main" id="{B89C29FA-B3AE-4938-91BD-3F70C668C804}"/>
+                </a:ext>
+              </a:extLst>
+            </p:cNvPr>
+            <p:cNvSpPr/>
+            <p:nvPr/>
+          </p:nvSpPr>
+          <p:spPr>
+            <a:xfrm rot="16200000">
+              <a:off x="5954989" y="2817669"/>
+              <a:ext cx="766573" cy="722449"/>
+            </a:xfrm>
+            <a:prstGeom prst="downArrow">
+              <a:avLst/>
+            </a:prstGeom>
+            <a:solidFill>
+              <a:schemeClr val="accent1"/>
+            </a:solidFill>
+          </p:spPr>
+          <p:style>
+            <a:lnRef idx="2">
+              <a:schemeClr val="accent1">
+                <a:shade val="50000"/>
+              </a:schemeClr>
+            </a:lnRef>
+            <a:fillRef idx="1">
+              <a:schemeClr val="accent1"/>
+            </a:fillRef>
+            <a:effectRef idx="0">
+              <a:schemeClr val="accent1"/>
+            </a:effectRef>
+            <a:fontRef idx="minor">
+              <a:schemeClr val="lt1"/>
+            </a:fontRef>
+          </p:style>
+          <p:txBody>
+            <a:bodyPr rtlCol="0" anchor="ctr"/>
+            <a:lstStyle/>
+            <a:p>
+              <a:pPr algn="ctr"/>
+              <a:endParaRPr kumimoji="1" lang="ja-JP" altLang="en-US"/>
+            </a:p>
+          </p:txBody>
+        </p:sp>
+        <p:cxnSp>
+          <p:nvCxnSpPr>
+            <p:cNvPr id="6" name="直線矢印コネクタ 5">
+              <a:extLst>
+                <a:ext uri="{FF2B5EF4-FFF2-40B4-BE49-F238E27FC236}">
+                  <a16:creationId xmlns:a16="http://schemas.microsoft.com/office/drawing/2014/main" id="{8B281378-D1CD-4E8D-98C8-C59755CD3F7B}"/>
+                </a:ext>
+              </a:extLst>
+            </p:cNvPr>
+            <p:cNvCxnSpPr>
+              <a:cxnSpLocks/>
+            </p:cNvCxnSpPr>
+            <p:nvPr/>
+          </p:nvCxnSpPr>
+          <p:spPr>
+            <a:xfrm>
+              <a:off x="1449533" y="3294342"/>
+              <a:ext cx="602262" cy="654027"/>
+            </a:xfrm>
+            <a:prstGeom prst="straightConnector1">
+              <a:avLst/>
+            </a:prstGeom>
+            <a:ln>
+              <a:tailEnd type="triangle"/>
+            </a:ln>
+          </p:spPr>
+          <p:style>
+            <a:lnRef idx="1">
+              <a:schemeClr val="dk1"/>
+            </a:lnRef>
+            <a:fillRef idx="0">
+              <a:schemeClr val="dk1"/>
+            </a:fillRef>
+            <a:effectRef idx="0">
+              <a:schemeClr val="dk1"/>
+            </a:effectRef>
+            <a:fontRef idx="minor">
+              <a:schemeClr val="tx1"/>
+            </a:fontRef>
+          </p:style>
+        </p:cxnSp>
+        <p:pic>
+          <p:nvPicPr>
+            <p:cNvPr id="8" name="グラフィックス 7" descr="マイク">
+              <a:extLst>
+                <a:ext uri="{FF2B5EF4-FFF2-40B4-BE49-F238E27FC236}">
+                  <a16:creationId xmlns:a16="http://schemas.microsoft.com/office/drawing/2014/main" id="{29E5DB60-5B04-4CE0-AF51-77E3F0D27B9A}"/>
+                </a:ext>
+              </a:extLst>
+            </p:cNvPr>
+            <p:cNvPicPr>
+              <a:picLocks noChangeAspect="1"/>
+            </p:cNvPicPr>
+            <p:nvPr/>
+          </p:nvPicPr>
+          <p:blipFill>
+            <a:blip r:embed="rId2">
+              <a:extLst>
+                <a:ext uri="{28A0092B-C50C-407E-A947-70E740481C1C}">
+                  <a14:useLocalDpi xmlns:a14="http://schemas.microsoft.com/office/drawing/2010/main" val="0"/>
+                </a:ext>
+                <a:ext uri="{96DAC541-7B7A-43D3-8B79-37D633B846F1}">
+                  <asvg:svgBlip xmlns:asvg="http://schemas.microsoft.com/office/drawing/2016/SVG/main" r:embed="rId3"/>
+                </a:ext>
+              </a:extLst>
+            </a:blip>
+            <a:stretch>
+              <a:fillRect/>
+            </a:stretch>
+          </p:blipFill>
+          <p:spPr>
+            <a:xfrm>
+              <a:off x="1737355" y="4018155"/>
+              <a:ext cx="914400" cy="914400"/>
+            </a:xfrm>
+            <a:prstGeom prst="rect">
+              <a:avLst/>
+            </a:prstGeom>
+          </p:spPr>
+        </p:pic>
+        <p:grpSp>
+          <p:nvGrpSpPr>
+            <p:cNvPr id="9" name="グループ化 8">
+              <a:extLst>
+                <a:ext uri="{FF2B5EF4-FFF2-40B4-BE49-F238E27FC236}">
+                  <a16:creationId xmlns:a16="http://schemas.microsoft.com/office/drawing/2014/main" id="{3F2470CF-E0C7-47EA-AE5F-546EC8362AE8}"/>
+                </a:ext>
+              </a:extLst>
+            </p:cNvPr>
+            <p:cNvGrpSpPr/>
+            <p:nvPr/>
+          </p:nvGrpSpPr>
+          <p:grpSpPr>
+            <a:xfrm>
+              <a:off x="358411" y="1102986"/>
+              <a:ext cx="10298241" cy="4140796"/>
+              <a:chOff x="5845366" y="2063784"/>
+              <a:chExt cx="10298241" cy="4140796"/>
+            </a:xfrm>
+          </p:grpSpPr>
+          <p:grpSp>
+            <p:nvGrpSpPr>
+              <p:cNvPr id="11" name="グループ化 10">
+                <a:extLst>
+                  <a:ext uri="{FF2B5EF4-FFF2-40B4-BE49-F238E27FC236}">
+                    <a16:creationId xmlns:a16="http://schemas.microsoft.com/office/drawing/2014/main" id="{6430DB99-43E5-49AA-84D1-EB2A4F7F2D5E}"/>
+                  </a:ext>
+                </a:extLst>
+              </p:cNvPr>
+              <p:cNvGrpSpPr/>
+              <p:nvPr/>
+            </p:nvGrpSpPr>
+            <p:grpSpPr>
+              <a:xfrm>
+                <a:off x="5845366" y="2063784"/>
+                <a:ext cx="10298241" cy="4140796"/>
+                <a:chOff x="5845366" y="2063784"/>
+                <a:chExt cx="10298241" cy="4140796"/>
+              </a:xfrm>
+            </p:grpSpPr>
+            <p:grpSp>
+              <p:nvGrpSpPr>
+                <p:cNvPr id="13" name="グループ化 12">
+                  <a:extLst>
+                    <a:ext uri="{FF2B5EF4-FFF2-40B4-BE49-F238E27FC236}">
+                      <a16:creationId xmlns:a16="http://schemas.microsoft.com/office/drawing/2014/main" id="{63C02EC3-A400-48EF-8CB1-F9244948BC46}"/>
+                    </a:ext>
+                  </a:extLst>
+                </p:cNvPr>
+                <p:cNvGrpSpPr/>
+                <p:nvPr/>
+              </p:nvGrpSpPr>
+              <p:grpSpPr>
+                <a:xfrm>
+                  <a:off x="5845366" y="2403759"/>
+                  <a:ext cx="10298241" cy="3800821"/>
+                  <a:chOff x="1200838" y="2203372"/>
+                  <a:chExt cx="10298241" cy="3800821"/>
+                </a:xfrm>
+              </p:grpSpPr>
+              <p:sp>
+                <p:nvSpPr>
+                  <p:cNvPr id="15" name="正方形/長方形 14">
+                    <a:extLst>
+                      <a:ext uri="{FF2B5EF4-FFF2-40B4-BE49-F238E27FC236}">
+                        <a16:creationId xmlns:a16="http://schemas.microsoft.com/office/drawing/2014/main" id="{1E3F4DFC-9C12-40AE-AA72-13382596C313}"/>
+                      </a:ext>
+                    </a:extLst>
+                  </p:cNvPr>
+                  <p:cNvSpPr/>
+                  <p:nvPr/>
+                </p:nvSpPr>
+                <p:spPr>
+                  <a:xfrm>
+                    <a:off x="1200838" y="2203372"/>
+                    <a:ext cx="5508434" cy="3800821"/>
+                  </a:xfrm>
+                  <a:prstGeom prst="rect">
+                    <a:avLst/>
+                  </a:prstGeom>
+                  <a:noFill/>
+                  <a:ln>
+                    <a:solidFill>
+                      <a:schemeClr val="tx1"/>
+                    </a:solidFill>
+                  </a:ln>
+                </p:spPr>
+                <p:style>
+                  <a:lnRef idx="2">
+                    <a:schemeClr val="accent1">
+                      <a:shade val="50000"/>
+                    </a:schemeClr>
+                  </a:lnRef>
+                  <a:fillRef idx="1">
+                    <a:schemeClr val="accent1"/>
+                  </a:fillRef>
+                  <a:effectRef idx="0">
+                    <a:schemeClr val="accent1"/>
+                  </a:effectRef>
+                  <a:fontRef idx="minor">
+                    <a:schemeClr val="lt1"/>
+                  </a:fontRef>
+                </p:style>
+                <p:txBody>
+                  <a:bodyPr rtlCol="0" anchor="ctr"/>
+                  <a:lstStyle/>
+                  <a:p>
+                    <a:pPr algn="ctr"/>
+                    <a:endParaRPr kumimoji="1" lang="ja-JP" altLang="en-US"/>
+                  </a:p>
+                </p:txBody>
+              </p:sp>
+              <p:pic>
+                <p:nvPicPr>
+                  <p:cNvPr id="16" name="グラフィックス 15" descr="ユーザー">
+                    <a:extLst>
+                      <a:ext uri="{FF2B5EF4-FFF2-40B4-BE49-F238E27FC236}">
+                        <a16:creationId xmlns:a16="http://schemas.microsoft.com/office/drawing/2014/main" id="{BB19570A-43DC-4252-B3B0-574B7BC53BD3}"/>
+                      </a:ext>
+                    </a:extLst>
+                  </p:cNvPr>
+                  <p:cNvPicPr>
+                    <a:picLocks noChangeAspect="1"/>
+                  </p:cNvPicPr>
+                  <p:nvPr/>
+                </p:nvPicPr>
+                <p:blipFill>
+                  <a:blip r:embed="rId4">
+                    <a:extLst>
+                      <a:ext uri="{28A0092B-C50C-407E-A947-70E740481C1C}">
+                        <a14:useLocalDpi xmlns:a14="http://schemas.microsoft.com/office/drawing/2010/main" val="0"/>
+                      </a:ext>
+                      <a:ext uri="{96DAC541-7B7A-43D3-8B79-37D633B846F1}">
+                        <asvg:svgBlip xmlns:asvg="http://schemas.microsoft.com/office/drawing/2016/SVG/main" r:embed="rId5"/>
+                      </a:ext>
+                    </a:extLst>
+                  </a:blip>
+                  <a:stretch>
+                    <a:fillRect/>
+                  </a:stretch>
+                </p:blipFill>
+                <p:spPr>
+                  <a:xfrm>
+                    <a:off x="1606627" y="2663328"/>
+                    <a:ext cx="1202675" cy="1202675"/>
+                  </a:xfrm>
+                  <a:prstGeom prst="rect">
+                    <a:avLst/>
+                  </a:prstGeom>
+                </p:spPr>
+              </p:pic>
+              <p:pic>
+                <p:nvPicPr>
+                  <p:cNvPr id="17" name="グラフィックス 16" descr="無線マイク">
+                    <a:extLst>
+                      <a:ext uri="{FF2B5EF4-FFF2-40B4-BE49-F238E27FC236}">
+                        <a16:creationId xmlns:a16="http://schemas.microsoft.com/office/drawing/2014/main" id="{DD6B3A7F-0CA1-40BF-8EA0-D93AF1F2438C}"/>
+                      </a:ext>
+                    </a:extLst>
+                  </p:cNvPr>
+                  <p:cNvPicPr>
+                    <a:picLocks noChangeAspect="1"/>
+                  </p:cNvPicPr>
+                  <p:nvPr/>
+                </p:nvPicPr>
+                <p:blipFill>
+                  <a:blip r:embed="rId6">
+                    <a:extLst>
+                      <a:ext uri="{28A0092B-C50C-407E-A947-70E740481C1C}">
+                        <a14:useLocalDpi xmlns:a14="http://schemas.microsoft.com/office/drawing/2010/main" val="0"/>
+                      </a:ext>
+                      <a:ext uri="{96DAC541-7B7A-43D3-8B79-37D633B846F1}">
+                        <asvg:svgBlip xmlns:asvg="http://schemas.microsoft.com/office/drawing/2016/SVG/main" r:embed="rId7"/>
+                      </a:ext>
+                    </a:extLst>
+                  </a:blip>
+                  <a:stretch>
+                    <a:fillRect/>
+                  </a:stretch>
+                </p:blipFill>
+                <p:spPr>
+                  <a:xfrm>
+                    <a:off x="5146713" y="2785430"/>
+                    <a:ext cx="949287" cy="949287"/>
+                  </a:xfrm>
+                  <a:prstGeom prst="rect">
+                    <a:avLst/>
+                  </a:prstGeom>
+                </p:spPr>
+              </p:pic>
+              <p:sp>
+                <p:nvSpPr>
+                  <p:cNvPr id="18" name="テキスト ボックス 17">
+                    <a:extLst>
+                      <a:ext uri="{FF2B5EF4-FFF2-40B4-BE49-F238E27FC236}">
+                        <a16:creationId xmlns:a16="http://schemas.microsoft.com/office/drawing/2014/main" id="{EB87F793-2FF6-4A8A-9BDA-CB36D03AAB19}"/>
+                      </a:ext>
+                    </a:extLst>
+                  </p:cNvPr>
+                  <p:cNvSpPr txBox="1"/>
+                  <p:nvPr/>
+                </p:nvSpPr>
+                <p:spPr>
+                  <a:xfrm>
+                    <a:off x="1993135" y="3734450"/>
+                    <a:ext cx="429657" cy="369332"/>
+                  </a:xfrm>
+                  <a:prstGeom prst="rect">
+                    <a:avLst/>
+                  </a:prstGeom>
+                  <a:noFill/>
+                </p:spPr>
+                <p:txBody>
+                  <a:bodyPr wrap="square" rtlCol="0">
+                    <a:spAutoFit/>
+                  </a:bodyPr>
+                  <a:lstStyle/>
+                  <a:p>
+                    <a:r>
+                      <a:rPr kumimoji="1" lang="en-US" altLang="ja-JP" dirty="0"/>
+                      <a:t>S</a:t>
+                    </a:r>
+                    <a:endParaRPr kumimoji="1" lang="ja-JP" altLang="en-US" dirty="0"/>
+                  </a:p>
+                </p:txBody>
+              </p:sp>
+              <p:cxnSp>
+                <p:nvCxnSpPr>
+                  <p:cNvPr id="19" name="直線矢印コネクタ 18">
+                    <a:extLst>
+                      <a:ext uri="{FF2B5EF4-FFF2-40B4-BE49-F238E27FC236}">
+                        <a16:creationId xmlns:a16="http://schemas.microsoft.com/office/drawing/2014/main" id="{8D99B249-2E6C-42CB-887D-3FE0EDC25B2D}"/>
+                      </a:ext>
+                    </a:extLst>
+                  </p:cNvPr>
+                  <p:cNvCxnSpPr>
+                    <a:cxnSpLocks/>
+                  </p:cNvCxnSpPr>
+                  <p:nvPr/>
+                </p:nvCxnSpPr>
+                <p:spPr>
+                  <a:xfrm flipV="1">
+                    <a:off x="9161668" y="3342117"/>
+                    <a:ext cx="2337411" cy="4592"/>
+                  </a:xfrm>
+                  <a:prstGeom prst="straightConnector1">
+                    <a:avLst/>
+                  </a:prstGeom>
+                  <a:ln>
+                    <a:tailEnd type="triangle"/>
+                  </a:ln>
+                </p:spPr>
+                <p:style>
+                  <a:lnRef idx="1">
+                    <a:schemeClr val="dk1"/>
+                  </a:lnRef>
+                  <a:fillRef idx="0">
+                    <a:schemeClr val="dk1"/>
+                  </a:fillRef>
+                  <a:effectRef idx="0">
+                    <a:schemeClr val="dk1"/>
+                  </a:effectRef>
+                  <a:fontRef idx="minor">
+                    <a:schemeClr val="tx1"/>
+                  </a:fontRef>
+                </p:style>
+              </p:cxnSp>
+              <p:sp>
+                <p:nvSpPr>
+                  <p:cNvPr id="20" name="テキスト ボックス 19">
+                    <a:extLst>
+                      <a:ext uri="{FF2B5EF4-FFF2-40B4-BE49-F238E27FC236}">
+                        <a16:creationId xmlns:a16="http://schemas.microsoft.com/office/drawing/2014/main" id="{5F4CC7E1-A38E-4056-BCB0-22943365107B}"/>
+                      </a:ext>
+                    </a:extLst>
+                  </p:cNvPr>
+                  <p:cNvSpPr txBox="1"/>
+                  <p:nvPr/>
+                </p:nvSpPr>
+                <p:spPr>
+                  <a:xfrm>
+                    <a:off x="10107403" y="2972785"/>
+                    <a:ext cx="528809" cy="369332"/>
+                  </a:xfrm>
+                  <a:prstGeom prst="rect">
+                    <a:avLst/>
+                  </a:prstGeom>
+                  <a:noFill/>
+                </p:spPr>
+                <p:txBody>
+                  <a:bodyPr wrap="square" rtlCol="0">
+                    <a:spAutoFit/>
+                  </a:bodyPr>
+                  <a:lstStyle/>
+                  <a:p>
+                    <a:r>
+                      <a:rPr kumimoji="1" lang="en-US" altLang="ja-JP" dirty="0"/>
+                      <a:t>H</a:t>
+                    </a:r>
+                    <a:endParaRPr kumimoji="1" lang="ja-JP" altLang="en-US" dirty="0"/>
+                  </a:p>
+                </p:txBody>
+              </p:sp>
+            </p:grpSp>
+            <p:sp>
+              <p:nvSpPr>
+                <p:cNvPr id="14" name="テキスト ボックス 13">
+                  <a:extLst>
+                    <a:ext uri="{FF2B5EF4-FFF2-40B4-BE49-F238E27FC236}">
+                      <a16:creationId xmlns:a16="http://schemas.microsoft.com/office/drawing/2014/main" id="{ABE3D843-6973-48F9-AED0-B53788FC0AE0}"/>
+                    </a:ext>
+                  </a:extLst>
+                </p:cNvPr>
+                <p:cNvSpPr txBox="1"/>
+                <p:nvPr/>
+              </p:nvSpPr>
+              <p:spPr>
+                <a:xfrm>
+                  <a:off x="5858181" y="2063784"/>
+                  <a:ext cx="808235" cy="369332"/>
+                </a:xfrm>
+                <a:prstGeom prst="rect">
+                  <a:avLst/>
+                </a:prstGeom>
+                <a:noFill/>
+              </p:spPr>
+              <p:txBody>
+                <a:bodyPr wrap="none" rtlCol="0">
+                  <a:spAutoFit/>
+                </a:bodyPr>
+                <a:lstStyle/>
+                <a:p>
+                  <a:r>
+                    <a:rPr kumimoji="1" lang="en-US" altLang="ja-JP" b="1" dirty="0"/>
+                    <a:t>spoof</a:t>
+                  </a:r>
+                  <a:endParaRPr kumimoji="1" lang="ja-JP" altLang="en-US" b="1" dirty="0"/>
+                </a:p>
+              </p:txBody>
+            </p:sp>
+          </p:grpSp>
+          <p:sp>
+            <p:nvSpPr>
+              <p:cNvPr id="12" name="テキスト ボックス 11">
+                <a:extLst>
+                  <a:ext uri="{FF2B5EF4-FFF2-40B4-BE49-F238E27FC236}">
+                    <a16:creationId xmlns:a16="http://schemas.microsoft.com/office/drawing/2014/main" id="{2937DDBA-AD41-4288-BC53-19E286FD221D}"/>
+                  </a:ext>
+                </a:extLst>
+              </p:cNvPr>
+              <p:cNvSpPr txBox="1"/>
+              <p:nvPr/>
+            </p:nvSpPr>
+            <p:spPr>
+              <a:xfrm>
+                <a:off x="9952336" y="3963473"/>
+                <a:ext cx="627095" cy="369332"/>
+              </a:xfrm>
+              <a:prstGeom prst="rect">
+                <a:avLst/>
+              </a:prstGeom>
+              <a:noFill/>
+            </p:spPr>
+            <p:txBody>
+              <a:bodyPr wrap="none" rtlCol="0">
+                <a:spAutoFit/>
+              </a:bodyPr>
+              <a:lstStyle/>
+              <a:p>
+                <a:r>
+                  <a:rPr kumimoji="1" lang="en-US" altLang="ja-JP" dirty="0"/>
+                  <a:t>ASV</a:t>
+                </a:r>
+                <a:endParaRPr kumimoji="1" lang="ja-JP" altLang="en-US" dirty="0"/>
+              </a:p>
+            </p:txBody>
+          </p:sp>
+        </p:grpSp>
+        <p:grpSp>
+          <p:nvGrpSpPr>
+            <p:cNvPr id="22" name="グループ化 21">
+              <a:extLst>
+                <a:ext uri="{FF2B5EF4-FFF2-40B4-BE49-F238E27FC236}">
+                  <a16:creationId xmlns:a16="http://schemas.microsoft.com/office/drawing/2014/main" id="{4E599220-B5D6-456D-B4A7-BB191E5ED543}"/>
+                </a:ext>
+              </a:extLst>
+            </p:cNvPr>
+            <p:cNvGrpSpPr/>
+            <p:nvPr/>
+          </p:nvGrpSpPr>
+          <p:grpSpPr>
+            <a:xfrm>
+              <a:off x="1750663" y="1426982"/>
+              <a:ext cx="10567475" cy="3800821"/>
+              <a:chOff x="786325" y="2403759"/>
+              <a:chExt cx="10567475" cy="3800821"/>
+            </a:xfrm>
+          </p:grpSpPr>
+          <p:grpSp>
+            <p:nvGrpSpPr>
+              <p:cNvPr id="27" name="グループ化 26">
+                <a:extLst>
+                  <a:ext uri="{FF2B5EF4-FFF2-40B4-BE49-F238E27FC236}">
+                    <a16:creationId xmlns:a16="http://schemas.microsoft.com/office/drawing/2014/main" id="{B8209486-C443-48ED-907D-A51D31979285}"/>
+                  </a:ext>
+                </a:extLst>
+              </p:cNvPr>
+              <p:cNvGrpSpPr/>
+              <p:nvPr/>
+            </p:nvGrpSpPr>
+            <p:grpSpPr>
+              <a:xfrm>
+                <a:off x="5845366" y="2403759"/>
+                <a:ext cx="5508434" cy="3800821"/>
+                <a:chOff x="5845366" y="2403759"/>
+                <a:chExt cx="5508434" cy="3800821"/>
+              </a:xfrm>
+            </p:grpSpPr>
+            <p:grpSp>
+              <p:nvGrpSpPr>
+                <p:cNvPr id="29" name="グループ化 28">
+                  <a:extLst>
+                    <a:ext uri="{FF2B5EF4-FFF2-40B4-BE49-F238E27FC236}">
+                      <a16:creationId xmlns:a16="http://schemas.microsoft.com/office/drawing/2014/main" id="{95B49870-311D-45BF-90C8-7866A53ABFB4}"/>
+                    </a:ext>
+                  </a:extLst>
+                </p:cNvPr>
+                <p:cNvGrpSpPr/>
+                <p:nvPr/>
+              </p:nvGrpSpPr>
+              <p:grpSpPr>
+                <a:xfrm>
+                  <a:off x="5845366" y="2403759"/>
+                  <a:ext cx="5508434" cy="3800821"/>
+                  <a:chOff x="1200838" y="2203372"/>
+                  <a:chExt cx="5508434" cy="3800821"/>
+                </a:xfrm>
+              </p:grpSpPr>
+              <p:sp>
+                <p:nvSpPr>
+                  <p:cNvPr id="31" name="正方形/長方形 30">
+                    <a:extLst>
+                      <a:ext uri="{FF2B5EF4-FFF2-40B4-BE49-F238E27FC236}">
+                        <a16:creationId xmlns:a16="http://schemas.microsoft.com/office/drawing/2014/main" id="{E5808255-16D5-44DA-9DD3-E4FE0ABA5BF5}"/>
+                      </a:ext>
+                    </a:extLst>
+                  </p:cNvPr>
+                  <p:cNvSpPr/>
+                  <p:nvPr/>
+                </p:nvSpPr>
+                <p:spPr>
+                  <a:xfrm>
+                    <a:off x="1200838" y="2203372"/>
+                    <a:ext cx="5508434" cy="3800821"/>
+                  </a:xfrm>
+                  <a:prstGeom prst="rect">
+                    <a:avLst/>
+                  </a:prstGeom>
+                  <a:noFill/>
+                  <a:ln>
+                    <a:solidFill>
+                      <a:schemeClr val="tx1"/>
+                    </a:solidFill>
+                  </a:ln>
+                </p:spPr>
+                <p:style>
+                  <a:lnRef idx="2">
+                    <a:schemeClr val="accent1">
+                      <a:shade val="50000"/>
+                    </a:schemeClr>
+                  </a:lnRef>
+                  <a:fillRef idx="1">
+                    <a:schemeClr val="accent1"/>
+                  </a:fillRef>
+                  <a:effectRef idx="0">
+                    <a:schemeClr val="accent1"/>
+                  </a:effectRef>
+                  <a:fontRef idx="minor">
+                    <a:schemeClr val="lt1"/>
+                  </a:fontRef>
+                </p:style>
+                <p:txBody>
+                  <a:bodyPr rtlCol="0" anchor="ctr"/>
+                  <a:lstStyle/>
+                  <a:p>
+                    <a:pPr algn="ctr"/>
+                    <a:endParaRPr kumimoji="1" lang="ja-JP" altLang="en-US"/>
+                  </a:p>
+                </p:txBody>
+              </p:sp>
+              <p:pic>
+                <p:nvPicPr>
+                  <p:cNvPr id="32" name="グラフィックス 31" descr="無線マイク">
+                    <a:extLst>
+                      <a:ext uri="{FF2B5EF4-FFF2-40B4-BE49-F238E27FC236}">
+                        <a16:creationId xmlns:a16="http://schemas.microsoft.com/office/drawing/2014/main" id="{02191EC2-E341-4088-AB13-154C6BE88ED5}"/>
+                      </a:ext>
+                    </a:extLst>
+                  </p:cNvPr>
+                  <p:cNvPicPr>
+                    <a:picLocks noChangeAspect="1"/>
+                  </p:cNvPicPr>
+                  <p:nvPr/>
+                </p:nvPicPr>
+                <p:blipFill>
+                  <a:blip r:embed="rId6">
+                    <a:extLst>
+                      <a:ext uri="{28A0092B-C50C-407E-A947-70E740481C1C}">
+                        <a14:useLocalDpi xmlns:a14="http://schemas.microsoft.com/office/drawing/2010/main" val="0"/>
+                      </a:ext>
+                      <a:ext uri="{96DAC541-7B7A-43D3-8B79-37D633B846F1}">
+                        <asvg:svgBlip xmlns:asvg="http://schemas.microsoft.com/office/drawing/2016/SVG/main" r:embed="rId7"/>
+                      </a:ext>
+                    </a:extLst>
+                  </a:blip>
+                  <a:stretch>
+                    <a:fillRect/>
+                  </a:stretch>
+                </p:blipFill>
+                <p:spPr>
+                  <a:xfrm>
+                    <a:off x="5146713" y="2785430"/>
+                    <a:ext cx="949287" cy="949287"/>
+                  </a:xfrm>
+                  <a:prstGeom prst="rect">
+                    <a:avLst/>
+                  </a:prstGeom>
+                </p:spPr>
+              </p:pic>
+            </p:grpSp>
+            <p:sp>
+              <p:nvSpPr>
+                <p:cNvPr id="30" name="テキスト ボックス 29">
+                  <a:extLst>
+                    <a:ext uri="{FF2B5EF4-FFF2-40B4-BE49-F238E27FC236}">
+                      <a16:creationId xmlns:a16="http://schemas.microsoft.com/office/drawing/2014/main" id="{B8EC5018-136E-4FA8-83D1-57843CEDF8DF}"/>
+                    </a:ext>
+                  </a:extLst>
+                </p:cNvPr>
+                <p:cNvSpPr txBox="1"/>
+                <p:nvPr/>
+              </p:nvSpPr>
+              <p:spPr>
+                <a:xfrm>
+                  <a:off x="9952336" y="3963473"/>
+                  <a:ext cx="627095" cy="369332"/>
+                </a:xfrm>
+                <a:prstGeom prst="rect">
+                  <a:avLst/>
+                </a:prstGeom>
+                <a:noFill/>
+              </p:spPr>
+              <p:txBody>
+                <a:bodyPr wrap="none" rtlCol="0">
+                  <a:spAutoFit/>
+                </a:bodyPr>
+                <a:lstStyle/>
+                <a:p>
+                  <a:r>
+                    <a:rPr kumimoji="1" lang="en-US" altLang="ja-JP" dirty="0"/>
+                    <a:t>ASV</a:t>
+                  </a:r>
+                  <a:endParaRPr kumimoji="1" lang="ja-JP" altLang="en-US" dirty="0"/>
+                </a:p>
+              </p:txBody>
+            </p:sp>
+          </p:grpSp>
+          <p:sp>
+            <p:nvSpPr>
+              <p:cNvPr id="25" name="テキスト ボックス 24">
+                <a:extLst>
+                  <a:ext uri="{FF2B5EF4-FFF2-40B4-BE49-F238E27FC236}">
+                    <a16:creationId xmlns:a16="http://schemas.microsoft.com/office/drawing/2014/main" id="{2D0B0CD9-4CC8-406A-A2CF-9D2F2B97C113}"/>
+                  </a:ext>
+                </a:extLst>
+              </p:cNvPr>
+              <p:cNvSpPr txBox="1"/>
+              <p:nvPr/>
+            </p:nvSpPr>
+            <p:spPr>
+              <a:xfrm>
+                <a:off x="786325" y="4376610"/>
+                <a:ext cx="429657" cy="369332"/>
+              </a:xfrm>
+              <a:prstGeom prst="rect">
+                <a:avLst/>
+              </a:prstGeom>
+              <a:noFill/>
+            </p:spPr>
+            <p:txBody>
+              <a:bodyPr wrap="square" rtlCol="0">
+                <a:spAutoFit/>
+              </a:bodyPr>
+              <a:lstStyle/>
+              <a:p>
+                <a:r>
+                  <a:rPr kumimoji="1" lang="en-US" altLang="ja-JP" dirty="0"/>
+                  <a:t>P</a:t>
+                </a:r>
+                <a:endParaRPr kumimoji="1" lang="ja-JP" altLang="en-US" dirty="0"/>
+              </a:p>
+            </p:txBody>
+          </p:sp>
+        </p:grpSp>
+        <p:cxnSp>
+          <p:nvCxnSpPr>
+            <p:cNvPr id="40" name="直線矢印コネクタ 39">
+              <a:extLst>
+                <a:ext uri="{FF2B5EF4-FFF2-40B4-BE49-F238E27FC236}">
+                  <a16:creationId xmlns:a16="http://schemas.microsoft.com/office/drawing/2014/main" id="{B73913EC-7B51-4FF8-A9E8-B2DB05E47606}"/>
+                </a:ext>
+              </a:extLst>
+            </p:cNvPr>
+            <p:cNvCxnSpPr>
+              <a:cxnSpLocks/>
+            </p:cNvCxnSpPr>
+            <p:nvPr/>
+          </p:nvCxnSpPr>
+          <p:spPr>
+            <a:xfrm flipH="1" flipV="1">
+              <a:off x="7714071" y="2795606"/>
+              <a:ext cx="608611" cy="973559"/>
+            </a:xfrm>
+            <a:prstGeom prst="straightConnector1">
+              <a:avLst/>
+            </a:prstGeom>
+            <a:ln>
+              <a:tailEnd type="triangle"/>
+            </a:ln>
+          </p:spPr>
+          <p:style>
+            <a:lnRef idx="1">
+              <a:schemeClr val="dk1"/>
+            </a:lnRef>
+            <a:fillRef idx="0">
+              <a:schemeClr val="dk1"/>
+            </a:fillRef>
+            <a:effectRef idx="0">
+              <a:schemeClr val="dk1"/>
+            </a:effectRef>
+            <a:fontRef idx="minor">
+              <a:schemeClr val="tx1"/>
+            </a:fontRef>
+          </p:style>
+        </p:cxnSp>
+        <p:pic>
+          <p:nvPicPr>
+            <p:cNvPr id="39" name="図 38">
+              <a:extLst>
+                <a:ext uri="{FF2B5EF4-FFF2-40B4-BE49-F238E27FC236}">
+                  <a16:creationId xmlns:a16="http://schemas.microsoft.com/office/drawing/2014/main" id="{F940DFC2-834D-4F43-BD3D-C91F4973D327}"/>
+                </a:ext>
+              </a:extLst>
+            </p:cNvPr>
+            <p:cNvPicPr>
+              <a:picLocks noChangeAspect="1"/>
+            </p:cNvPicPr>
+            <p:nvPr/>
+          </p:nvPicPr>
+          <p:blipFill rotWithShape="1">
+            <a:blip r:embed="rId8"/>
+            <a:srcRect l="52153" t="57474" r="33367" b="3601"/>
+            <a:stretch/>
+          </p:blipFill>
+          <p:spPr>
+            <a:xfrm>
+              <a:off x="2469645" y="4137793"/>
+              <a:ext cx="474427" cy="794762"/>
+            </a:xfrm>
+            <a:prstGeom prst="rect">
+              <a:avLst/>
+            </a:prstGeom>
+          </p:spPr>
+        </p:pic>
+        <p:pic>
+          <p:nvPicPr>
+            <p:cNvPr id="44" name="グラフィックス 43" descr="マイク">
+              <a:extLst>
+                <a:ext uri="{FF2B5EF4-FFF2-40B4-BE49-F238E27FC236}">
+                  <a16:creationId xmlns:a16="http://schemas.microsoft.com/office/drawing/2014/main" id="{08305350-EB38-CD45-8A91-88548EA34427}"/>
+                </a:ext>
+              </a:extLst>
+            </p:cNvPr>
+            <p:cNvPicPr>
+              <a:picLocks noChangeAspect="1"/>
+            </p:cNvPicPr>
+            <p:nvPr/>
+          </p:nvPicPr>
+          <p:blipFill>
+            <a:blip r:embed="rId2">
+              <a:lum bright="70000" contrast="-70000"/>
+              <a:extLst>
+                <a:ext uri="{28A0092B-C50C-407E-A947-70E740481C1C}">
+                  <a14:useLocalDpi xmlns:a14="http://schemas.microsoft.com/office/drawing/2010/main" val="0"/>
+                </a:ext>
+                <a:ext uri="{96DAC541-7B7A-43D3-8B79-37D633B846F1}">
+                  <asvg:svgBlip xmlns:asvg="http://schemas.microsoft.com/office/drawing/2016/SVG/main" r:embed="rId3"/>
+                </a:ext>
+              </a:extLst>
+            </a:blip>
+            <a:stretch>
+              <a:fillRect/>
+            </a:stretch>
+          </p:blipFill>
+          <p:spPr>
+            <a:xfrm>
+              <a:off x="7714071" y="3951897"/>
+              <a:ext cx="914400" cy="914400"/>
+            </a:xfrm>
+            <a:prstGeom prst="rect">
+              <a:avLst/>
+            </a:prstGeom>
+          </p:spPr>
+        </p:pic>
+        <p:pic>
+          <p:nvPicPr>
+            <p:cNvPr id="47" name="図 46">
+              <a:extLst>
+                <a:ext uri="{FF2B5EF4-FFF2-40B4-BE49-F238E27FC236}">
+                  <a16:creationId xmlns:a16="http://schemas.microsoft.com/office/drawing/2014/main" id="{3BB86273-9E19-1741-90F2-84F0EE663F37}"/>
+                </a:ext>
+              </a:extLst>
+            </p:cNvPr>
+            <p:cNvPicPr>
+              <a:picLocks noChangeAspect="1"/>
+            </p:cNvPicPr>
+            <p:nvPr/>
+          </p:nvPicPr>
+          <p:blipFill rotWithShape="1">
+            <a:blip r:embed="rId8">
+              <a:lum bright="70000" contrast="-70000"/>
+            </a:blip>
+            <a:srcRect l="52153" t="57474" r="33367" b="3601"/>
+            <a:stretch/>
+          </p:blipFill>
+          <p:spPr>
+            <a:xfrm>
+              <a:off x="8446361" y="4071535"/>
+              <a:ext cx="474427" cy="794762"/>
+            </a:xfrm>
+            <a:prstGeom prst="rect">
+              <a:avLst/>
+            </a:prstGeom>
+          </p:spPr>
+        </p:pic>
+        <p:pic>
+          <p:nvPicPr>
+            <p:cNvPr id="48" name="図 47">
+              <a:extLst>
+                <a:ext uri="{FF2B5EF4-FFF2-40B4-BE49-F238E27FC236}">
+                  <a16:creationId xmlns:a16="http://schemas.microsoft.com/office/drawing/2014/main" id="{59FB36E6-364F-1547-91D4-0F6E10FC0A49}"/>
+                </a:ext>
+              </a:extLst>
+            </p:cNvPr>
+            <p:cNvPicPr>
+              <a:picLocks noChangeAspect="1"/>
+            </p:cNvPicPr>
+            <p:nvPr/>
+          </p:nvPicPr>
+          <p:blipFill rotWithShape="1">
+            <a:blip r:embed="rId8"/>
+            <a:srcRect l="52153" t="57474" r="33367" b="3601"/>
+            <a:stretch/>
+          </p:blipFill>
+          <p:spPr>
+            <a:xfrm>
+              <a:off x="7095736" y="1734236"/>
+              <a:ext cx="474427" cy="794762"/>
+            </a:xfrm>
+            <a:prstGeom prst="rect">
+              <a:avLst/>
+            </a:prstGeom>
+          </p:spPr>
+        </p:pic>
+        <p:pic>
+          <p:nvPicPr>
+            <p:cNvPr id="3" name="グラフィックス 2" descr="ボリューム 単色塗りつぶし">
+              <a:extLst>
+                <a:ext uri="{FF2B5EF4-FFF2-40B4-BE49-F238E27FC236}">
+                  <a16:creationId xmlns:a16="http://schemas.microsoft.com/office/drawing/2014/main" id="{9F5C3332-363B-394D-B6BC-1017C593AE2F}"/>
+                </a:ext>
+              </a:extLst>
+            </p:cNvPr>
+            <p:cNvPicPr>
+              <a:picLocks noChangeAspect="1"/>
+            </p:cNvPicPr>
+            <p:nvPr/>
+          </p:nvPicPr>
+          <p:blipFill>
+            <a:blip r:embed="rId9">
+              <a:extLst>
+                <a:ext uri="{28A0092B-C50C-407E-A947-70E740481C1C}">
+                  <a14:useLocalDpi xmlns:a14="http://schemas.microsoft.com/office/drawing/2010/main" val="0"/>
+                </a:ext>
+                <a:ext uri="{96DAC541-7B7A-43D3-8B79-37D633B846F1}">
+                  <asvg:svgBlip xmlns:asvg="http://schemas.microsoft.com/office/drawing/2016/SVG/main" r:embed="rId10"/>
+                </a:ext>
+              </a:extLst>
+            </a:blip>
+            <a:stretch>
+              <a:fillRect/>
+            </a:stretch>
+          </p:blipFill>
+          <p:spPr>
+            <a:xfrm>
+              <a:off x="7617866" y="2298181"/>
+              <a:ext cx="517865" cy="517865"/>
+            </a:xfrm>
+            <a:prstGeom prst="rect">
+              <a:avLst/>
+            </a:prstGeom>
+          </p:spPr>
+        </p:pic>
+      </p:grpSp>
+    </p:spTree>
+    <p:extLst>
+      <p:ext uri="{BB962C8B-B14F-4D97-AF65-F5344CB8AC3E}">
+        <p14:creationId xmlns:p14="http://schemas.microsoft.com/office/powerpoint/2010/main" val="1952675665"/>
+      </p:ext>
+    </p:extLst>
+  </p:cSld>
+  <p:clrMapOvr>
+    <a:masterClrMapping/>
+  </p:clrMapOvr>
+</p:sld>
+</file>
+
+<file path=ppt/slides/slide7.xml><?xml version="1.0" encoding="utf-8"?>
+<p:sld xmlns:a="http://schemas.openxmlformats.org/drawingml/2006/main" xmlns:r="http://schemas.openxmlformats.org/officeDocument/2006/relationships" xmlns:p="http://schemas.openxmlformats.org/presentationml/2006/main">
+  <p:cSld>
+    <p:spTree>
+      <p:nvGrpSpPr>
+        <p:cNvPr id="1" name=""/>
+        <p:cNvGrpSpPr/>
+        <p:nvPr/>
+      </p:nvGrpSpPr>
+      <p:grpSpPr>
+        <a:xfrm>
+          <a:off x="0" y="0"/>
+          <a:ext cx="0" cy="0"/>
+          <a:chOff x="0" y="0"/>
+          <a:chExt cx="0" cy="0"/>
+        </a:xfrm>
+      </p:grpSpPr>
       <p:pic>
         <p:nvPicPr>
           <p:cNvPr id="7" name="図 6">
@@ -13014,7 +14842,7 @@
 </p:sld>
 </file>
 
-<file path=ppt/slides/slide7.xml><?xml version="1.0" encoding="utf-8"?>
+<file path=ppt/slides/slide8.xml><?xml version="1.0" encoding="utf-8"?>
 <p:sld xmlns:a="http://schemas.openxmlformats.org/drawingml/2006/main" xmlns:r="http://schemas.openxmlformats.org/officeDocument/2006/relationships" xmlns:p="http://schemas.openxmlformats.org/presentationml/2006/main">
   <p:cSld>
     <p:spTree>
@@ -13125,7 +14953,7 @@
 </p:sld>
 </file>
 
-<file path=ppt/slides/slide8.xml><?xml version="1.0" encoding="utf-8"?>
+<file path=ppt/slides/slide9.xml><?xml version="1.0" encoding="utf-8"?>
 <p:sld xmlns:a="http://schemas.openxmlformats.org/drawingml/2006/main" xmlns:r="http://schemas.openxmlformats.org/officeDocument/2006/relationships" xmlns:p="http://schemas.openxmlformats.org/presentationml/2006/main">
   <p:cSld>
     <p:spTree>
@@ -13176,924 +15004,6 @@
     <p:extLst>
       <p:ext uri="{BB962C8B-B14F-4D97-AF65-F5344CB8AC3E}">
         <p14:creationId xmlns:p14="http://schemas.microsoft.com/office/powerpoint/2010/main" val="2106412644"/>
-      </p:ext>
-    </p:extLst>
-  </p:cSld>
-  <p:clrMapOvr>
-    <a:masterClrMapping/>
-  </p:clrMapOvr>
-</p:sld>
-</file>
-
-<file path=ppt/slides/slide9.xml><?xml version="1.0" encoding="utf-8"?>
-<p:sld xmlns:a="http://schemas.openxmlformats.org/drawingml/2006/main" xmlns:r="http://schemas.openxmlformats.org/officeDocument/2006/relationships" xmlns:p="http://schemas.openxmlformats.org/presentationml/2006/main">
-  <p:cSld>
-    <p:spTree>
-      <p:nvGrpSpPr>
-        <p:cNvPr id="1" name=""/>
-        <p:cNvGrpSpPr/>
-        <p:nvPr/>
-      </p:nvGrpSpPr>
-      <p:grpSpPr>
-        <a:xfrm>
-          <a:off x="0" y="0"/>
-          <a:ext cx="0" cy="0"/>
-          <a:chOff x="0" y="0"/>
-          <a:chExt cx="0" cy="0"/>
-        </a:xfrm>
-      </p:grpSpPr>
-      <p:grpSp>
-        <p:nvGrpSpPr>
-          <p:cNvPr id="35" name="グループ化 34">
-            <a:extLst>
-              <a:ext uri="{FF2B5EF4-FFF2-40B4-BE49-F238E27FC236}">
-                <a16:creationId xmlns:a16="http://schemas.microsoft.com/office/drawing/2014/main" id="{ED18A947-55D1-4FDF-A7BF-4530B58D79A3}"/>
-              </a:ext>
-            </a:extLst>
-          </p:cNvPr>
-          <p:cNvGrpSpPr/>
-          <p:nvPr/>
-        </p:nvGrpSpPr>
-        <p:grpSpPr>
-          <a:xfrm>
-            <a:off x="913805" y="2703273"/>
-            <a:ext cx="9095312" cy="914400"/>
-            <a:chOff x="926338" y="3058115"/>
-            <a:chExt cx="9095312" cy="914400"/>
-          </a:xfrm>
-        </p:grpSpPr>
-        <p:sp>
-          <p:nvSpPr>
-            <p:cNvPr id="14" name="正方形/長方形 13">
-              <a:extLst>
-                <a:ext uri="{FF2B5EF4-FFF2-40B4-BE49-F238E27FC236}">
-                  <a16:creationId xmlns:a16="http://schemas.microsoft.com/office/drawing/2014/main" id="{7ADE3A2F-393F-43C6-A275-1D1F589F5BEF}"/>
-                </a:ext>
-              </a:extLst>
-            </p:cNvPr>
-            <p:cNvSpPr/>
-            <p:nvPr/>
-          </p:nvSpPr>
-          <p:spPr>
-            <a:xfrm>
-              <a:off x="926338" y="3058115"/>
-              <a:ext cx="914400" cy="914400"/>
-            </a:xfrm>
-            <a:prstGeom prst="rect">
-              <a:avLst/>
-            </a:prstGeom>
-          </p:spPr>
-          <p:style>
-            <a:lnRef idx="2">
-              <a:schemeClr val="dk1"/>
-            </a:lnRef>
-            <a:fillRef idx="1">
-              <a:schemeClr val="lt1"/>
-            </a:fillRef>
-            <a:effectRef idx="0">
-              <a:schemeClr val="dk1"/>
-            </a:effectRef>
-            <a:fontRef idx="minor">
-              <a:schemeClr val="dk1"/>
-            </a:fontRef>
-          </p:style>
-          <p:txBody>
-            <a:bodyPr rtlCol="0" anchor="ctr"/>
-            <a:lstStyle/>
-            <a:p>
-              <a:pPr algn="ctr"/>
-              <a:r>
-                <a:rPr lang="ja-JP" altLang="en-US" dirty="0"/>
-                <a:t>音声</a:t>
-              </a:r>
-              <a:endParaRPr lang="en-US" altLang="ja-JP" dirty="0"/>
-            </a:p>
-            <a:p>
-              <a:pPr algn="ctr"/>
-              <a:r>
-                <a:rPr kumimoji="1" lang="en-US" altLang="ja-JP" dirty="0"/>
-                <a:t>S</a:t>
-              </a:r>
-              <a:endParaRPr kumimoji="1" lang="ja-JP" altLang="en-US" dirty="0"/>
-            </a:p>
-          </p:txBody>
-        </p:sp>
-        <p:sp>
-          <p:nvSpPr>
-            <p:cNvPr id="15" name="正方形/長方形 14">
-              <a:extLst>
-                <a:ext uri="{FF2B5EF4-FFF2-40B4-BE49-F238E27FC236}">
-                  <a16:creationId xmlns:a16="http://schemas.microsoft.com/office/drawing/2014/main" id="{950D0653-940F-43E9-87CA-0C0C8ABA26E9}"/>
-                </a:ext>
-              </a:extLst>
-            </p:cNvPr>
-            <p:cNvSpPr/>
-            <p:nvPr/>
-          </p:nvSpPr>
-          <p:spPr>
-            <a:xfrm>
-              <a:off x="2440239" y="3058115"/>
-              <a:ext cx="1758108" cy="914400"/>
-            </a:xfrm>
-            <a:prstGeom prst="rect">
-              <a:avLst/>
-            </a:prstGeom>
-          </p:spPr>
-          <p:style>
-            <a:lnRef idx="2">
-              <a:schemeClr val="dk1"/>
-            </a:lnRef>
-            <a:fillRef idx="1">
-              <a:schemeClr val="lt1"/>
-            </a:fillRef>
-            <a:effectRef idx="0">
-              <a:schemeClr val="dk1"/>
-            </a:effectRef>
-            <a:fontRef idx="minor">
-              <a:schemeClr val="dk1"/>
-            </a:fontRef>
-          </p:style>
-          <p:txBody>
-            <a:bodyPr rtlCol="0" anchor="ctr"/>
-            <a:lstStyle/>
-            <a:p>
-              <a:pPr algn="ctr"/>
-              <a:r>
-                <a:rPr lang="ja-JP" altLang="en-US" dirty="0"/>
-                <a:t>室内伝達関数</a:t>
-              </a:r>
-              <a:endParaRPr lang="en-US" altLang="ja-JP" dirty="0"/>
-            </a:p>
-            <a:p>
-              <a:pPr algn="ctr"/>
-              <a:r>
-                <a:rPr kumimoji="1" lang="en-US" altLang="ja-JP" dirty="0"/>
-                <a:t>P</a:t>
-              </a:r>
-              <a:endParaRPr kumimoji="1" lang="ja-JP" altLang="en-US" dirty="0"/>
-            </a:p>
-          </p:txBody>
-        </p:sp>
-        <p:cxnSp>
-          <p:nvCxnSpPr>
-            <p:cNvPr id="20" name="直線矢印コネクタ 19">
-              <a:extLst>
-                <a:ext uri="{FF2B5EF4-FFF2-40B4-BE49-F238E27FC236}">
-                  <a16:creationId xmlns:a16="http://schemas.microsoft.com/office/drawing/2014/main" id="{6E29C626-C678-42F7-844E-199D07420B61}"/>
-                </a:ext>
-              </a:extLst>
-            </p:cNvPr>
-            <p:cNvCxnSpPr/>
-            <p:nvPr/>
-          </p:nvCxnSpPr>
-          <p:spPr>
-            <a:xfrm>
-              <a:off x="1903167" y="3557546"/>
-              <a:ext cx="484742" cy="0"/>
-            </a:xfrm>
-            <a:prstGeom prst="straightConnector1">
-              <a:avLst/>
-            </a:prstGeom>
-            <a:ln>
-              <a:tailEnd type="triangle"/>
-            </a:ln>
-          </p:spPr>
-          <p:style>
-            <a:lnRef idx="1">
-              <a:schemeClr val="dk1"/>
-            </a:lnRef>
-            <a:fillRef idx="0">
-              <a:schemeClr val="dk1"/>
-            </a:fillRef>
-            <a:effectRef idx="0">
-              <a:schemeClr val="dk1"/>
-            </a:effectRef>
-            <a:fontRef idx="minor">
-              <a:schemeClr val="tx1"/>
-            </a:fontRef>
-          </p:style>
-        </p:cxnSp>
-        <p:cxnSp>
-          <p:nvCxnSpPr>
-            <p:cNvPr id="21" name="直線矢印コネクタ 20">
-              <a:extLst>
-                <a:ext uri="{FF2B5EF4-FFF2-40B4-BE49-F238E27FC236}">
-                  <a16:creationId xmlns:a16="http://schemas.microsoft.com/office/drawing/2014/main" id="{21EDEF18-2639-490F-A8A7-7FF3BA5AE108}"/>
-                </a:ext>
-              </a:extLst>
-            </p:cNvPr>
-            <p:cNvCxnSpPr/>
-            <p:nvPr/>
-          </p:nvCxnSpPr>
-          <p:spPr>
-            <a:xfrm>
-              <a:off x="4268120" y="3544693"/>
-              <a:ext cx="484742" cy="0"/>
-            </a:xfrm>
-            <a:prstGeom prst="straightConnector1">
-              <a:avLst/>
-            </a:prstGeom>
-            <a:ln>
-              <a:tailEnd type="triangle"/>
-            </a:ln>
-          </p:spPr>
-          <p:style>
-            <a:lnRef idx="1">
-              <a:schemeClr val="dk1"/>
-            </a:lnRef>
-            <a:fillRef idx="0">
-              <a:schemeClr val="dk1"/>
-            </a:fillRef>
-            <a:effectRef idx="0">
-              <a:schemeClr val="dk1"/>
-            </a:effectRef>
-            <a:fontRef idx="minor">
-              <a:schemeClr val="tx1"/>
-            </a:fontRef>
-          </p:style>
-        </p:cxnSp>
-        <p:cxnSp>
-          <p:nvCxnSpPr>
-            <p:cNvPr id="22" name="直線矢印コネクタ 21">
-              <a:extLst>
-                <a:ext uri="{FF2B5EF4-FFF2-40B4-BE49-F238E27FC236}">
-                  <a16:creationId xmlns:a16="http://schemas.microsoft.com/office/drawing/2014/main" id="{3FA3ECC1-6232-46DA-B0FD-AAD9F436531A}"/>
-                </a:ext>
-              </a:extLst>
-            </p:cNvPr>
-            <p:cNvCxnSpPr>
-              <a:cxnSpLocks/>
-            </p:cNvCxnSpPr>
-            <p:nvPr/>
-          </p:nvCxnSpPr>
-          <p:spPr>
-            <a:xfrm>
-              <a:off x="6187629" y="3532483"/>
-              <a:ext cx="484742" cy="0"/>
-            </a:xfrm>
-            <a:prstGeom prst="straightConnector1">
-              <a:avLst/>
-            </a:prstGeom>
-            <a:ln>
-              <a:tailEnd type="triangle"/>
-            </a:ln>
-          </p:spPr>
-          <p:style>
-            <a:lnRef idx="1">
-              <a:schemeClr val="dk1"/>
-            </a:lnRef>
-            <a:fillRef idx="0">
-              <a:schemeClr val="dk1"/>
-            </a:fillRef>
-            <a:effectRef idx="0">
-              <a:schemeClr val="dk1"/>
-            </a:effectRef>
-            <a:fontRef idx="minor">
-              <a:schemeClr val="tx1"/>
-            </a:fontRef>
-          </p:style>
-        </p:cxnSp>
-        <p:sp>
-          <p:nvSpPr>
-            <p:cNvPr id="30" name="楕円 29">
-              <a:extLst>
-                <a:ext uri="{FF2B5EF4-FFF2-40B4-BE49-F238E27FC236}">
-                  <a16:creationId xmlns:a16="http://schemas.microsoft.com/office/drawing/2014/main" id="{E31BBDE0-47AB-4BD8-AD9D-DBBA1B11C6A4}"/>
-                </a:ext>
-              </a:extLst>
-            </p:cNvPr>
-            <p:cNvSpPr/>
-            <p:nvPr/>
-          </p:nvSpPr>
-          <p:spPr>
-            <a:xfrm>
-              <a:off x="3090693" y="3448296"/>
-              <a:ext cx="479236" cy="352540"/>
-            </a:xfrm>
-            <a:prstGeom prst="ellipse">
-              <a:avLst/>
-            </a:prstGeom>
-            <a:noFill/>
-            <a:ln>
-              <a:solidFill>
-                <a:srgbClr val="FF0000"/>
-              </a:solidFill>
-            </a:ln>
-          </p:spPr>
-          <p:style>
-            <a:lnRef idx="2">
-              <a:schemeClr val="accent1">
-                <a:shade val="50000"/>
-              </a:schemeClr>
-            </a:lnRef>
-            <a:fillRef idx="1">
-              <a:schemeClr val="accent1"/>
-            </a:fillRef>
-            <a:effectRef idx="0">
-              <a:schemeClr val="accent1"/>
-            </a:effectRef>
-            <a:fontRef idx="minor">
-              <a:schemeClr val="lt1"/>
-            </a:fontRef>
-          </p:style>
-          <p:txBody>
-            <a:bodyPr rtlCol="0" anchor="ctr"/>
-            <a:lstStyle/>
-            <a:p>
-              <a:pPr algn="ctr"/>
-              <a:endParaRPr kumimoji="1" lang="ja-JP" altLang="en-US"/>
-            </a:p>
-          </p:txBody>
-        </p:sp>
-        <p:sp>
-          <p:nvSpPr>
-            <p:cNvPr id="3" name="正方形/長方形 2">
-              <a:extLst>
-                <a:ext uri="{FF2B5EF4-FFF2-40B4-BE49-F238E27FC236}">
-                  <a16:creationId xmlns:a16="http://schemas.microsoft.com/office/drawing/2014/main" id="{7766D7A3-D3E1-4A77-9FA0-B1C14334CF48}"/>
-                </a:ext>
-              </a:extLst>
-            </p:cNvPr>
-            <p:cNvSpPr/>
-            <p:nvPr/>
-          </p:nvSpPr>
-          <p:spPr>
-            <a:xfrm>
-              <a:off x="4848801" y="3360027"/>
-              <a:ext cx="1338828" cy="369332"/>
-            </a:xfrm>
-            <a:prstGeom prst="rect">
-              <a:avLst/>
-            </a:prstGeom>
-          </p:spPr>
-          <p:txBody>
-            <a:bodyPr wrap="none">
-              <a:spAutoFit/>
-            </a:bodyPr>
-            <a:lstStyle/>
-            <a:p>
-              <a:pPr algn="ctr"/>
-              <a:r>
-                <a:rPr lang="ja-JP" altLang="en-US" dirty="0"/>
-                <a:t>再録音装置</a:t>
-              </a:r>
-            </a:p>
-          </p:txBody>
-        </p:sp>
-        <p:grpSp>
-          <p:nvGrpSpPr>
-            <p:cNvPr id="13" name="グループ化 12">
-              <a:extLst>
-                <a:ext uri="{FF2B5EF4-FFF2-40B4-BE49-F238E27FC236}">
-                  <a16:creationId xmlns:a16="http://schemas.microsoft.com/office/drawing/2014/main" id="{8727C9D0-04F4-47EA-938A-1A2F49815EBF}"/>
-                </a:ext>
-              </a:extLst>
-            </p:cNvPr>
-            <p:cNvGrpSpPr/>
-            <p:nvPr/>
-          </p:nvGrpSpPr>
-          <p:grpSpPr>
-            <a:xfrm>
-              <a:off x="6920531" y="3058115"/>
-              <a:ext cx="3101119" cy="914400"/>
-              <a:chOff x="2440239" y="4725333"/>
-              <a:chExt cx="3101119" cy="914400"/>
-            </a:xfrm>
-          </p:grpSpPr>
-          <p:sp>
-            <p:nvSpPr>
-              <p:cNvPr id="16" name="正方形/長方形 15">
-                <a:extLst>
-                  <a:ext uri="{FF2B5EF4-FFF2-40B4-BE49-F238E27FC236}">
-                    <a16:creationId xmlns:a16="http://schemas.microsoft.com/office/drawing/2014/main" id="{AAD69DFA-0AEA-4E31-A0EA-E62AF1A17570}"/>
-                  </a:ext>
-                </a:extLst>
-              </p:cNvPr>
-              <p:cNvSpPr/>
-              <p:nvPr/>
-            </p:nvSpPr>
-            <p:spPr>
-              <a:xfrm>
-                <a:off x="2440239" y="4725333"/>
-                <a:ext cx="1780145" cy="914400"/>
-              </a:xfrm>
-              <a:prstGeom prst="rect">
-                <a:avLst/>
-              </a:prstGeom>
-            </p:spPr>
-            <p:style>
-              <a:lnRef idx="2">
-                <a:schemeClr val="dk1"/>
-              </a:lnRef>
-              <a:fillRef idx="1">
-                <a:schemeClr val="lt1"/>
-              </a:fillRef>
-              <a:effectRef idx="0">
-                <a:schemeClr val="dk1"/>
-              </a:effectRef>
-              <a:fontRef idx="minor">
-                <a:schemeClr val="dk1"/>
-              </a:fontRef>
-            </p:style>
-            <p:txBody>
-              <a:bodyPr rtlCol="0" anchor="ctr"/>
-              <a:lstStyle/>
-              <a:p>
-                <a:pPr algn="ctr"/>
-                <a:r>
-                  <a:rPr kumimoji="1" lang="ja-JP" altLang="en-US" dirty="0"/>
-                  <a:t>室内伝達関数</a:t>
-                </a:r>
-                <a:endParaRPr kumimoji="1" lang="en-US" altLang="ja-JP" dirty="0"/>
-              </a:p>
-              <a:p>
-                <a:pPr algn="ctr"/>
-                <a:r>
-                  <a:rPr lang="en-US" altLang="ja-JP" dirty="0"/>
-                  <a:t>H</a:t>
-                </a:r>
-                <a:endParaRPr kumimoji="1" lang="ja-JP" altLang="en-US" dirty="0"/>
-              </a:p>
-            </p:txBody>
-          </p:sp>
-          <p:cxnSp>
-            <p:nvCxnSpPr>
-              <p:cNvPr id="23" name="直線矢印コネクタ 22">
-                <a:extLst>
-                  <a:ext uri="{FF2B5EF4-FFF2-40B4-BE49-F238E27FC236}">
-                    <a16:creationId xmlns:a16="http://schemas.microsoft.com/office/drawing/2014/main" id="{D6EA79EA-0FDD-42CF-9A8E-E41E373061F8}"/>
-                  </a:ext>
-                </a:extLst>
-              </p:cNvPr>
-              <p:cNvCxnSpPr/>
-              <p:nvPr/>
-            </p:nvCxnSpPr>
-            <p:spPr>
-              <a:xfrm>
-                <a:off x="4376786" y="5182533"/>
-                <a:ext cx="484742" cy="0"/>
-              </a:xfrm>
-              <a:prstGeom prst="straightConnector1">
-                <a:avLst/>
-              </a:prstGeom>
-              <a:ln>
-                <a:tailEnd type="triangle"/>
-              </a:ln>
-            </p:spPr>
-            <p:style>
-              <a:lnRef idx="1">
-                <a:schemeClr val="dk1"/>
-              </a:lnRef>
-              <a:fillRef idx="0">
-                <a:schemeClr val="dk1"/>
-              </a:fillRef>
-              <a:effectRef idx="0">
-                <a:schemeClr val="dk1"/>
-              </a:effectRef>
-              <a:fontRef idx="minor">
-                <a:schemeClr val="tx1"/>
-              </a:fontRef>
-            </p:style>
-          </p:cxnSp>
-          <p:sp>
-            <p:nvSpPr>
-              <p:cNvPr id="29" name="楕円 28">
-                <a:extLst>
-                  <a:ext uri="{FF2B5EF4-FFF2-40B4-BE49-F238E27FC236}">
-                    <a16:creationId xmlns:a16="http://schemas.microsoft.com/office/drawing/2014/main" id="{97FFB598-1F57-4D18-A8E8-BA41432BA97A}"/>
-                  </a:ext>
-                </a:extLst>
-              </p:cNvPr>
-              <p:cNvSpPr/>
-              <p:nvPr/>
-            </p:nvSpPr>
-            <p:spPr>
-              <a:xfrm>
-                <a:off x="3090693" y="5167842"/>
-                <a:ext cx="479236" cy="352540"/>
-              </a:xfrm>
-              <a:prstGeom prst="ellipse">
-                <a:avLst/>
-              </a:prstGeom>
-              <a:noFill/>
-              <a:ln>
-                <a:solidFill>
-                  <a:srgbClr val="FF0000"/>
-                </a:solidFill>
-              </a:ln>
-            </p:spPr>
-            <p:style>
-              <a:lnRef idx="2">
-                <a:schemeClr val="accent1">
-                  <a:shade val="50000"/>
-                </a:schemeClr>
-              </a:lnRef>
-              <a:fillRef idx="1">
-                <a:schemeClr val="accent1"/>
-              </a:fillRef>
-              <a:effectRef idx="0">
-                <a:schemeClr val="accent1"/>
-              </a:effectRef>
-              <a:fontRef idx="minor">
-                <a:schemeClr val="lt1"/>
-              </a:fontRef>
-            </p:style>
-            <p:txBody>
-              <a:bodyPr rtlCol="0" anchor="ctr"/>
-              <a:lstStyle/>
-              <a:p>
-                <a:pPr algn="ctr"/>
-                <a:endParaRPr kumimoji="1" lang="ja-JP" altLang="en-US"/>
-              </a:p>
-            </p:txBody>
-          </p:sp>
-          <p:sp>
-            <p:nvSpPr>
-              <p:cNvPr id="32" name="正方形/長方形 31">
-                <a:extLst>
-                  <a:ext uri="{FF2B5EF4-FFF2-40B4-BE49-F238E27FC236}">
-                    <a16:creationId xmlns:a16="http://schemas.microsoft.com/office/drawing/2014/main" id="{33FF66EB-8333-428E-9B41-32970254A19B}"/>
-                  </a:ext>
-                </a:extLst>
-              </p:cNvPr>
-              <p:cNvSpPr/>
-              <p:nvPr/>
-            </p:nvSpPr>
-            <p:spPr>
-              <a:xfrm>
-                <a:off x="4914263" y="4997867"/>
-                <a:ext cx="627095" cy="369332"/>
-              </a:xfrm>
-              <a:prstGeom prst="rect">
-                <a:avLst/>
-              </a:prstGeom>
-            </p:spPr>
-            <p:txBody>
-              <a:bodyPr wrap="none">
-                <a:spAutoFit/>
-              </a:bodyPr>
-              <a:lstStyle/>
-              <a:p>
-                <a:pPr algn="ctr"/>
-                <a:r>
-                  <a:rPr lang="en-US" altLang="ja-JP" dirty="0"/>
-                  <a:t>ASV</a:t>
-                </a:r>
-                <a:endParaRPr lang="ja-JP" altLang="en-US" dirty="0"/>
-              </a:p>
-            </p:txBody>
-          </p:sp>
-        </p:grpSp>
-      </p:grpSp>
-      <p:grpSp>
-        <p:nvGrpSpPr>
-          <p:cNvPr id="40" name="グループ化 39">
-            <a:extLst>
-              <a:ext uri="{FF2B5EF4-FFF2-40B4-BE49-F238E27FC236}">
-                <a16:creationId xmlns:a16="http://schemas.microsoft.com/office/drawing/2014/main" id="{448704DC-E957-450C-818C-D67FF419A44D}"/>
-              </a:ext>
-            </a:extLst>
-          </p:cNvPr>
-          <p:cNvGrpSpPr/>
-          <p:nvPr/>
-        </p:nvGrpSpPr>
-        <p:grpSpPr>
-          <a:xfrm>
-            <a:off x="926338" y="1085261"/>
-            <a:ext cx="9095311" cy="914400"/>
-            <a:chOff x="926338" y="1399160"/>
-            <a:chExt cx="9095311" cy="914400"/>
-          </a:xfrm>
-        </p:grpSpPr>
-        <p:sp>
-          <p:nvSpPr>
-            <p:cNvPr id="4" name="正方形/長方形 3">
-              <a:extLst>
-                <a:ext uri="{FF2B5EF4-FFF2-40B4-BE49-F238E27FC236}">
-                  <a16:creationId xmlns:a16="http://schemas.microsoft.com/office/drawing/2014/main" id="{FD07CC5E-78EE-4A80-B8BD-427F44B4C7BA}"/>
-                </a:ext>
-              </a:extLst>
-            </p:cNvPr>
-            <p:cNvSpPr/>
-            <p:nvPr/>
-          </p:nvSpPr>
-          <p:spPr>
-            <a:xfrm>
-              <a:off x="926338" y="1399160"/>
-              <a:ext cx="914400" cy="914400"/>
-            </a:xfrm>
-            <a:prstGeom prst="rect">
-              <a:avLst/>
-            </a:prstGeom>
-          </p:spPr>
-          <p:style>
-            <a:lnRef idx="2">
-              <a:schemeClr val="dk1"/>
-            </a:lnRef>
-            <a:fillRef idx="1">
-              <a:schemeClr val="lt1"/>
-            </a:fillRef>
-            <a:effectRef idx="0">
-              <a:schemeClr val="dk1"/>
-            </a:effectRef>
-            <a:fontRef idx="minor">
-              <a:schemeClr val="dk1"/>
-            </a:fontRef>
-          </p:style>
-          <p:txBody>
-            <a:bodyPr rtlCol="0" anchor="ctr"/>
-            <a:lstStyle/>
-            <a:p>
-              <a:pPr algn="ctr"/>
-              <a:r>
-                <a:rPr lang="ja-JP" altLang="en-US" dirty="0"/>
-                <a:t>音声</a:t>
-              </a:r>
-              <a:endParaRPr lang="en-US" altLang="ja-JP" dirty="0"/>
-            </a:p>
-            <a:p>
-              <a:pPr algn="ctr"/>
-              <a:r>
-                <a:rPr kumimoji="1" lang="en-US" altLang="ja-JP" dirty="0"/>
-                <a:t>S</a:t>
-              </a:r>
-              <a:endParaRPr kumimoji="1" lang="ja-JP" altLang="en-US" dirty="0"/>
-            </a:p>
-          </p:txBody>
-        </p:sp>
-        <p:cxnSp>
-          <p:nvCxnSpPr>
-            <p:cNvPr id="9" name="直線矢印コネクタ 8">
-              <a:extLst>
-                <a:ext uri="{FF2B5EF4-FFF2-40B4-BE49-F238E27FC236}">
-                  <a16:creationId xmlns:a16="http://schemas.microsoft.com/office/drawing/2014/main" id="{66CC4D2D-118E-4262-B25D-6CADE5741D5D}"/>
-                </a:ext>
-              </a:extLst>
-            </p:cNvPr>
-            <p:cNvCxnSpPr>
-              <a:cxnSpLocks/>
-            </p:cNvCxnSpPr>
-            <p:nvPr/>
-          </p:nvCxnSpPr>
-          <p:spPr>
-            <a:xfrm>
-              <a:off x="1945949" y="1904980"/>
-              <a:ext cx="4818180" cy="0"/>
-            </a:xfrm>
-            <a:prstGeom prst="straightConnector1">
-              <a:avLst/>
-            </a:prstGeom>
-            <a:ln>
-              <a:tailEnd type="triangle"/>
-            </a:ln>
-          </p:spPr>
-          <p:style>
-            <a:lnRef idx="1">
-              <a:schemeClr val="dk1"/>
-            </a:lnRef>
-            <a:fillRef idx="0">
-              <a:schemeClr val="dk1"/>
-            </a:fillRef>
-            <a:effectRef idx="0">
-              <a:schemeClr val="dk1"/>
-            </a:effectRef>
-            <a:fontRef idx="minor">
-              <a:schemeClr val="tx1"/>
-            </a:fontRef>
-          </p:style>
-        </p:cxnSp>
-        <p:grpSp>
-          <p:nvGrpSpPr>
-            <p:cNvPr id="12" name="グループ化 11">
-              <a:extLst>
-                <a:ext uri="{FF2B5EF4-FFF2-40B4-BE49-F238E27FC236}">
-                  <a16:creationId xmlns:a16="http://schemas.microsoft.com/office/drawing/2014/main" id="{7C88B353-6E6F-4337-BD57-1D585B573958}"/>
-                </a:ext>
-              </a:extLst>
-            </p:cNvPr>
-            <p:cNvGrpSpPr/>
-            <p:nvPr/>
-          </p:nvGrpSpPr>
-          <p:grpSpPr>
-            <a:xfrm>
-              <a:off x="6920531" y="1399160"/>
-              <a:ext cx="3101118" cy="914400"/>
-              <a:chOff x="5623621" y="1013550"/>
-              <a:chExt cx="3101118" cy="914400"/>
-            </a:xfrm>
-          </p:grpSpPr>
-          <p:grpSp>
-            <p:nvGrpSpPr>
-              <p:cNvPr id="8" name="グループ化 7">
-                <a:extLst>
-                  <a:ext uri="{FF2B5EF4-FFF2-40B4-BE49-F238E27FC236}">
-                    <a16:creationId xmlns:a16="http://schemas.microsoft.com/office/drawing/2014/main" id="{D3DC6C7B-923C-416A-87E8-67D41B102D49}"/>
-                  </a:ext>
-                </a:extLst>
-              </p:cNvPr>
-              <p:cNvGrpSpPr/>
-              <p:nvPr/>
-            </p:nvGrpSpPr>
-            <p:grpSpPr>
-              <a:xfrm>
-                <a:off x="5623621" y="1013550"/>
-                <a:ext cx="3101118" cy="914400"/>
-                <a:chOff x="2825830" y="1013550"/>
-                <a:chExt cx="3101118" cy="914400"/>
-              </a:xfrm>
-            </p:grpSpPr>
-            <p:sp>
-              <p:nvSpPr>
-                <p:cNvPr id="5" name="正方形/長方形 4">
-                  <a:extLst>
-                    <a:ext uri="{FF2B5EF4-FFF2-40B4-BE49-F238E27FC236}">
-                      <a16:creationId xmlns:a16="http://schemas.microsoft.com/office/drawing/2014/main" id="{B6F13C1F-3B9D-4BCA-9CD8-9B5A468D0959}"/>
-                    </a:ext>
-                  </a:extLst>
-                </p:cNvPr>
-                <p:cNvSpPr/>
-                <p:nvPr/>
-              </p:nvSpPr>
-              <p:spPr>
-                <a:xfrm>
-                  <a:off x="2825830" y="1013550"/>
-                  <a:ext cx="1780145" cy="914400"/>
-                </a:xfrm>
-                <a:prstGeom prst="rect">
-                  <a:avLst/>
-                </a:prstGeom>
-              </p:spPr>
-              <p:style>
-                <a:lnRef idx="2">
-                  <a:schemeClr val="dk1"/>
-                </a:lnRef>
-                <a:fillRef idx="1">
-                  <a:schemeClr val="lt1"/>
-                </a:fillRef>
-                <a:effectRef idx="0">
-                  <a:schemeClr val="dk1"/>
-                </a:effectRef>
-                <a:fontRef idx="minor">
-                  <a:schemeClr val="dk1"/>
-                </a:fontRef>
-              </p:style>
-              <p:txBody>
-                <a:bodyPr rtlCol="0" anchor="ctr"/>
-                <a:lstStyle/>
-                <a:p>
-                  <a:pPr algn="ctr"/>
-                  <a:r>
-                    <a:rPr lang="ja-JP" altLang="en-US" dirty="0"/>
-                    <a:t>室内伝達関数</a:t>
-                  </a:r>
-                  <a:endParaRPr kumimoji="1" lang="en-US" altLang="ja-JP" dirty="0"/>
-                </a:p>
-                <a:p>
-                  <a:pPr algn="ctr"/>
-                  <a:r>
-                    <a:rPr kumimoji="1" lang="en-US" altLang="ja-JP" dirty="0"/>
-                    <a:t>H</a:t>
-                  </a:r>
-                  <a:endParaRPr kumimoji="1" lang="ja-JP" altLang="en-US" dirty="0"/>
-                </a:p>
-              </p:txBody>
-            </p:sp>
-            <p:cxnSp>
-              <p:nvCxnSpPr>
-                <p:cNvPr id="10" name="直線矢印コネクタ 9">
-                  <a:extLst>
-                    <a:ext uri="{FF2B5EF4-FFF2-40B4-BE49-F238E27FC236}">
-                      <a16:creationId xmlns:a16="http://schemas.microsoft.com/office/drawing/2014/main" id="{65C1D09C-2617-4E03-9926-312636CBE1A2}"/>
-                    </a:ext>
-                  </a:extLst>
-                </p:cNvPr>
-                <p:cNvCxnSpPr>
-                  <a:cxnSpLocks/>
-                </p:cNvCxnSpPr>
-                <p:nvPr/>
-              </p:nvCxnSpPr>
-              <p:spPr>
-                <a:xfrm>
-                  <a:off x="4762377" y="1470750"/>
-                  <a:ext cx="484742" cy="0"/>
-                </a:xfrm>
-                <a:prstGeom prst="straightConnector1">
-                  <a:avLst/>
-                </a:prstGeom>
-                <a:ln>
-                  <a:tailEnd type="triangle"/>
-                </a:ln>
-              </p:spPr>
-              <p:style>
-                <a:lnRef idx="1">
-                  <a:schemeClr val="dk1"/>
-                </a:lnRef>
-                <a:fillRef idx="0">
-                  <a:schemeClr val="dk1"/>
-                </a:fillRef>
-                <a:effectRef idx="0">
-                  <a:schemeClr val="dk1"/>
-                </a:effectRef>
-                <a:fontRef idx="minor">
-                  <a:schemeClr val="tx1"/>
-                </a:fontRef>
-              </p:style>
-            </p:cxnSp>
-            <p:sp>
-              <p:nvSpPr>
-                <p:cNvPr id="2" name="正方形/長方形 1">
-                  <a:extLst>
-                    <a:ext uri="{FF2B5EF4-FFF2-40B4-BE49-F238E27FC236}">
-                      <a16:creationId xmlns:a16="http://schemas.microsoft.com/office/drawing/2014/main" id="{94B161BF-99CF-41E9-A7E4-92243A50B7BB}"/>
-                    </a:ext>
-                  </a:extLst>
-                </p:cNvPr>
-                <p:cNvSpPr/>
-                <p:nvPr/>
-              </p:nvSpPr>
-              <p:spPr>
-                <a:xfrm>
-                  <a:off x="5299853" y="1286084"/>
-                  <a:ext cx="627095" cy="369332"/>
-                </a:xfrm>
-                <a:prstGeom prst="rect">
-                  <a:avLst/>
-                </a:prstGeom>
-              </p:spPr>
-              <p:txBody>
-                <a:bodyPr wrap="none">
-                  <a:spAutoFit/>
-                </a:bodyPr>
-                <a:lstStyle/>
-                <a:p>
-                  <a:pPr algn="ctr"/>
-                  <a:r>
-                    <a:rPr lang="en-US" altLang="ja-JP" dirty="0"/>
-                    <a:t>ASV</a:t>
-                  </a:r>
-                  <a:endParaRPr lang="ja-JP" altLang="en-US" dirty="0"/>
-                </a:p>
-              </p:txBody>
-            </p:sp>
-          </p:grpSp>
-          <p:sp>
-            <p:nvSpPr>
-              <p:cNvPr id="27" name="楕円 26">
-                <a:extLst>
-                  <a:ext uri="{FF2B5EF4-FFF2-40B4-BE49-F238E27FC236}">
-                    <a16:creationId xmlns:a16="http://schemas.microsoft.com/office/drawing/2014/main" id="{FB544C29-6602-4C5D-A2F5-305C85CBC55A}"/>
-                  </a:ext>
-                </a:extLst>
-              </p:cNvPr>
-              <p:cNvSpPr/>
-              <p:nvPr/>
-            </p:nvSpPr>
-            <p:spPr>
-              <a:xfrm>
-                <a:off x="6274075" y="1432191"/>
-                <a:ext cx="479236" cy="352540"/>
-              </a:xfrm>
-              <a:prstGeom prst="ellipse">
-                <a:avLst/>
-              </a:prstGeom>
-              <a:noFill/>
-              <a:ln>
-                <a:solidFill>
-                  <a:srgbClr val="FF0000"/>
-                </a:solidFill>
-              </a:ln>
-            </p:spPr>
-            <p:style>
-              <a:lnRef idx="2">
-                <a:schemeClr val="accent1">
-                  <a:shade val="50000"/>
-                </a:schemeClr>
-              </a:lnRef>
-              <a:fillRef idx="1">
-                <a:schemeClr val="accent1"/>
-              </a:fillRef>
-              <a:effectRef idx="0">
-                <a:schemeClr val="accent1"/>
-              </a:effectRef>
-              <a:fontRef idx="minor">
-                <a:schemeClr val="lt1"/>
-              </a:fontRef>
-            </p:style>
-            <p:txBody>
-              <a:bodyPr rtlCol="0" anchor="ctr"/>
-              <a:lstStyle/>
-              <a:p>
-                <a:pPr algn="ctr"/>
-                <a:endParaRPr kumimoji="1" lang="ja-JP" altLang="en-US"/>
-              </a:p>
-            </p:txBody>
-          </p:sp>
-        </p:grpSp>
-      </p:grpSp>
-    </p:spTree>
-    <p:extLst>
-      <p:ext uri="{BB962C8B-B14F-4D97-AF65-F5344CB8AC3E}">
-        <p14:creationId xmlns:p14="http://schemas.microsoft.com/office/powerpoint/2010/main" val="1810248974"/>
       </p:ext>
     </p:extLst>
   </p:cSld>
